--- a/artifacts/demo/Hyper_Personalization_Recommendation_System.pptx
+++ b/artifacts/demo/Hyper_Personalization_Recommendation_System.pptx
@@ -1,46 +1,46 @@
 
 <file path=ppt/presentation.xml><?xml version="1.0" encoding="utf-8"?>
-<p:presentation xmlns:a="http://schemas.openxmlformats.org/drawingml/2006/main" xmlns:r="http://schemas.openxmlformats.org/officeDocument/2006/relationships" xmlns:mc="http://schemas.openxmlformats.org/markup-compatibility/2006" xmlns:mv="urn:schemas-microsoft-com:mac:vml" xmlns:p="http://schemas.openxmlformats.org/presentationml/2006/main" xmlns:c="http://schemas.openxmlformats.org/drawingml/2006/chart" xmlns:dgm="http://schemas.openxmlformats.org/drawingml/2006/diagram" xmlns:o="urn:schemas-microsoft-com:office:office" xmlns:v="urn:schemas-microsoft-com:vml" xmlns:pvml="urn:schemas-microsoft-com:office:powerpoint" xmlns:com="http://schemas.openxmlformats.org/drawingml/2006/compatibility" xmlns:p14="http://schemas.microsoft.com/office/powerpoint/2010/main" xmlns:p15="http://schemas.microsoft.com/office/powerpoint/2012/main" xmlns:ahyp="http://schemas.microsoft.com/office/drawing/2018/hyperlinkcolor" autoCompressPictures="0" embedTrueTypeFonts="1" strictFirstAndLastChars="0" saveSubsetFonts="1">
+<p:presentation xmlns:a="http://schemas.openxmlformats.org/drawingml/2006/main" xmlns:r="http://schemas.openxmlformats.org/officeDocument/2006/relationships" xmlns:p="http://schemas.openxmlformats.org/presentationml/2006/main" strictFirstAndLastChars="0" embedTrueTypeFonts="1" saveSubsetFonts="1" autoCompressPictures="0">
   <p:sldMasterIdLst>
-    <p:sldMasterId id="2147483659" r:id="rId4"/>
+    <p:sldMasterId id="2147483659" r:id="rId1"/>
   </p:sldMasterIdLst>
   <p:notesMasterIdLst>
-    <p:notesMasterId r:id="rId5"/>
+    <p:notesMasterId r:id="rId14"/>
   </p:notesMasterIdLst>
   <p:sldIdLst>
-    <p:sldId id="256" r:id="rId6"/>
-    <p:sldId id="257" r:id="rId7"/>
-    <p:sldId id="258" r:id="rId8"/>
-    <p:sldId id="259" r:id="rId9"/>
-    <p:sldId id="260" r:id="rId10"/>
-    <p:sldId id="261" r:id="rId11"/>
-    <p:sldId id="262" r:id="rId12"/>
-    <p:sldId id="263" r:id="rId13"/>
-    <p:sldId id="264" r:id="rId14"/>
-    <p:sldId id="265" r:id="rId15"/>
-    <p:sldId id="266" r:id="rId16"/>
-    <p:sldId id="267" r:id="rId17"/>
+    <p:sldId id="256" r:id="rId2"/>
+    <p:sldId id="257" r:id="rId3"/>
+    <p:sldId id="258" r:id="rId4"/>
+    <p:sldId id="259" r:id="rId5"/>
+    <p:sldId id="260" r:id="rId6"/>
+    <p:sldId id="261" r:id="rId7"/>
+    <p:sldId id="262" r:id="rId8"/>
+    <p:sldId id="263" r:id="rId9"/>
+    <p:sldId id="264" r:id="rId10"/>
+    <p:sldId id="265" r:id="rId11"/>
+    <p:sldId id="266" r:id="rId12"/>
+    <p:sldId id="267" r:id="rId13"/>
   </p:sldIdLst>
-  <p:sldSz cy="5143500" cx="9144000"/>
+  <p:sldSz cx="9144000" cy="5143500" type="screen16x9"/>
   <p:notesSz cx="6858000" cy="9144000"/>
   <p:embeddedFontLst>
     <p:embeddedFont>
-      <p:font typeface="Raleway"/>
-      <p:regular r:id="rId18"/>
-      <p:bold r:id="rId19"/>
-      <p:italic r:id="rId20"/>
-      <p:boldItalic r:id="rId21"/>
+      <p:font typeface="Lato" panose="020F0502020204030203" pitchFamily="34" charset="0"/>
+      <p:regular r:id="rId15"/>
+      <p:bold r:id="rId16"/>
+      <p:italic r:id="rId17"/>
+      <p:boldItalic r:id="rId18"/>
     </p:embeddedFont>
     <p:embeddedFont>
-      <p:font typeface="Lato"/>
-      <p:regular r:id="rId22"/>
-      <p:bold r:id="rId23"/>
-      <p:italic r:id="rId24"/>
-      <p:boldItalic r:id="rId25"/>
+      <p:font typeface="Raleway" pitchFamily="2" charset="0"/>
+      <p:regular r:id="rId19"/>
+      <p:bold r:id="rId20"/>
+      <p:italic r:id="rId21"/>
+      <p:boldItalic r:id="rId22"/>
     </p:embeddedFont>
   </p:embeddedFontLst>
   <p:defaultTextStyle>
-    <a:defPPr lvl="0" marR="0" rtl="0" algn="l">
+    <a:defPPr marR="0" lvl="0" algn="l" rtl="0">
       <a:lnSpc>
         <a:spcPct val="100000"/>
       </a:lnSpc>
@@ -51,7 +51,7 @@
         <a:spcPts val="0"/>
       </a:spcAft>
     </a:defPPr>
-    <a:lvl1pPr lvl="0" marR="0" rtl="0" algn="l">
+    <a:lvl1pPr marR="0" lvl="0" algn="l" rtl="0">
       <a:lnSpc>
         <a:spcPct val="100000"/>
       </a:lnSpc>
@@ -65,7 +65,7 @@
         <a:srgbClr val="000000"/>
       </a:buClr>
       <a:buFont typeface="Arial"/>
-      <a:defRPr b="0" i="0" sz="1400" u="none" cap="none" strike="noStrike">
+      <a:defRPr sz="1400" b="0" i="0" u="none" strike="noStrike" cap="none">
         <a:solidFill>
           <a:srgbClr val="000000"/>
         </a:solidFill>
@@ -75,7 +75,7 @@
         <a:sym typeface="Arial"/>
       </a:defRPr>
     </a:lvl1pPr>
-    <a:lvl2pPr lvl="1" marR="0" rtl="0" algn="l">
+    <a:lvl2pPr marR="0" lvl="1" algn="l" rtl="0">
       <a:lnSpc>
         <a:spcPct val="100000"/>
       </a:lnSpc>
@@ -89,7 +89,7 @@
         <a:srgbClr val="000000"/>
       </a:buClr>
       <a:buFont typeface="Arial"/>
-      <a:defRPr b="0" i="0" sz="1400" u="none" cap="none" strike="noStrike">
+      <a:defRPr sz="1400" b="0" i="0" u="none" strike="noStrike" cap="none">
         <a:solidFill>
           <a:srgbClr val="000000"/>
         </a:solidFill>
@@ -99,7 +99,7 @@
         <a:sym typeface="Arial"/>
       </a:defRPr>
     </a:lvl2pPr>
-    <a:lvl3pPr lvl="2" marR="0" rtl="0" algn="l">
+    <a:lvl3pPr marR="0" lvl="2" algn="l" rtl="0">
       <a:lnSpc>
         <a:spcPct val="100000"/>
       </a:lnSpc>
@@ -113,7 +113,7 @@
         <a:srgbClr val="000000"/>
       </a:buClr>
       <a:buFont typeface="Arial"/>
-      <a:defRPr b="0" i="0" sz="1400" u="none" cap="none" strike="noStrike">
+      <a:defRPr sz="1400" b="0" i="0" u="none" strike="noStrike" cap="none">
         <a:solidFill>
           <a:srgbClr val="000000"/>
         </a:solidFill>
@@ -123,7 +123,7 @@
         <a:sym typeface="Arial"/>
       </a:defRPr>
     </a:lvl3pPr>
-    <a:lvl4pPr lvl="3" marR="0" rtl="0" algn="l">
+    <a:lvl4pPr marR="0" lvl="3" algn="l" rtl="0">
       <a:lnSpc>
         <a:spcPct val="100000"/>
       </a:lnSpc>
@@ -137,7 +137,7 @@
         <a:srgbClr val="000000"/>
       </a:buClr>
       <a:buFont typeface="Arial"/>
-      <a:defRPr b="0" i="0" sz="1400" u="none" cap="none" strike="noStrike">
+      <a:defRPr sz="1400" b="0" i="0" u="none" strike="noStrike" cap="none">
         <a:solidFill>
           <a:srgbClr val="000000"/>
         </a:solidFill>
@@ -147,7 +147,7 @@
         <a:sym typeface="Arial"/>
       </a:defRPr>
     </a:lvl4pPr>
-    <a:lvl5pPr lvl="4" marR="0" rtl="0" algn="l">
+    <a:lvl5pPr marR="0" lvl="4" algn="l" rtl="0">
       <a:lnSpc>
         <a:spcPct val="100000"/>
       </a:lnSpc>
@@ -161,7 +161,7 @@
         <a:srgbClr val="000000"/>
       </a:buClr>
       <a:buFont typeface="Arial"/>
-      <a:defRPr b="0" i="0" sz="1400" u="none" cap="none" strike="noStrike">
+      <a:defRPr sz="1400" b="0" i="0" u="none" strike="noStrike" cap="none">
         <a:solidFill>
           <a:srgbClr val="000000"/>
         </a:solidFill>
@@ -171,7 +171,7 @@
         <a:sym typeface="Arial"/>
       </a:defRPr>
     </a:lvl5pPr>
-    <a:lvl6pPr lvl="5" marR="0" rtl="0" algn="l">
+    <a:lvl6pPr marR="0" lvl="5" algn="l" rtl="0">
       <a:lnSpc>
         <a:spcPct val="100000"/>
       </a:lnSpc>
@@ -185,7 +185,7 @@
         <a:srgbClr val="000000"/>
       </a:buClr>
       <a:buFont typeface="Arial"/>
-      <a:defRPr b="0" i="0" sz="1400" u="none" cap="none" strike="noStrike">
+      <a:defRPr sz="1400" b="0" i="0" u="none" strike="noStrike" cap="none">
         <a:solidFill>
           <a:srgbClr val="000000"/>
         </a:solidFill>
@@ -195,7 +195,7 @@
         <a:sym typeface="Arial"/>
       </a:defRPr>
     </a:lvl6pPr>
-    <a:lvl7pPr lvl="6" marR="0" rtl="0" algn="l">
+    <a:lvl7pPr marR="0" lvl="6" algn="l" rtl="0">
       <a:lnSpc>
         <a:spcPct val="100000"/>
       </a:lnSpc>
@@ -209,7 +209,7 @@
         <a:srgbClr val="000000"/>
       </a:buClr>
       <a:buFont typeface="Arial"/>
-      <a:defRPr b="0" i="0" sz="1400" u="none" cap="none" strike="noStrike">
+      <a:defRPr sz="1400" b="0" i="0" u="none" strike="noStrike" cap="none">
         <a:solidFill>
           <a:srgbClr val="000000"/>
         </a:solidFill>
@@ -219,7 +219,7 @@
         <a:sym typeface="Arial"/>
       </a:defRPr>
     </a:lvl7pPr>
-    <a:lvl8pPr lvl="7" marR="0" rtl="0" algn="l">
+    <a:lvl8pPr marR="0" lvl="7" algn="l" rtl="0">
       <a:lnSpc>
         <a:spcPct val="100000"/>
       </a:lnSpc>
@@ -233,7 +233,7 @@
         <a:srgbClr val="000000"/>
       </a:buClr>
       <a:buFont typeface="Arial"/>
-      <a:defRPr b="0" i="0" sz="1400" u="none" cap="none" strike="noStrike">
+      <a:defRPr sz="1400" b="0" i="0" u="none" strike="noStrike" cap="none">
         <a:solidFill>
           <a:srgbClr val="000000"/>
         </a:solidFill>
@@ -243,7 +243,7 @@
         <a:sym typeface="Arial"/>
       </a:defRPr>
     </a:lvl8pPr>
-    <a:lvl9pPr lvl="8" marR="0" rtl="0" algn="l">
+    <a:lvl9pPr marR="0" lvl="8" algn="l" rtl="0">
       <a:lnSpc>
         <a:spcPct val="100000"/>
       </a:lnSpc>
@@ -257,7 +257,7 @@
         <a:srgbClr val="000000"/>
       </a:buClr>
       <a:buFont typeface="Arial"/>
-      <a:defRPr b="0" i="0" sz="1400" u="none" cap="none" strike="noStrike">
+      <a:defRPr sz="1400" b="0" i="0" u="none" strike="noStrike" cap="none">
         <a:solidFill>
           <a:srgbClr val="000000"/>
         </a:solidFill>
@@ -270,7 +270,7 @@
   </p:defaultTextStyle>
   <p:extLst>
     <p:ext uri="{EFAFB233-063F-42B5-8137-9DF3F51BA10A}">
-      <p15:sldGuideLst>
+      <p15:sldGuideLst xmlns:p15="http://schemas.microsoft.com/office/powerpoint/2012/main">
         <p15:guide id="1" orient="horz" pos="1620">
           <p15:clr>
             <a:srgbClr val="747775"/>
@@ -288,11 +288,16 @@
 </file>
 
 <file path=ppt/notesMasters/notesMaster1.xml><?xml version="1.0" encoding="utf-8"?>
-<p:notesMaster xmlns:a="http://schemas.openxmlformats.org/drawingml/2006/main" xmlns:r="http://schemas.openxmlformats.org/officeDocument/2006/relationships" xmlns:mc="http://schemas.openxmlformats.org/markup-compatibility/2006" xmlns:mv="urn:schemas-microsoft-com:mac:vml" xmlns:p="http://schemas.openxmlformats.org/presentationml/2006/main" xmlns:c="http://schemas.openxmlformats.org/drawingml/2006/chart" xmlns:dgm="http://schemas.openxmlformats.org/drawingml/2006/diagram" xmlns:o="urn:schemas-microsoft-com:office:office" xmlns:v="urn:schemas-microsoft-com:vml" xmlns:pvml="urn:schemas-microsoft-com:office:powerpoint" xmlns:com="http://schemas.openxmlformats.org/drawingml/2006/compatibility" xmlns:p14="http://schemas.microsoft.com/office/powerpoint/2010/main" xmlns:p15="http://schemas.microsoft.com/office/powerpoint/2012/main" xmlns:ahyp="http://schemas.microsoft.com/office/drawing/2018/hyperlinkcolor">
+<p:notesMaster xmlns:a="http://schemas.openxmlformats.org/drawingml/2006/main" xmlns:r="http://schemas.openxmlformats.org/officeDocument/2006/relationships" xmlns:p="http://schemas.openxmlformats.org/presentationml/2006/main">
   <p:cSld>
+    <p:bg>
+      <p:bgRef idx="1001">
+        <a:schemeClr val="bg1"/>
+      </p:bgRef>
+    </p:bg>
     <p:spTree>
       <p:nvGrpSpPr>
-        <p:cNvPr id="2" name="Shape 2"/>
+        <p:cNvPr id="1" name="Shape 2"/>
         <p:cNvGrpSpPr/>
         <p:nvPr/>
       </p:nvGrpSpPr>
@@ -307,9 +312,11 @@
       <p:sp>
         <p:nvSpPr>
           <p:cNvPr id="3" name="Google Shape;3;n"/>
-          <p:cNvSpPr/>
+          <p:cNvSpPr>
+            <a:spLocks noGrp="1" noRot="1" noChangeAspect="1"/>
+          </p:cNvSpPr>
           <p:nvPr>
-            <p:ph idx="2" type="sldImg"/>
+            <p:ph type="sldImg" idx="2"/>
           </p:nvPr>
         </p:nvSpPr>
         <p:spPr>
@@ -318,9 +325,13 @@
             <a:ext cx="6096075" cy="3429000"/>
           </a:xfrm>
           <a:custGeom>
-            <a:rect b="b" l="l" r="r" t="t"/>
+            <a:avLst/>
+            <a:gdLst/>
+            <a:ahLst/>
+            <a:cxnLst/>
+            <a:rect l="l" t="t" r="r" b="b"/>
             <a:pathLst>
-              <a:path extrusionOk="0" h="120000" w="120000">
+              <a:path w="120000" h="120000" extrusionOk="0">
                 <a:moveTo>
                   <a:pt x="0" y="0"/>
                 </a:moveTo>
@@ -338,23 +349,25 @@
             </a:pathLst>
           </a:custGeom>
           <a:noFill/>
-          <a:ln cap="flat" cmpd="sng" w="9525">
+          <a:ln w="9525" cap="flat" cmpd="sng">
             <a:solidFill>
               <a:srgbClr val="000000"/>
             </a:solidFill>
             <a:prstDash val="solid"/>
             <a:round/>
-            <a:headEnd len="sm" w="sm" type="none"/>
-            <a:tailEnd len="sm" w="sm" type="none"/>
+            <a:headEnd type="none" w="sm" len="sm"/>
+            <a:tailEnd type="none" w="sm" len="sm"/>
           </a:ln>
         </p:spPr>
       </p:sp>
       <p:sp>
         <p:nvSpPr>
           <p:cNvPr id="4" name="Google Shape;4;n"/>
-          <p:cNvSpPr txBox="1"/>
+          <p:cNvSpPr txBox="1">
+            <a:spLocks noGrp="1"/>
+          </p:cNvSpPr>
           <p:nvPr>
-            <p:ph idx="1" type="body"/>
+            <p:ph type="body" idx="1"/>
           </p:nvPr>
         </p:nvSpPr>
         <p:spPr>
@@ -371,11 +384,11 @@
           </a:ln>
         </p:spPr>
         <p:txBody>
-          <a:bodyPr anchorCtr="0" anchor="t" bIns="91425" lIns="91425" spcFirstLastPara="1" rIns="91425" wrap="square" tIns="91425">
+          <a:bodyPr spcFirstLastPara="1" wrap="square" lIns="91425" tIns="91425" rIns="91425" bIns="91425" anchor="t" anchorCtr="0">
             <a:noAutofit/>
           </a:bodyPr>
           <a:lstStyle>
-            <a:lvl1pPr indent="-298450" lvl="0" marL="457200">
+            <a:lvl1pPr marL="457200" lvl="0" indent="-298450">
               <a:spcBef>
                 <a:spcPts val="0"/>
               </a:spcBef>
@@ -386,7 +399,7 @@
               <a:buChar char="●"/>
               <a:defRPr sz="1100"/>
             </a:lvl1pPr>
-            <a:lvl2pPr indent="-298450" lvl="1" marL="914400">
+            <a:lvl2pPr marL="914400" lvl="1" indent="-298450">
               <a:spcBef>
                 <a:spcPts val="0"/>
               </a:spcBef>
@@ -397,7 +410,7 @@
               <a:buChar char="○"/>
               <a:defRPr sz="1100"/>
             </a:lvl2pPr>
-            <a:lvl3pPr indent="-298450" lvl="2" marL="1371600">
+            <a:lvl3pPr marL="1371600" lvl="2" indent="-298450">
               <a:spcBef>
                 <a:spcPts val="0"/>
               </a:spcBef>
@@ -408,7 +421,7 @@
               <a:buChar char="■"/>
               <a:defRPr sz="1100"/>
             </a:lvl3pPr>
-            <a:lvl4pPr indent="-298450" lvl="3" marL="1828800">
+            <a:lvl4pPr marL="1828800" lvl="3" indent="-298450">
               <a:spcBef>
                 <a:spcPts val="0"/>
               </a:spcBef>
@@ -419,7 +432,7 @@
               <a:buChar char="●"/>
               <a:defRPr sz="1100"/>
             </a:lvl4pPr>
-            <a:lvl5pPr indent="-298450" lvl="4" marL="2286000">
+            <a:lvl5pPr marL="2286000" lvl="4" indent="-298450">
               <a:spcBef>
                 <a:spcPts val="0"/>
               </a:spcBef>
@@ -430,7 +443,7 @@
               <a:buChar char="○"/>
               <a:defRPr sz="1100"/>
             </a:lvl5pPr>
-            <a:lvl6pPr indent="-298450" lvl="5" marL="2743200">
+            <a:lvl6pPr marL="2743200" lvl="5" indent="-298450">
               <a:spcBef>
                 <a:spcPts val="0"/>
               </a:spcBef>
@@ -441,7 +454,7 @@
               <a:buChar char="■"/>
               <a:defRPr sz="1100"/>
             </a:lvl6pPr>
-            <a:lvl7pPr indent="-298450" lvl="6" marL="3200400">
+            <a:lvl7pPr marL="3200400" lvl="6" indent="-298450">
               <a:spcBef>
                 <a:spcPts val="0"/>
               </a:spcBef>
@@ -452,7 +465,7 @@
               <a:buChar char="●"/>
               <a:defRPr sz="1100"/>
             </a:lvl7pPr>
-            <a:lvl8pPr indent="-298450" lvl="7" marL="3657600">
+            <a:lvl8pPr marL="3657600" lvl="7" indent="-298450">
               <a:spcBef>
                 <a:spcPts val="0"/>
               </a:spcBef>
@@ -463,7 +476,7 @@
               <a:buChar char="○"/>
               <a:defRPr sz="1100"/>
             </a:lvl8pPr>
-            <a:lvl9pPr indent="-298450" lvl="8" marL="4114800">
+            <a:lvl9pPr marL="4114800" lvl="8" indent="-298450">
               <a:spcBef>
                 <a:spcPts val="0"/>
               </a:spcBef>
@@ -475,14 +488,16 @@
               <a:defRPr sz="1100"/>
             </a:lvl9pPr>
           </a:lstStyle>
-          <a:p/>
+          <a:p>
+            <a:endParaRPr/>
+          </a:p>
         </p:txBody>
       </p:sp>
     </p:spTree>
   </p:cSld>
-  <p:clrMap accent1="accent1" accent2="accent2" accent3="accent3" accent4="accent4" accent5="accent5" accent6="accent6" bg1="lt1" bg2="dk2" tx1="dk1" tx2="lt2" folHlink="folHlink" hlink="hlink"/>
+  <p:clrMap bg1="lt1" tx1="dk1" bg2="dk2" tx2="lt2" accent1="accent1" accent2="accent2" accent3="accent3" accent4="accent4" accent5="accent5" accent6="accent6" hlink="hlink" folHlink="folHlink"/>
   <p:notesStyle>
-    <a:defPPr lvl="0" marR="0" rtl="0" algn="l">
+    <a:defPPr marR="0" lvl="0" algn="l" rtl="0">
       <a:lnSpc>
         <a:spcPct val="100000"/>
       </a:lnSpc>
@@ -493,7 +508,7 @@
         <a:spcPts val="0"/>
       </a:spcAft>
     </a:defPPr>
-    <a:lvl1pPr lvl="0" marR="0" rtl="0" algn="l">
+    <a:lvl1pPr marR="0" lvl="0" algn="l" rtl="0">
       <a:lnSpc>
         <a:spcPct val="100000"/>
       </a:lnSpc>
@@ -507,7 +522,7 @@
         <a:srgbClr val="000000"/>
       </a:buClr>
       <a:buFont typeface="Arial"/>
-      <a:defRPr b="0" i="0" sz="1400" u="none" cap="none" strike="noStrike">
+      <a:defRPr sz="1400" b="0" i="0" u="none" strike="noStrike" cap="none">
         <a:solidFill>
           <a:srgbClr val="000000"/>
         </a:solidFill>
@@ -517,7 +532,7 @@
         <a:sym typeface="Arial"/>
       </a:defRPr>
     </a:lvl1pPr>
-    <a:lvl2pPr lvl="1" marR="0" rtl="0" algn="l">
+    <a:lvl2pPr marR="0" lvl="1" algn="l" rtl="0">
       <a:lnSpc>
         <a:spcPct val="100000"/>
       </a:lnSpc>
@@ -531,7 +546,7 @@
         <a:srgbClr val="000000"/>
       </a:buClr>
       <a:buFont typeface="Arial"/>
-      <a:defRPr b="0" i="0" sz="1400" u="none" cap="none" strike="noStrike">
+      <a:defRPr sz="1400" b="0" i="0" u="none" strike="noStrike" cap="none">
         <a:solidFill>
           <a:srgbClr val="000000"/>
         </a:solidFill>
@@ -541,7 +556,7 @@
         <a:sym typeface="Arial"/>
       </a:defRPr>
     </a:lvl2pPr>
-    <a:lvl3pPr lvl="2" marR="0" rtl="0" algn="l">
+    <a:lvl3pPr marR="0" lvl="2" algn="l" rtl="0">
       <a:lnSpc>
         <a:spcPct val="100000"/>
       </a:lnSpc>
@@ -555,7 +570,7 @@
         <a:srgbClr val="000000"/>
       </a:buClr>
       <a:buFont typeface="Arial"/>
-      <a:defRPr b="0" i="0" sz="1400" u="none" cap="none" strike="noStrike">
+      <a:defRPr sz="1400" b="0" i="0" u="none" strike="noStrike" cap="none">
         <a:solidFill>
           <a:srgbClr val="000000"/>
         </a:solidFill>
@@ -565,7 +580,7 @@
         <a:sym typeface="Arial"/>
       </a:defRPr>
     </a:lvl3pPr>
-    <a:lvl4pPr lvl="3" marR="0" rtl="0" algn="l">
+    <a:lvl4pPr marR="0" lvl="3" algn="l" rtl="0">
       <a:lnSpc>
         <a:spcPct val="100000"/>
       </a:lnSpc>
@@ -579,7 +594,7 @@
         <a:srgbClr val="000000"/>
       </a:buClr>
       <a:buFont typeface="Arial"/>
-      <a:defRPr b="0" i="0" sz="1400" u="none" cap="none" strike="noStrike">
+      <a:defRPr sz="1400" b="0" i="0" u="none" strike="noStrike" cap="none">
         <a:solidFill>
           <a:srgbClr val="000000"/>
         </a:solidFill>
@@ -589,7 +604,7 @@
         <a:sym typeface="Arial"/>
       </a:defRPr>
     </a:lvl4pPr>
-    <a:lvl5pPr lvl="4" marR="0" rtl="0" algn="l">
+    <a:lvl5pPr marR="0" lvl="4" algn="l" rtl="0">
       <a:lnSpc>
         <a:spcPct val="100000"/>
       </a:lnSpc>
@@ -603,7 +618,7 @@
         <a:srgbClr val="000000"/>
       </a:buClr>
       <a:buFont typeface="Arial"/>
-      <a:defRPr b="0" i="0" sz="1400" u="none" cap="none" strike="noStrike">
+      <a:defRPr sz="1400" b="0" i="0" u="none" strike="noStrike" cap="none">
         <a:solidFill>
           <a:srgbClr val="000000"/>
         </a:solidFill>
@@ -613,7 +628,7 @@
         <a:sym typeface="Arial"/>
       </a:defRPr>
     </a:lvl5pPr>
-    <a:lvl6pPr lvl="5" marR="0" rtl="0" algn="l">
+    <a:lvl6pPr marR="0" lvl="5" algn="l" rtl="0">
       <a:lnSpc>
         <a:spcPct val="100000"/>
       </a:lnSpc>
@@ -627,7 +642,7 @@
         <a:srgbClr val="000000"/>
       </a:buClr>
       <a:buFont typeface="Arial"/>
-      <a:defRPr b="0" i="0" sz="1400" u="none" cap="none" strike="noStrike">
+      <a:defRPr sz="1400" b="0" i="0" u="none" strike="noStrike" cap="none">
         <a:solidFill>
           <a:srgbClr val="000000"/>
         </a:solidFill>
@@ -637,7 +652,7 @@
         <a:sym typeface="Arial"/>
       </a:defRPr>
     </a:lvl6pPr>
-    <a:lvl7pPr lvl="6" marR="0" rtl="0" algn="l">
+    <a:lvl7pPr marR="0" lvl="6" algn="l" rtl="0">
       <a:lnSpc>
         <a:spcPct val="100000"/>
       </a:lnSpc>
@@ -651,7 +666,7 @@
         <a:srgbClr val="000000"/>
       </a:buClr>
       <a:buFont typeface="Arial"/>
-      <a:defRPr b="0" i="0" sz="1400" u="none" cap="none" strike="noStrike">
+      <a:defRPr sz="1400" b="0" i="0" u="none" strike="noStrike" cap="none">
         <a:solidFill>
           <a:srgbClr val="000000"/>
         </a:solidFill>
@@ -661,7 +676,7 @@
         <a:sym typeface="Arial"/>
       </a:defRPr>
     </a:lvl7pPr>
-    <a:lvl8pPr lvl="7" marR="0" rtl="0" algn="l">
+    <a:lvl8pPr marR="0" lvl="7" algn="l" rtl="0">
       <a:lnSpc>
         <a:spcPct val="100000"/>
       </a:lnSpc>
@@ -675,7 +690,7 @@
         <a:srgbClr val="000000"/>
       </a:buClr>
       <a:buFont typeface="Arial"/>
-      <a:defRPr b="0" i="0" sz="1400" u="none" cap="none" strike="noStrike">
+      <a:defRPr sz="1400" b="0" i="0" u="none" strike="noStrike" cap="none">
         <a:solidFill>
           <a:srgbClr val="000000"/>
         </a:solidFill>
@@ -685,7 +700,7 @@
         <a:sym typeface="Arial"/>
       </a:defRPr>
     </a:lvl8pPr>
-    <a:lvl9pPr lvl="8" marR="0" rtl="0" algn="l">
+    <a:lvl9pPr marR="0" lvl="8" algn="l" rtl="0">
       <a:lnSpc>
         <a:spcPct val="100000"/>
       </a:lnSpc>
@@ -699,7 +714,7 @@
         <a:srgbClr val="000000"/>
       </a:buClr>
       <a:buFont typeface="Arial"/>
-      <a:defRPr b="0" i="0" sz="1400" u="none" cap="none" strike="noStrike">
+      <a:defRPr sz="1400" b="0" i="0" u="none" strike="noStrike" cap="none">
         <a:solidFill>
           <a:srgbClr val="000000"/>
         </a:solidFill>
@@ -714,11 +729,11 @@
 </file>
 
 <file path=ppt/notesSlides/notesSlide1.xml><?xml version="1.0" encoding="utf-8"?>
-<p:notes xmlns:a="http://schemas.openxmlformats.org/drawingml/2006/main" xmlns:r="http://schemas.openxmlformats.org/officeDocument/2006/relationships" xmlns:mc="http://schemas.openxmlformats.org/markup-compatibility/2006" xmlns:mv="urn:schemas-microsoft-com:mac:vml" xmlns:p="http://schemas.openxmlformats.org/presentationml/2006/main" xmlns:c="http://schemas.openxmlformats.org/drawingml/2006/chart" xmlns:dgm="http://schemas.openxmlformats.org/drawingml/2006/diagram" xmlns:o="urn:schemas-microsoft-com:office:office" xmlns:v="urn:schemas-microsoft-com:vml" xmlns:pvml="urn:schemas-microsoft-com:office:powerpoint" xmlns:com="http://schemas.openxmlformats.org/drawingml/2006/compatibility" xmlns:p14="http://schemas.microsoft.com/office/powerpoint/2010/main" xmlns:p15="http://schemas.microsoft.com/office/powerpoint/2012/main" xmlns:ahyp="http://schemas.microsoft.com/office/drawing/2018/hyperlinkcolor" showMasterPhAnim="0" showMasterSp="0">
+<p:notes xmlns:a="http://schemas.openxmlformats.org/drawingml/2006/main" xmlns:r="http://schemas.openxmlformats.org/officeDocument/2006/relationships" xmlns:p="http://schemas.openxmlformats.org/presentationml/2006/main" showMasterSp="0" showMasterPhAnim="0">
   <p:cSld>
     <p:spTree>
       <p:nvGrpSpPr>
-        <p:cNvPr id="82" name="Shape 82"/>
+        <p:cNvPr id="1" name="Shape 82"/>
         <p:cNvGrpSpPr/>
         <p:nvPr/>
       </p:nvGrpSpPr>
@@ -733,9 +748,11 @@
       <p:sp>
         <p:nvSpPr>
           <p:cNvPr id="83" name="Google Shape;83;p:notes"/>
-          <p:cNvSpPr/>
+          <p:cNvSpPr>
+            <a:spLocks noGrp="1" noRot="1" noChangeAspect="1"/>
+          </p:cNvSpPr>
           <p:nvPr>
-            <p:ph idx="2" type="sldImg"/>
+            <p:ph type="sldImg" idx="2"/>
           </p:nvPr>
         </p:nvSpPr>
         <p:spPr>
@@ -744,9 +761,13 @@
             <a:ext cx="6096075" cy="3429000"/>
           </a:xfrm>
           <a:custGeom>
-            <a:rect b="b" l="l" r="r" t="t"/>
+            <a:avLst/>
+            <a:gdLst/>
+            <a:ahLst/>
+            <a:cxnLst/>
+            <a:rect l="l" t="t" r="r" b="b"/>
             <a:pathLst>
-              <a:path extrusionOk="0" h="120000" w="120000">
+              <a:path w="120000" h="120000" extrusionOk="0">
                 <a:moveTo>
                   <a:pt x="0" y="0"/>
                 </a:moveTo>
@@ -768,9 +789,11 @@
       <p:sp>
         <p:nvSpPr>
           <p:cNvPr id="84" name="Google Shape;84;p:notes"/>
-          <p:cNvSpPr txBox="1"/>
+          <p:cNvSpPr txBox="1">
+            <a:spLocks noGrp="1"/>
+          </p:cNvSpPr>
           <p:nvPr>
-            <p:ph idx="1" type="body"/>
+            <p:ph type="body" idx="1"/>
           </p:nvPr>
         </p:nvSpPr>
         <p:spPr>
@@ -783,12 +806,12 @@
           </a:prstGeom>
         </p:spPr>
         <p:txBody>
-          <a:bodyPr anchorCtr="0" anchor="t" bIns="91425" lIns="91425" spcFirstLastPara="1" rIns="91425" wrap="square" tIns="91425">
+          <a:bodyPr spcFirstLastPara="1" wrap="square" lIns="91425" tIns="91425" rIns="91425" bIns="91425" anchor="t" anchorCtr="0">
             <a:noAutofit/>
           </a:bodyPr>
           <a:lstStyle/>
           <a:p>
-            <a:pPr indent="0" lvl="0" marL="0" rtl="0" algn="l">
+            <a:pPr marL="0" lvl="0" indent="0" algn="l" rtl="0">
               <a:spcBef>
                 <a:spcPts val="0"/>
               </a:spcBef>
@@ -797,9 +820,6 @@
               </a:spcAft>
               <a:buNone/>
             </a:pPr>
-            <a:r>
-              <a:t/>
-            </a:r>
             <a:endParaRPr/>
           </a:p>
         </p:txBody>
@@ -813,11 +833,11 @@
 </file>
 
 <file path=ppt/notesSlides/notesSlide10.xml><?xml version="1.0" encoding="utf-8"?>
-<p:notes xmlns:a="http://schemas.openxmlformats.org/drawingml/2006/main" xmlns:r="http://schemas.openxmlformats.org/officeDocument/2006/relationships" xmlns:mc="http://schemas.openxmlformats.org/markup-compatibility/2006" xmlns:mv="urn:schemas-microsoft-com:mac:vml" xmlns:p="http://schemas.openxmlformats.org/presentationml/2006/main" xmlns:c="http://schemas.openxmlformats.org/drawingml/2006/chart" xmlns:dgm="http://schemas.openxmlformats.org/drawingml/2006/diagram" xmlns:o="urn:schemas-microsoft-com:office:office" xmlns:v="urn:schemas-microsoft-com:vml" xmlns:pvml="urn:schemas-microsoft-com:office:powerpoint" xmlns:com="http://schemas.openxmlformats.org/drawingml/2006/compatibility" xmlns:p14="http://schemas.microsoft.com/office/powerpoint/2010/main" xmlns:p15="http://schemas.microsoft.com/office/powerpoint/2012/main" xmlns:ahyp="http://schemas.microsoft.com/office/drawing/2018/hyperlinkcolor" showMasterPhAnim="0" showMasterSp="0">
+<p:notes xmlns:a="http://schemas.openxmlformats.org/drawingml/2006/main" xmlns:r="http://schemas.openxmlformats.org/officeDocument/2006/relationships" xmlns:p="http://schemas.openxmlformats.org/presentationml/2006/main" showMasterSp="0" showMasterPhAnim="0">
   <p:cSld>
     <p:spTree>
       <p:nvGrpSpPr>
-        <p:cNvPr id="141" name="Shape 141"/>
+        <p:cNvPr id="1" name="Shape 141"/>
         <p:cNvGrpSpPr/>
         <p:nvPr/>
       </p:nvGrpSpPr>
@@ -832,9 +852,11 @@
       <p:sp>
         <p:nvSpPr>
           <p:cNvPr id="142" name="Google Shape;142;g33b5806fa94_0_130:notes"/>
-          <p:cNvSpPr/>
+          <p:cNvSpPr>
+            <a:spLocks noGrp="1" noRot="1" noChangeAspect="1"/>
+          </p:cNvSpPr>
           <p:nvPr>
-            <p:ph idx="2" type="sldImg"/>
+            <p:ph type="sldImg" idx="2"/>
           </p:nvPr>
         </p:nvSpPr>
         <p:spPr>
@@ -843,9 +865,13 @@
             <a:ext cx="6096000" cy="3429000"/>
           </a:xfrm>
           <a:custGeom>
-            <a:rect b="b" l="l" r="r" t="t"/>
+            <a:avLst/>
+            <a:gdLst/>
+            <a:ahLst/>
+            <a:cxnLst/>
+            <a:rect l="l" t="t" r="r" b="b"/>
             <a:pathLst>
-              <a:path extrusionOk="0" h="120000" w="120000">
+              <a:path w="120000" h="120000" extrusionOk="0">
                 <a:moveTo>
                   <a:pt x="0" y="0"/>
                 </a:moveTo>
@@ -867,9 +893,11 @@
       <p:sp>
         <p:nvSpPr>
           <p:cNvPr id="143" name="Google Shape;143;g33b5806fa94_0_130:notes"/>
-          <p:cNvSpPr txBox="1"/>
+          <p:cNvSpPr txBox="1">
+            <a:spLocks noGrp="1"/>
+          </p:cNvSpPr>
           <p:nvPr>
-            <p:ph idx="1" type="body"/>
+            <p:ph type="body" idx="1"/>
           </p:nvPr>
         </p:nvSpPr>
         <p:spPr>
@@ -882,12 +910,12 @@
           </a:prstGeom>
         </p:spPr>
         <p:txBody>
-          <a:bodyPr anchorCtr="0" anchor="t" bIns="91425" lIns="91425" spcFirstLastPara="1" rIns="91425" wrap="square" tIns="91425">
+          <a:bodyPr spcFirstLastPara="1" wrap="square" lIns="91425" tIns="91425" rIns="91425" bIns="91425" anchor="t" anchorCtr="0">
             <a:noAutofit/>
           </a:bodyPr>
           <a:lstStyle/>
           <a:p>
-            <a:pPr indent="0" lvl="0" marL="0" rtl="0" algn="l">
+            <a:pPr marL="0" lvl="0" indent="0" algn="l" rtl="0">
               <a:spcBef>
                 <a:spcPts val="0"/>
               </a:spcBef>
@@ -896,9 +924,6 @@
               </a:spcAft>
               <a:buNone/>
             </a:pPr>
-            <a:r>
-              <a:t/>
-            </a:r>
             <a:endParaRPr/>
           </a:p>
         </p:txBody>
@@ -912,11 +937,11 @@
 </file>
 
 <file path=ppt/notesSlides/notesSlide11.xml><?xml version="1.0" encoding="utf-8"?>
-<p:notes xmlns:a="http://schemas.openxmlformats.org/drawingml/2006/main" xmlns:r="http://schemas.openxmlformats.org/officeDocument/2006/relationships" xmlns:mc="http://schemas.openxmlformats.org/markup-compatibility/2006" xmlns:mv="urn:schemas-microsoft-com:mac:vml" xmlns:p="http://schemas.openxmlformats.org/presentationml/2006/main" xmlns:c="http://schemas.openxmlformats.org/drawingml/2006/chart" xmlns:dgm="http://schemas.openxmlformats.org/drawingml/2006/diagram" xmlns:o="urn:schemas-microsoft-com:office:office" xmlns:v="urn:schemas-microsoft-com:vml" xmlns:pvml="urn:schemas-microsoft-com:office:powerpoint" xmlns:com="http://schemas.openxmlformats.org/drawingml/2006/compatibility" xmlns:p14="http://schemas.microsoft.com/office/powerpoint/2010/main" xmlns:p15="http://schemas.microsoft.com/office/powerpoint/2012/main" xmlns:ahyp="http://schemas.microsoft.com/office/drawing/2018/hyperlinkcolor" showMasterPhAnim="0" showMasterSp="0">
+<p:notes xmlns:a="http://schemas.openxmlformats.org/drawingml/2006/main" xmlns:r="http://schemas.openxmlformats.org/officeDocument/2006/relationships" xmlns:p="http://schemas.openxmlformats.org/presentationml/2006/main" showMasterSp="0" showMasterPhAnim="0">
   <p:cSld>
     <p:spTree>
       <p:nvGrpSpPr>
-        <p:cNvPr id="148" name="Shape 148"/>
+        <p:cNvPr id="1" name="Shape 148"/>
         <p:cNvGrpSpPr/>
         <p:nvPr/>
       </p:nvGrpSpPr>
@@ -931,9 +956,11 @@
       <p:sp>
         <p:nvSpPr>
           <p:cNvPr id="149" name="Google Shape;149;g33b5806fa94_0_137:notes"/>
-          <p:cNvSpPr/>
+          <p:cNvSpPr>
+            <a:spLocks noGrp="1" noRot="1" noChangeAspect="1"/>
+          </p:cNvSpPr>
           <p:nvPr>
-            <p:ph idx="2" type="sldImg"/>
+            <p:ph type="sldImg" idx="2"/>
           </p:nvPr>
         </p:nvSpPr>
         <p:spPr>
@@ -942,9 +969,13 @@
             <a:ext cx="6096000" cy="3429000"/>
           </a:xfrm>
           <a:custGeom>
-            <a:rect b="b" l="l" r="r" t="t"/>
+            <a:avLst/>
+            <a:gdLst/>
+            <a:ahLst/>
+            <a:cxnLst/>
+            <a:rect l="l" t="t" r="r" b="b"/>
             <a:pathLst>
-              <a:path extrusionOk="0" h="120000" w="120000">
+              <a:path w="120000" h="120000" extrusionOk="0">
                 <a:moveTo>
                   <a:pt x="0" y="0"/>
                 </a:moveTo>
@@ -966,9 +997,11 @@
       <p:sp>
         <p:nvSpPr>
           <p:cNvPr id="150" name="Google Shape;150;g33b5806fa94_0_137:notes"/>
-          <p:cNvSpPr txBox="1"/>
+          <p:cNvSpPr txBox="1">
+            <a:spLocks noGrp="1"/>
+          </p:cNvSpPr>
           <p:nvPr>
-            <p:ph idx="1" type="body"/>
+            <p:ph type="body" idx="1"/>
           </p:nvPr>
         </p:nvSpPr>
         <p:spPr>
@@ -981,12 +1014,12 @@
           </a:prstGeom>
         </p:spPr>
         <p:txBody>
-          <a:bodyPr anchorCtr="0" anchor="t" bIns="91425" lIns="91425" spcFirstLastPara="1" rIns="91425" wrap="square" tIns="91425">
+          <a:bodyPr spcFirstLastPara="1" wrap="square" lIns="91425" tIns="91425" rIns="91425" bIns="91425" anchor="t" anchorCtr="0">
             <a:noAutofit/>
           </a:bodyPr>
           <a:lstStyle/>
           <a:p>
-            <a:pPr indent="0" lvl="0" marL="0" rtl="0" algn="l">
+            <a:pPr marL="0" lvl="0" indent="0" algn="l" rtl="0">
               <a:spcBef>
                 <a:spcPts val="0"/>
               </a:spcBef>
@@ -995,9 +1028,6 @@
               </a:spcAft>
               <a:buNone/>
             </a:pPr>
-            <a:r>
-              <a:t/>
-            </a:r>
             <a:endParaRPr/>
           </a:p>
         </p:txBody>
@@ -1011,11 +1041,11 @@
 </file>
 
 <file path=ppt/notesSlides/notesSlide12.xml><?xml version="1.0" encoding="utf-8"?>
-<p:notes xmlns:a="http://schemas.openxmlformats.org/drawingml/2006/main" xmlns:r="http://schemas.openxmlformats.org/officeDocument/2006/relationships" xmlns:mc="http://schemas.openxmlformats.org/markup-compatibility/2006" xmlns:mv="urn:schemas-microsoft-com:mac:vml" xmlns:p="http://schemas.openxmlformats.org/presentationml/2006/main" xmlns:c="http://schemas.openxmlformats.org/drawingml/2006/chart" xmlns:dgm="http://schemas.openxmlformats.org/drawingml/2006/diagram" xmlns:o="urn:schemas-microsoft-com:office:office" xmlns:v="urn:schemas-microsoft-com:vml" xmlns:pvml="urn:schemas-microsoft-com:office:powerpoint" xmlns:com="http://schemas.openxmlformats.org/drawingml/2006/compatibility" xmlns:p14="http://schemas.microsoft.com/office/powerpoint/2010/main" xmlns:p15="http://schemas.microsoft.com/office/powerpoint/2012/main" xmlns:ahyp="http://schemas.microsoft.com/office/drawing/2018/hyperlinkcolor" showMasterPhAnim="0" showMasterSp="0">
+<p:notes xmlns:a="http://schemas.openxmlformats.org/drawingml/2006/main" xmlns:r="http://schemas.openxmlformats.org/officeDocument/2006/relationships" xmlns:p="http://schemas.openxmlformats.org/presentationml/2006/main" showMasterSp="0" showMasterPhAnim="0">
   <p:cSld>
     <p:spTree>
       <p:nvGrpSpPr>
-        <p:cNvPr id="155" name="Shape 155"/>
+        <p:cNvPr id="1" name="Shape 155"/>
         <p:cNvGrpSpPr/>
         <p:nvPr/>
       </p:nvGrpSpPr>
@@ -1030,9 +1060,11 @@
       <p:sp>
         <p:nvSpPr>
           <p:cNvPr id="156" name="Google Shape;156;g33b5806fa94_0_144:notes"/>
-          <p:cNvSpPr/>
+          <p:cNvSpPr>
+            <a:spLocks noGrp="1" noRot="1" noChangeAspect="1"/>
+          </p:cNvSpPr>
           <p:nvPr>
-            <p:ph idx="2" type="sldImg"/>
+            <p:ph type="sldImg" idx="2"/>
           </p:nvPr>
         </p:nvSpPr>
         <p:spPr>
@@ -1041,9 +1073,13 @@
             <a:ext cx="6096000" cy="3429000"/>
           </a:xfrm>
           <a:custGeom>
-            <a:rect b="b" l="l" r="r" t="t"/>
+            <a:avLst/>
+            <a:gdLst/>
+            <a:ahLst/>
+            <a:cxnLst/>
+            <a:rect l="l" t="t" r="r" b="b"/>
             <a:pathLst>
-              <a:path extrusionOk="0" h="120000" w="120000">
+              <a:path w="120000" h="120000" extrusionOk="0">
                 <a:moveTo>
                   <a:pt x="0" y="0"/>
                 </a:moveTo>
@@ -1065,9 +1101,11 @@
       <p:sp>
         <p:nvSpPr>
           <p:cNvPr id="157" name="Google Shape;157;g33b5806fa94_0_144:notes"/>
-          <p:cNvSpPr txBox="1"/>
+          <p:cNvSpPr txBox="1">
+            <a:spLocks noGrp="1"/>
+          </p:cNvSpPr>
           <p:nvPr>
-            <p:ph idx="1" type="body"/>
+            <p:ph type="body" idx="1"/>
           </p:nvPr>
         </p:nvSpPr>
         <p:spPr>
@@ -1080,12 +1118,12 @@
           </a:prstGeom>
         </p:spPr>
         <p:txBody>
-          <a:bodyPr anchorCtr="0" anchor="t" bIns="91425" lIns="91425" spcFirstLastPara="1" rIns="91425" wrap="square" tIns="91425">
+          <a:bodyPr spcFirstLastPara="1" wrap="square" lIns="91425" tIns="91425" rIns="91425" bIns="91425" anchor="t" anchorCtr="0">
             <a:noAutofit/>
           </a:bodyPr>
           <a:lstStyle/>
           <a:p>
-            <a:pPr indent="0" lvl="0" marL="0" rtl="0" algn="l">
+            <a:pPr marL="0" lvl="0" indent="0" algn="l" rtl="0">
               <a:spcBef>
                 <a:spcPts val="0"/>
               </a:spcBef>
@@ -1094,9 +1132,6 @@
               </a:spcAft>
               <a:buNone/>
             </a:pPr>
-            <a:r>
-              <a:t/>
-            </a:r>
             <a:endParaRPr/>
           </a:p>
         </p:txBody>
@@ -1110,11 +1145,11 @@
 </file>
 
 <file path=ppt/notesSlides/notesSlide2.xml><?xml version="1.0" encoding="utf-8"?>
-<p:notes xmlns:a="http://schemas.openxmlformats.org/drawingml/2006/main" xmlns:r="http://schemas.openxmlformats.org/officeDocument/2006/relationships" xmlns:mc="http://schemas.openxmlformats.org/markup-compatibility/2006" xmlns:mv="urn:schemas-microsoft-com:mac:vml" xmlns:p="http://schemas.openxmlformats.org/presentationml/2006/main" xmlns:c="http://schemas.openxmlformats.org/drawingml/2006/chart" xmlns:dgm="http://schemas.openxmlformats.org/drawingml/2006/diagram" xmlns:o="urn:schemas-microsoft-com:office:office" xmlns:v="urn:schemas-microsoft-com:vml" xmlns:pvml="urn:schemas-microsoft-com:office:powerpoint" xmlns:com="http://schemas.openxmlformats.org/drawingml/2006/compatibility" xmlns:p14="http://schemas.microsoft.com/office/powerpoint/2010/main" xmlns:p15="http://schemas.microsoft.com/office/powerpoint/2012/main" xmlns:ahyp="http://schemas.microsoft.com/office/drawing/2018/hyperlinkcolor" showMasterPhAnim="0" showMasterSp="0">
+<p:notes xmlns:a="http://schemas.openxmlformats.org/drawingml/2006/main" xmlns:r="http://schemas.openxmlformats.org/officeDocument/2006/relationships" xmlns:p="http://schemas.openxmlformats.org/presentationml/2006/main" showMasterSp="0" showMasterPhAnim="0">
   <p:cSld>
     <p:spTree>
       <p:nvGrpSpPr>
-        <p:cNvPr id="88" name="Shape 88"/>
+        <p:cNvPr id="1" name="Shape 88"/>
         <p:cNvGrpSpPr/>
         <p:nvPr/>
       </p:nvGrpSpPr>
@@ -1129,9 +1164,11 @@
       <p:sp>
         <p:nvSpPr>
           <p:cNvPr id="89" name="Google Shape;89;g33b5806fa94_0_78:notes"/>
-          <p:cNvSpPr/>
+          <p:cNvSpPr>
+            <a:spLocks noGrp="1" noRot="1" noChangeAspect="1"/>
+          </p:cNvSpPr>
           <p:nvPr>
-            <p:ph idx="2" type="sldImg"/>
+            <p:ph type="sldImg" idx="2"/>
           </p:nvPr>
         </p:nvSpPr>
         <p:spPr>
@@ -1140,9 +1177,13 @@
             <a:ext cx="6096000" cy="3429000"/>
           </a:xfrm>
           <a:custGeom>
-            <a:rect b="b" l="l" r="r" t="t"/>
+            <a:avLst/>
+            <a:gdLst/>
+            <a:ahLst/>
+            <a:cxnLst/>
+            <a:rect l="l" t="t" r="r" b="b"/>
             <a:pathLst>
-              <a:path extrusionOk="0" h="120000" w="120000">
+              <a:path w="120000" h="120000" extrusionOk="0">
                 <a:moveTo>
                   <a:pt x="0" y="0"/>
                 </a:moveTo>
@@ -1164,9 +1205,11 @@
       <p:sp>
         <p:nvSpPr>
           <p:cNvPr id="90" name="Google Shape;90;g33b5806fa94_0_78:notes"/>
-          <p:cNvSpPr txBox="1"/>
+          <p:cNvSpPr txBox="1">
+            <a:spLocks noGrp="1"/>
+          </p:cNvSpPr>
           <p:nvPr>
-            <p:ph idx="1" type="body"/>
+            <p:ph type="body" idx="1"/>
           </p:nvPr>
         </p:nvSpPr>
         <p:spPr>
@@ -1179,12 +1222,12 @@
           </a:prstGeom>
         </p:spPr>
         <p:txBody>
-          <a:bodyPr anchorCtr="0" anchor="t" bIns="91425" lIns="91425" spcFirstLastPara="1" rIns="91425" wrap="square" tIns="91425">
+          <a:bodyPr spcFirstLastPara="1" wrap="square" lIns="91425" tIns="91425" rIns="91425" bIns="91425" anchor="t" anchorCtr="0">
             <a:noAutofit/>
           </a:bodyPr>
           <a:lstStyle/>
           <a:p>
-            <a:pPr indent="0" lvl="0" marL="0" rtl="0" algn="l">
+            <a:pPr marL="0" lvl="0" indent="0" algn="l" rtl="0">
               <a:spcBef>
                 <a:spcPts val="0"/>
               </a:spcBef>
@@ -1193,9 +1236,6 @@
               </a:spcAft>
               <a:buNone/>
             </a:pPr>
-            <a:r>
-              <a:t/>
-            </a:r>
             <a:endParaRPr/>
           </a:p>
         </p:txBody>
@@ -1209,11 +1249,11 @@
 </file>
 
 <file path=ppt/notesSlides/notesSlide3.xml><?xml version="1.0" encoding="utf-8"?>
-<p:notes xmlns:a="http://schemas.openxmlformats.org/drawingml/2006/main" xmlns:r="http://schemas.openxmlformats.org/officeDocument/2006/relationships" xmlns:mc="http://schemas.openxmlformats.org/markup-compatibility/2006" xmlns:mv="urn:schemas-microsoft-com:mac:vml" xmlns:p="http://schemas.openxmlformats.org/presentationml/2006/main" xmlns:c="http://schemas.openxmlformats.org/drawingml/2006/chart" xmlns:dgm="http://schemas.openxmlformats.org/drawingml/2006/diagram" xmlns:o="urn:schemas-microsoft-com:office:office" xmlns:v="urn:schemas-microsoft-com:vml" xmlns:pvml="urn:schemas-microsoft-com:office:powerpoint" xmlns:com="http://schemas.openxmlformats.org/drawingml/2006/compatibility" xmlns:p14="http://schemas.microsoft.com/office/powerpoint/2010/main" xmlns:p15="http://schemas.microsoft.com/office/powerpoint/2012/main" xmlns:ahyp="http://schemas.microsoft.com/office/drawing/2018/hyperlinkcolor" showMasterPhAnim="0" showMasterSp="0">
+<p:notes xmlns:a="http://schemas.openxmlformats.org/drawingml/2006/main" xmlns:r="http://schemas.openxmlformats.org/officeDocument/2006/relationships" xmlns:p="http://schemas.openxmlformats.org/presentationml/2006/main" showMasterSp="0" showMasterPhAnim="0">
   <p:cSld>
     <p:spTree>
       <p:nvGrpSpPr>
-        <p:cNvPr id="94" name="Shape 94"/>
+        <p:cNvPr id="1" name="Shape 94"/>
         <p:cNvGrpSpPr/>
         <p:nvPr/>
       </p:nvGrpSpPr>
@@ -1228,20 +1268,26 @@
       <p:sp>
         <p:nvSpPr>
           <p:cNvPr id="95" name="Google Shape;95;g33b5806fa94_0_85:notes"/>
-          <p:cNvSpPr/>
+          <p:cNvSpPr>
+            <a:spLocks noGrp="1" noRot="1" noChangeAspect="1"/>
+          </p:cNvSpPr>
           <p:nvPr>
-            <p:ph idx="2" type="sldImg"/>
+            <p:ph type="sldImg" idx="2"/>
           </p:nvPr>
         </p:nvSpPr>
         <p:spPr>
           <a:xfrm>
-            <a:off x="381300" y="685800"/>
+            <a:off x="381000" y="685800"/>
             <a:ext cx="6096000" cy="3429000"/>
           </a:xfrm>
           <a:custGeom>
-            <a:rect b="b" l="l" r="r" t="t"/>
+            <a:avLst/>
+            <a:gdLst/>
+            <a:ahLst/>
+            <a:cxnLst/>
+            <a:rect l="l" t="t" r="r" b="b"/>
             <a:pathLst>
-              <a:path extrusionOk="0" h="120000" w="120000">
+              <a:path w="120000" h="120000" extrusionOk="0">
                 <a:moveTo>
                   <a:pt x="0" y="0"/>
                 </a:moveTo>
@@ -1263,9 +1309,11 @@
       <p:sp>
         <p:nvSpPr>
           <p:cNvPr id="96" name="Google Shape;96;g33b5806fa94_0_85:notes"/>
-          <p:cNvSpPr txBox="1"/>
+          <p:cNvSpPr txBox="1">
+            <a:spLocks noGrp="1"/>
+          </p:cNvSpPr>
           <p:nvPr>
-            <p:ph idx="1" type="body"/>
+            <p:ph type="body" idx="1"/>
           </p:nvPr>
         </p:nvSpPr>
         <p:spPr>
@@ -1278,12 +1326,12 @@
           </a:prstGeom>
         </p:spPr>
         <p:txBody>
-          <a:bodyPr anchorCtr="0" anchor="t" bIns="91425" lIns="91425" spcFirstLastPara="1" rIns="91425" wrap="square" tIns="91425">
+          <a:bodyPr spcFirstLastPara="1" wrap="square" lIns="91425" tIns="91425" rIns="91425" bIns="91425" anchor="t" anchorCtr="0">
             <a:noAutofit/>
           </a:bodyPr>
           <a:lstStyle/>
           <a:p>
-            <a:pPr indent="0" lvl="0" marL="0" rtl="0" algn="l">
+            <a:pPr marL="0" lvl="0" indent="0" algn="l" rtl="0">
               <a:spcBef>
                 <a:spcPts val="0"/>
               </a:spcBef>
@@ -1292,9 +1340,6 @@
               </a:spcAft>
               <a:buNone/>
             </a:pPr>
-            <a:r>
-              <a:t/>
-            </a:r>
             <a:endParaRPr/>
           </a:p>
         </p:txBody>
@@ -1308,11 +1353,11 @@
 </file>
 
 <file path=ppt/notesSlides/notesSlide4.xml><?xml version="1.0" encoding="utf-8"?>
-<p:notes xmlns:a="http://schemas.openxmlformats.org/drawingml/2006/main" xmlns:r="http://schemas.openxmlformats.org/officeDocument/2006/relationships" xmlns:mc="http://schemas.openxmlformats.org/markup-compatibility/2006" xmlns:mv="urn:schemas-microsoft-com:mac:vml" xmlns:p="http://schemas.openxmlformats.org/presentationml/2006/main" xmlns:c="http://schemas.openxmlformats.org/drawingml/2006/chart" xmlns:dgm="http://schemas.openxmlformats.org/drawingml/2006/diagram" xmlns:o="urn:schemas-microsoft-com:office:office" xmlns:v="urn:schemas-microsoft-com:vml" xmlns:pvml="urn:schemas-microsoft-com:office:powerpoint" xmlns:com="http://schemas.openxmlformats.org/drawingml/2006/compatibility" xmlns:p14="http://schemas.microsoft.com/office/powerpoint/2010/main" xmlns:p15="http://schemas.microsoft.com/office/powerpoint/2012/main" xmlns:ahyp="http://schemas.microsoft.com/office/drawing/2018/hyperlinkcolor" showMasterPhAnim="0" showMasterSp="0">
+<p:notes xmlns:a="http://schemas.openxmlformats.org/drawingml/2006/main" xmlns:r="http://schemas.openxmlformats.org/officeDocument/2006/relationships" xmlns:p="http://schemas.openxmlformats.org/presentationml/2006/main" showMasterSp="0" showMasterPhAnim="0">
   <p:cSld>
     <p:spTree>
       <p:nvGrpSpPr>
-        <p:cNvPr id="100" name="Shape 100"/>
+        <p:cNvPr id="1" name="Shape 100"/>
         <p:cNvGrpSpPr/>
         <p:nvPr/>
       </p:nvGrpSpPr>
@@ -1327,20 +1372,26 @@
       <p:sp>
         <p:nvSpPr>
           <p:cNvPr id="101" name="Google Shape;101;g33b5806fa94_0_91:notes"/>
-          <p:cNvSpPr/>
+          <p:cNvSpPr>
+            <a:spLocks noGrp="1" noRot="1" noChangeAspect="1"/>
+          </p:cNvSpPr>
           <p:nvPr>
-            <p:ph idx="2" type="sldImg"/>
+            <p:ph type="sldImg" idx="2"/>
           </p:nvPr>
         </p:nvSpPr>
         <p:spPr>
           <a:xfrm>
-            <a:off x="381300" y="685800"/>
+            <a:off x="381000" y="685800"/>
             <a:ext cx="6096000" cy="3429000"/>
           </a:xfrm>
           <a:custGeom>
-            <a:rect b="b" l="l" r="r" t="t"/>
+            <a:avLst/>
+            <a:gdLst/>
+            <a:ahLst/>
+            <a:cxnLst/>
+            <a:rect l="l" t="t" r="r" b="b"/>
             <a:pathLst>
-              <a:path extrusionOk="0" h="120000" w="120000">
+              <a:path w="120000" h="120000" extrusionOk="0">
                 <a:moveTo>
                   <a:pt x="0" y="0"/>
                 </a:moveTo>
@@ -1362,9 +1413,11 @@
       <p:sp>
         <p:nvSpPr>
           <p:cNvPr id="102" name="Google Shape;102;g33b5806fa94_0_91:notes"/>
-          <p:cNvSpPr txBox="1"/>
+          <p:cNvSpPr txBox="1">
+            <a:spLocks noGrp="1"/>
+          </p:cNvSpPr>
           <p:nvPr>
-            <p:ph idx="1" type="body"/>
+            <p:ph type="body" idx="1"/>
           </p:nvPr>
         </p:nvSpPr>
         <p:spPr>
@@ -1377,12 +1430,12 @@
           </a:prstGeom>
         </p:spPr>
         <p:txBody>
-          <a:bodyPr anchorCtr="0" anchor="t" bIns="91425" lIns="91425" spcFirstLastPara="1" rIns="91425" wrap="square" tIns="91425">
+          <a:bodyPr spcFirstLastPara="1" wrap="square" lIns="91425" tIns="91425" rIns="91425" bIns="91425" anchor="t" anchorCtr="0">
             <a:noAutofit/>
           </a:bodyPr>
           <a:lstStyle/>
           <a:p>
-            <a:pPr indent="0" lvl="0" marL="0" rtl="0" algn="l">
+            <a:pPr marL="0" lvl="0" indent="0" algn="l" rtl="0">
               <a:spcBef>
                 <a:spcPts val="0"/>
               </a:spcBef>
@@ -1391,9 +1444,6 @@
               </a:spcAft>
               <a:buNone/>
             </a:pPr>
-            <a:r>
-              <a:t/>
-            </a:r>
             <a:endParaRPr/>
           </a:p>
         </p:txBody>
@@ -1407,11 +1457,11 @@
 </file>
 
 <file path=ppt/notesSlides/notesSlide5.xml><?xml version="1.0" encoding="utf-8"?>
-<p:notes xmlns:a="http://schemas.openxmlformats.org/drawingml/2006/main" xmlns:r="http://schemas.openxmlformats.org/officeDocument/2006/relationships" xmlns:mc="http://schemas.openxmlformats.org/markup-compatibility/2006" xmlns:mv="urn:schemas-microsoft-com:mac:vml" xmlns:p="http://schemas.openxmlformats.org/presentationml/2006/main" xmlns:c="http://schemas.openxmlformats.org/drawingml/2006/chart" xmlns:dgm="http://schemas.openxmlformats.org/drawingml/2006/diagram" xmlns:o="urn:schemas-microsoft-com:office:office" xmlns:v="urn:schemas-microsoft-com:vml" xmlns:pvml="urn:schemas-microsoft-com:office:powerpoint" xmlns:com="http://schemas.openxmlformats.org/drawingml/2006/compatibility" xmlns:p14="http://schemas.microsoft.com/office/powerpoint/2010/main" xmlns:p15="http://schemas.microsoft.com/office/powerpoint/2012/main" xmlns:ahyp="http://schemas.microsoft.com/office/drawing/2018/hyperlinkcolor" showMasterPhAnim="0" showMasterSp="0">
+<p:notes xmlns:a="http://schemas.openxmlformats.org/drawingml/2006/main" xmlns:r="http://schemas.openxmlformats.org/officeDocument/2006/relationships" xmlns:p="http://schemas.openxmlformats.org/presentationml/2006/main" showMasterSp="0" showMasterPhAnim="0">
   <p:cSld>
     <p:spTree>
       <p:nvGrpSpPr>
-        <p:cNvPr id="106" name="Shape 106"/>
+        <p:cNvPr id="1" name="Shape 106"/>
         <p:cNvGrpSpPr/>
         <p:nvPr/>
       </p:nvGrpSpPr>
@@ -1426,9 +1476,11 @@
       <p:sp>
         <p:nvSpPr>
           <p:cNvPr id="107" name="Google Shape;107;g33b5806fa94_0_97:notes"/>
-          <p:cNvSpPr/>
+          <p:cNvSpPr>
+            <a:spLocks noGrp="1" noRot="1" noChangeAspect="1"/>
+          </p:cNvSpPr>
           <p:nvPr>
-            <p:ph idx="2" type="sldImg"/>
+            <p:ph type="sldImg" idx="2"/>
           </p:nvPr>
         </p:nvSpPr>
         <p:spPr>
@@ -1437,9 +1489,13 @@
             <a:ext cx="6096000" cy="3429000"/>
           </a:xfrm>
           <a:custGeom>
-            <a:rect b="b" l="l" r="r" t="t"/>
+            <a:avLst/>
+            <a:gdLst/>
+            <a:ahLst/>
+            <a:cxnLst/>
+            <a:rect l="l" t="t" r="r" b="b"/>
             <a:pathLst>
-              <a:path extrusionOk="0" h="120000" w="120000">
+              <a:path w="120000" h="120000" extrusionOk="0">
                 <a:moveTo>
                   <a:pt x="0" y="0"/>
                 </a:moveTo>
@@ -1461,9 +1517,11 @@
       <p:sp>
         <p:nvSpPr>
           <p:cNvPr id="108" name="Google Shape;108;g33b5806fa94_0_97:notes"/>
-          <p:cNvSpPr txBox="1"/>
+          <p:cNvSpPr txBox="1">
+            <a:spLocks noGrp="1"/>
+          </p:cNvSpPr>
           <p:nvPr>
-            <p:ph idx="1" type="body"/>
+            <p:ph type="body" idx="1"/>
           </p:nvPr>
         </p:nvSpPr>
         <p:spPr>
@@ -1476,12 +1534,12 @@
           </a:prstGeom>
         </p:spPr>
         <p:txBody>
-          <a:bodyPr anchorCtr="0" anchor="t" bIns="91425" lIns="91425" spcFirstLastPara="1" rIns="91425" wrap="square" tIns="91425">
+          <a:bodyPr spcFirstLastPara="1" wrap="square" lIns="91425" tIns="91425" rIns="91425" bIns="91425" anchor="t" anchorCtr="0">
             <a:noAutofit/>
           </a:bodyPr>
           <a:lstStyle/>
           <a:p>
-            <a:pPr indent="0" lvl="0" marL="0" rtl="0" algn="l">
+            <a:pPr marL="0" lvl="0" indent="0" algn="l" rtl="0">
               <a:spcBef>
                 <a:spcPts val="0"/>
               </a:spcBef>
@@ -1490,9 +1548,6 @@
               </a:spcAft>
               <a:buNone/>
             </a:pPr>
-            <a:r>
-              <a:t/>
-            </a:r>
             <a:endParaRPr/>
           </a:p>
         </p:txBody>
@@ -1506,11 +1561,11 @@
 </file>
 
 <file path=ppt/notesSlides/notesSlide6.xml><?xml version="1.0" encoding="utf-8"?>
-<p:notes xmlns:a="http://schemas.openxmlformats.org/drawingml/2006/main" xmlns:r="http://schemas.openxmlformats.org/officeDocument/2006/relationships" xmlns:mc="http://schemas.openxmlformats.org/markup-compatibility/2006" xmlns:mv="urn:schemas-microsoft-com:mac:vml" xmlns:p="http://schemas.openxmlformats.org/presentationml/2006/main" xmlns:c="http://schemas.openxmlformats.org/drawingml/2006/chart" xmlns:dgm="http://schemas.openxmlformats.org/drawingml/2006/diagram" xmlns:o="urn:schemas-microsoft-com:office:office" xmlns:v="urn:schemas-microsoft-com:vml" xmlns:pvml="urn:schemas-microsoft-com:office:powerpoint" xmlns:com="http://schemas.openxmlformats.org/drawingml/2006/compatibility" xmlns:p14="http://schemas.microsoft.com/office/powerpoint/2010/main" xmlns:p15="http://schemas.microsoft.com/office/powerpoint/2012/main" xmlns:ahyp="http://schemas.microsoft.com/office/drawing/2018/hyperlinkcolor" showMasterPhAnim="0" showMasterSp="0">
+<p:notes xmlns:a="http://schemas.openxmlformats.org/drawingml/2006/main" xmlns:r="http://schemas.openxmlformats.org/officeDocument/2006/relationships" xmlns:p="http://schemas.openxmlformats.org/presentationml/2006/main" showMasterSp="0" showMasterPhAnim="0">
   <p:cSld>
     <p:spTree>
       <p:nvGrpSpPr>
-        <p:cNvPr id="113" name="Shape 113"/>
+        <p:cNvPr id="1" name="Shape 113"/>
         <p:cNvGrpSpPr/>
         <p:nvPr/>
       </p:nvGrpSpPr>
@@ -1525,9 +1580,11 @@
       <p:sp>
         <p:nvSpPr>
           <p:cNvPr id="114" name="Google Shape;114;g33b5806fa94_0_103:notes"/>
-          <p:cNvSpPr/>
+          <p:cNvSpPr>
+            <a:spLocks noGrp="1" noRot="1" noChangeAspect="1"/>
+          </p:cNvSpPr>
           <p:nvPr>
-            <p:ph idx="2" type="sldImg"/>
+            <p:ph type="sldImg" idx="2"/>
           </p:nvPr>
         </p:nvSpPr>
         <p:spPr>
@@ -1536,9 +1593,13 @@
             <a:ext cx="6096000" cy="3429000"/>
           </a:xfrm>
           <a:custGeom>
-            <a:rect b="b" l="l" r="r" t="t"/>
+            <a:avLst/>
+            <a:gdLst/>
+            <a:ahLst/>
+            <a:cxnLst/>
+            <a:rect l="l" t="t" r="r" b="b"/>
             <a:pathLst>
-              <a:path extrusionOk="0" h="120000" w="120000">
+              <a:path w="120000" h="120000" extrusionOk="0">
                 <a:moveTo>
                   <a:pt x="0" y="0"/>
                 </a:moveTo>
@@ -1560,9 +1621,11 @@
       <p:sp>
         <p:nvSpPr>
           <p:cNvPr id="115" name="Google Shape;115;g33b5806fa94_0_103:notes"/>
-          <p:cNvSpPr txBox="1"/>
+          <p:cNvSpPr txBox="1">
+            <a:spLocks noGrp="1"/>
+          </p:cNvSpPr>
           <p:nvPr>
-            <p:ph idx="1" type="body"/>
+            <p:ph type="body" idx="1"/>
           </p:nvPr>
         </p:nvSpPr>
         <p:spPr>
@@ -1575,12 +1638,12 @@
           </a:prstGeom>
         </p:spPr>
         <p:txBody>
-          <a:bodyPr anchorCtr="0" anchor="t" bIns="91425" lIns="91425" spcFirstLastPara="1" rIns="91425" wrap="square" tIns="91425">
+          <a:bodyPr spcFirstLastPara="1" wrap="square" lIns="91425" tIns="91425" rIns="91425" bIns="91425" anchor="t" anchorCtr="0">
             <a:noAutofit/>
           </a:bodyPr>
           <a:lstStyle/>
           <a:p>
-            <a:pPr indent="0" lvl="0" marL="0" rtl="0" algn="l">
+            <a:pPr marL="0" lvl="0" indent="0" algn="l" rtl="0">
               <a:spcBef>
                 <a:spcPts val="0"/>
               </a:spcBef>
@@ -1589,9 +1652,6 @@
               </a:spcAft>
               <a:buNone/>
             </a:pPr>
-            <a:r>
-              <a:t/>
-            </a:r>
             <a:endParaRPr/>
           </a:p>
         </p:txBody>
@@ -1605,11 +1665,11 @@
 </file>
 
 <file path=ppt/notesSlides/notesSlide7.xml><?xml version="1.0" encoding="utf-8"?>
-<p:notes xmlns:a="http://schemas.openxmlformats.org/drawingml/2006/main" xmlns:r="http://schemas.openxmlformats.org/officeDocument/2006/relationships" xmlns:mc="http://schemas.openxmlformats.org/markup-compatibility/2006" xmlns:mv="urn:schemas-microsoft-com:mac:vml" xmlns:p="http://schemas.openxmlformats.org/presentationml/2006/main" xmlns:c="http://schemas.openxmlformats.org/drawingml/2006/chart" xmlns:dgm="http://schemas.openxmlformats.org/drawingml/2006/diagram" xmlns:o="urn:schemas-microsoft-com:office:office" xmlns:v="urn:schemas-microsoft-com:vml" xmlns:pvml="urn:schemas-microsoft-com:office:powerpoint" xmlns:com="http://schemas.openxmlformats.org/drawingml/2006/compatibility" xmlns:p14="http://schemas.microsoft.com/office/powerpoint/2010/main" xmlns:p15="http://schemas.microsoft.com/office/powerpoint/2012/main" xmlns:ahyp="http://schemas.microsoft.com/office/drawing/2018/hyperlinkcolor" showMasterPhAnim="0" showMasterSp="0">
+<p:notes xmlns:a="http://schemas.openxmlformats.org/drawingml/2006/main" xmlns:r="http://schemas.openxmlformats.org/officeDocument/2006/relationships" xmlns:p="http://schemas.openxmlformats.org/presentationml/2006/main" showMasterSp="0" showMasterPhAnim="0">
   <p:cSld>
     <p:spTree>
       <p:nvGrpSpPr>
-        <p:cNvPr id="120" name="Shape 120"/>
+        <p:cNvPr id="1" name="Shape 120"/>
         <p:cNvGrpSpPr/>
         <p:nvPr/>
       </p:nvGrpSpPr>
@@ -1624,9 +1684,11 @@
       <p:sp>
         <p:nvSpPr>
           <p:cNvPr id="121" name="Google Shape;121;g33b5806fa94_0_116:notes"/>
-          <p:cNvSpPr/>
+          <p:cNvSpPr>
+            <a:spLocks noGrp="1" noRot="1" noChangeAspect="1"/>
+          </p:cNvSpPr>
           <p:nvPr>
-            <p:ph idx="2" type="sldImg"/>
+            <p:ph type="sldImg" idx="2"/>
           </p:nvPr>
         </p:nvSpPr>
         <p:spPr>
@@ -1635,9 +1697,13 @@
             <a:ext cx="6096000" cy="3429000"/>
           </a:xfrm>
           <a:custGeom>
-            <a:rect b="b" l="l" r="r" t="t"/>
+            <a:avLst/>
+            <a:gdLst/>
+            <a:ahLst/>
+            <a:cxnLst/>
+            <a:rect l="l" t="t" r="r" b="b"/>
             <a:pathLst>
-              <a:path extrusionOk="0" h="120000" w="120000">
+              <a:path w="120000" h="120000" extrusionOk="0">
                 <a:moveTo>
                   <a:pt x="0" y="0"/>
                 </a:moveTo>
@@ -1659,9 +1725,11 @@
       <p:sp>
         <p:nvSpPr>
           <p:cNvPr id="122" name="Google Shape;122;g33b5806fa94_0_116:notes"/>
-          <p:cNvSpPr txBox="1"/>
+          <p:cNvSpPr txBox="1">
+            <a:spLocks noGrp="1"/>
+          </p:cNvSpPr>
           <p:nvPr>
-            <p:ph idx="1" type="body"/>
+            <p:ph type="body" idx="1"/>
           </p:nvPr>
         </p:nvSpPr>
         <p:spPr>
@@ -1674,12 +1742,12 @@
           </a:prstGeom>
         </p:spPr>
         <p:txBody>
-          <a:bodyPr anchorCtr="0" anchor="t" bIns="91425" lIns="91425" spcFirstLastPara="1" rIns="91425" wrap="square" tIns="91425">
+          <a:bodyPr spcFirstLastPara="1" wrap="square" lIns="91425" tIns="91425" rIns="91425" bIns="91425" anchor="t" anchorCtr="0">
             <a:noAutofit/>
           </a:bodyPr>
           <a:lstStyle/>
           <a:p>
-            <a:pPr indent="0" lvl="0" marL="0" rtl="0" algn="l">
+            <a:pPr marL="0" lvl="0" indent="0" algn="l" rtl="0">
               <a:spcBef>
                 <a:spcPts val="0"/>
               </a:spcBef>
@@ -1688,9 +1756,6 @@
               </a:spcAft>
               <a:buNone/>
             </a:pPr>
-            <a:r>
-              <a:t/>
-            </a:r>
             <a:endParaRPr/>
           </a:p>
         </p:txBody>
@@ -1704,11 +1769,11 @@
 </file>
 
 <file path=ppt/notesSlides/notesSlide8.xml><?xml version="1.0" encoding="utf-8"?>
-<p:notes xmlns:a="http://schemas.openxmlformats.org/drawingml/2006/main" xmlns:r="http://schemas.openxmlformats.org/officeDocument/2006/relationships" xmlns:mc="http://schemas.openxmlformats.org/markup-compatibility/2006" xmlns:mv="urn:schemas-microsoft-com:mac:vml" xmlns:p="http://schemas.openxmlformats.org/presentationml/2006/main" xmlns:c="http://schemas.openxmlformats.org/drawingml/2006/chart" xmlns:dgm="http://schemas.openxmlformats.org/drawingml/2006/diagram" xmlns:o="urn:schemas-microsoft-com:office:office" xmlns:v="urn:schemas-microsoft-com:vml" xmlns:pvml="urn:schemas-microsoft-com:office:powerpoint" xmlns:com="http://schemas.openxmlformats.org/drawingml/2006/compatibility" xmlns:p14="http://schemas.microsoft.com/office/powerpoint/2010/main" xmlns:p15="http://schemas.microsoft.com/office/powerpoint/2012/main" xmlns:ahyp="http://schemas.microsoft.com/office/drawing/2018/hyperlinkcolor" showMasterPhAnim="0" showMasterSp="0">
+<p:notes xmlns:a="http://schemas.openxmlformats.org/drawingml/2006/main" xmlns:r="http://schemas.openxmlformats.org/officeDocument/2006/relationships" xmlns:p="http://schemas.openxmlformats.org/presentationml/2006/main" showMasterSp="0" showMasterPhAnim="0">
   <p:cSld>
     <p:spTree>
       <p:nvGrpSpPr>
-        <p:cNvPr id="127" name="Shape 127"/>
+        <p:cNvPr id="1" name="Shape 127"/>
         <p:cNvGrpSpPr/>
         <p:nvPr/>
       </p:nvGrpSpPr>
@@ -1723,9 +1788,11 @@
       <p:sp>
         <p:nvSpPr>
           <p:cNvPr id="128" name="Google Shape;128;g33b5806fa94_0_110:notes"/>
-          <p:cNvSpPr/>
+          <p:cNvSpPr>
+            <a:spLocks noGrp="1" noRot="1" noChangeAspect="1"/>
+          </p:cNvSpPr>
           <p:nvPr>
-            <p:ph idx="2" type="sldImg"/>
+            <p:ph type="sldImg" idx="2"/>
           </p:nvPr>
         </p:nvSpPr>
         <p:spPr>
@@ -1734,9 +1801,13 @@
             <a:ext cx="6096000" cy="3429000"/>
           </a:xfrm>
           <a:custGeom>
-            <a:rect b="b" l="l" r="r" t="t"/>
+            <a:avLst/>
+            <a:gdLst/>
+            <a:ahLst/>
+            <a:cxnLst/>
+            <a:rect l="l" t="t" r="r" b="b"/>
             <a:pathLst>
-              <a:path extrusionOk="0" h="120000" w="120000">
+              <a:path w="120000" h="120000" extrusionOk="0">
                 <a:moveTo>
                   <a:pt x="0" y="0"/>
                 </a:moveTo>
@@ -1758,9 +1829,11 @@
       <p:sp>
         <p:nvSpPr>
           <p:cNvPr id="129" name="Google Shape;129;g33b5806fa94_0_110:notes"/>
-          <p:cNvSpPr txBox="1"/>
+          <p:cNvSpPr txBox="1">
+            <a:spLocks noGrp="1"/>
+          </p:cNvSpPr>
           <p:nvPr>
-            <p:ph idx="1" type="body"/>
+            <p:ph type="body" idx="1"/>
           </p:nvPr>
         </p:nvSpPr>
         <p:spPr>
@@ -1773,12 +1846,12 @@
           </a:prstGeom>
         </p:spPr>
         <p:txBody>
-          <a:bodyPr anchorCtr="0" anchor="t" bIns="91425" lIns="91425" spcFirstLastPara="1" rIns="91425" wrap="square" tIns="91425">
+          <a:bodyPr spcFirstLastPara="1" wrap="square" lIns="91425" tIns="91425" rIns="91425" bIns="91425" anchor="t" anchorCtr="0">
             <a:noAutofit/>
           </a:bodyPr>
           <a:lstStyle/>
           <a:p>
-            <a:pPr indent="0" lvl="0" marL="0" rtl="0" algn="l">
+            <a:pPr marL="0" lvl="0" indent="0" algn="l" rtl="0">
               <a:spcBef>
                 <a:spcPts val="0"/>
               </a:spcBef>
@@ -1787,9 +1860,6 @@
               </a:spcAft>
               <a:buNone/>
             </a:pPr>
-            <a:r>
-              <a:t/>
-            </a:r>
             <a:endParaRPr/>
           </a:p>
         </p:txBody>
@@ -1803,11 +1873,11 @@
 </file>
 
 <file path=ppt/notesSlides/notesSlide9.xml><?xml version="1.0" encoding="utf-8"?>
-<p:notes xmlns:a="http://schemas.openxmlformats.org/drawingml/2006/main" xmlns:r="http://schemas.openxmlformats.org/officeDocument/2006/relationships" xmlns:mc="http://schemas.openxmlformats.org/markup-compatibility/2006" xmlns:mv="urn:schemas-microsoft-com:mac:vml" xmlns:p="http://schemas.openxmlformats.org/presentationml/2006/main" xmlns:c="http://schemas.openxmlformats.org/drawingml/2006/chart" xmlns:dgm="http://schemas.openxmlformats.org/drawingml/2006/diagram" xmlns:o="urn:schemas-microsoft-com:office:office" xmlns:v="urn:schemas-microsoft-com:vml" xmlns:pvml="urn:schemas-microsoft-com:office:powerpoint" xmlns:com="http://schemas.openxmlformats.org/drawingml/2006/compatibility" xmlns:p14="http://schemas.microsoft.com/office/powerpoint/2010/main" xmlns:p15="http://schemas.microsoft.com/office/powerpoint/2012/main" xmlns:ahyp="http://schemas.microsoft.com/office/drawing/2018/hyperlinkcolor" showMasterPhAnim="0" showMasterSp="0">
+<p:notes xmlns:a="http://schemas.openxmlformats.org/drawingml/2006/main" xmlns:r="http://schemas.openxmlformats.org/officeDocument/2006/relationships" xmlns:p="http://schemas.openxmlformats.org/presentationml/2006/main" showMasterSp="0" showMasterPhAnim="0">
   <p:cSld>
     <p:spTree>
       <p:nvGrpSpPr>
-        <p:cNvPr id="134" name="Shape 134"/>
+        <p:cNvPr id="1" name="Shape 134"/>
         <p:cNvGrpSpPr/>
         <p:nvPr/>
       </p:nvGrpSpPr>
@@ -1822,9 +1892,11 @@
       <p:sp>
         <p:nvSpPr>
           <p:cNvPr id="135" name="Google Shape;135;g33b5806fa94_0_123:notes"/>
-          <p:cNvSpPr/>
+          <p:cNvSpPr>
+            <a:spLocks noGrp="1" noRot="1" noChangeAspect="1"/>
+          </p:cNvSpPr>
           <p:nvPr>
-            <p:ph idx="2" type="sldImg"/>
+            <p:ph type="sldImg" idx="2"/>
           </p:nvPr>
         </p:nvSpPr>
         <p:spPr>
@@ -1833,9 +1905,13 @@
             <a:ext cx="6096000" cy="3429000"/>
           </a:xfrm>
           <a:custGeom>
-            <a:rect b="b" l="l" r="r" t="t"/>
+            <a:avLst/>
+            <a:gdLst/>
+            <a:ahLst/>
+            <a:cxnLst/>
+            <a:rect l="l" t="t" r="r" b="b"/>
             <a:pathLst>
-              <a:path extrusionOk="0" h="120000" w="120000">
+              <a:path w="120000" h="120000" extrusionOk="0">
                 <a:moveTo>
                   <a:pt x="0" y="0"/>
                 </a:moveTo>
@@ -1857,9 +1933,11 @@
       <p:sp>
         <p:nvSpPr>
           <p:cNvPr id="136" name="Google Shape;136;g33b5806fa94_0_123:notes"/>
-          <p:cNvSpPr txBox="1"/>
+          <p:cNvSpPr txBox="1">
+            <a:spLocks noGrp="1"/>
+          </p:cNvSpPr>
           <p:nvPr>
-            <p:ph idx="1" type="body"/>
+            <p:ph type="body" idx="1"/>
           </p:nvPr>
         </p:nvSpPr>
         <p:spPr>
@@ -1872,12 +1950,12 @@
           </a:prstGeom>
         </p:spPr>
         <p:txBody>
-          <a:bodyPr anchorCtr="0" anchor="t" bIns="91425" lIns="91425" spcFirstLastPara="1" rIns="91425" wrap="square" tIns="91425">
+          <a:bodyPr spcFirstLastPara="1" wrap="square" lIns="91425" tIns="91425" rIns="91425" bIns="91425" anchor="t" anchorCtr="0">
             <a:noAutofit/>
           </a:bodyPr>
           <a:lstStyle/>
           <a:p>
-            <a:pPr indent="0" lvl="0" marL="0" rtl="0" algn="l">
+            <a:pPr marL="0" lvl="0" indent="0" algn="l" rtl="0">
               <a:spcBef>
                 <a:spcPts val="0"/>
               </a:spcBef>
@@ -1886,9 +1964,6 @@
               </a:spcAft>
               <a:buNone/>
             </a:pPr>
-            <a:r>
-              <a:t/>
-            </a:r>
             <a:endParaRPr/>
           </a:p>
         </p:txBody>
@@ -1902,18 +1977,19 @@
 </file>
 
 <file path=ppt/slideLayouts/slideLayout1.xml><?xml version="1.0" encoding="utf-8"?>
-<p:sldLayout xmlns:a="http://schemas.openxmlformats.org/drawingml/2006/main" xmlns:r="http://schemas.openxmlformats.org/officeDocument/2006/relationships" xmlns:mc="http://schemas.openxmlformats.org/markup-compatibility/2006" xmlns:mv="urn:schemas-microsoft-com:mac:vml" xmlns:p="http://schemas.openxmlformats.org/presentationml/2006/main" xmlns:c="http://schemas.openxmlformats.org/drawingml/2006/chart" xmlns:dgm="http://schemas.openxmlformats.org/drawingml/2006/diagram" xmlns:o="urn:schemas-microsoft-com:office:office" xmlns:v="urn:schemas-microsoft-com:vml" xmlns:pvml="urn:schemas-microsoft-com:office:powerpoint" xmlns:com="http://schemas.openxmlformats.org/drawingml/2006/compatibility" xmlns:p14="http://schemas.microsoft.com/office/powerpoint/2010/main" xmlns:p15="http://schemas.microsoft.com/office/powerpoint/2012/main" xmlns:ahyp="http://schemas.microsoft.com/office/drawing/2018/hyperlinkcolor" matchingName="Title slide" type="title">
+<p:sldLayout xmlns:a="http://schemas.openxmlformats.org/drawingml/2006/main" xmlns:r="http://schemas.openxmlformats.org/officeDocument/2006/relationships" xmlns:p="http://schemas.openxmlformats.org/presentationml/2006/main" matchingName="Title slide" type="title">
   <p:cSld name="TITLE">
     <p:bg>
       <p:bgPr>
         <a:solidFill>
           <a:schemeClr val="lt2"/>
         </a:solidFill>
+        <a:effectLst/>
       </p:bgPr>
     </p:bg>
     <p:spTree>
       <p:nvGrpSpPr>
-        <p:cNvPr id="9" name="Shape 9"/>
+        <p:cNvPr id="1" name="Shape 9"/>
         <p:cNvGrpSpPr/>
         <p:nvPr/>
       </p:nvGrpSpPr>
@@ -1947,12 +2023,12 @@
           </a:ln>
         </p:spPr>
         <p:txBody>
-          <a:bodyPr anchorCtr="0" anchor="ctr" bIns="91425" lIns="91425" spcFirstLastPara="1" rIns="91425" wrap="square" tIns="91425">
+          <a:bodyPr spcFirstLastPara="1" wrap="square" lIns="91425" tIns="91425" rIns="91425" bIns="91425" anchor="ctr" anchorCtr="0">
             <a:noAutofit/>
           </a:bodyPr>
           <a:lstStyle/>
           <a:p>
-            <a:pPr indent="0" lvl="0" marL="0" rtl="0" algn="l">
+            <a:pPr marL="0" lvl="0" indent="0" algn="l" rtl="0">
               <a:spcBef>
                 <a:spcPts val="0"/>
               </a:spcBef>
@@ -1961,9 +2037,6 @@
               </a:spcAft>
               <a:buNone/>
             </a:pPr>
-            <a:r>
-              <a:t/>
-            </a:r>
             <a:endParaRPr/>
           </a:p>
         </p:txBody>
@@ -2004,12 +2077,12 @@
             </a:ln>
           </p:spPr>
           <p:txBody>
-            <a:bodyPr anchorCtr="0" anchor="ctr" bIns="91425" lIns="91425" spcFirstLastPara="1" rIns="91425" wrap="square" tIns="91425">
+            <a:bodyPr spcFirstLastPara="1" wrap="square" lIns="91425" tIns="91425" rIns="91425" bIns="91425" anchor="ctr" anchorCtr="0">
               <a:noAutofit/>
             </a:bodyPr>
             <a:lstStyle/>
             <a:p>
-              <a:pPr indent="0" lvl="0" marL="0" rtl="0" algn="l">
+              <a:pPr marL="0" lvl="0" indent="0" algn="l" rtl="0">
                 <a:spcBef>
                   <a:spcPts val="0"/>
                 </a:spcBef>
@@ -2018,9 +2091,6 @@
                 </a:spcAft>
                 <a:buNone/>
               </a:pPr>
-              <a:r>
-                <a:t/>
-              </a:r>
               <a:endParaRPr/>
             </a:p>
           </p:txBody>
@@ -2047,12 +2117,12 @@
             </a:ln>
           </p:spPr>
           <p:txBody>
-            <a:bodyPr anchorCtr="0" anchor="ctr" bIns="91425" lIns="91425" spcFirstLastPara="1" rIns="91425" wrap="square" tIns="91425">
+            <a:bodyPr spcFirstLastPara="1" wrap="square" lIns="91425" tIns="91425" rIns="91425" bIns="91425" anchor="ctr" anchorCtr="0">
               <a:noAutofit/>
             </a:bodyPr>
             <a:lstStyle/>
             <a:p>
-              <a:pPr indent="0" lvl="0" marL="0" rtl="0" algn="l">
+              <a:pPr marL="0" lvl="0" indent="0" algn="l" rtl="0">
                 <a:spcBef>
                   <a:spcPts val="0"/>
                 </a:spcBef>
@@ -2061,9 +2131,6 @@
                 </a:spcAft>
                 <a:buNone/>
               </a:pPr>
-              <a:r>
-                <a:t/>
-              </a:r>
               <a:endParaRPr/>
             </a:p>
           </p:txBody>
@@ -2072,7 +2139,9 @@
       <p:sp>
         <p:nvSpPr>
           <p:cNvPr id="14" name="Google Shape;14;p2"/>
-          <p:cNvSpPr txBox="1"/>
+          <p:cNvSpPr txBox="1">
+            <a:spLocks noGrp="1"/>
+          </p:cNvSpPr>
           <p:nvPr>
             <p:ph type="ctrTitle"/>
           </p:nvPr>
@@ -2087,7 +2156,7 @@
           </a:prstGeom>
         </p:spPr>
         <p:txBody>
-          <a:bodyPr anchorCtr="0" anchor="t" bIns="91425" lIns="91425" spcFirstLastPara="1" rIns="91425" wrap="square" tIns="91425">
+          <a:bodyPr spcFirstLastPara="1" wrap="square" lIns="91425" tIns="91425" rIns="91425" bIns="91425" anchor="t" anchorCtr="0">
             <a:normAutofit/>
           </a:bodyPr>
           <a:lstStyle>
@@ -2191,15 +2260,19 @@
               <a:defRPr sz="4200"/>
             </a:lvl9pPr>
           </a:lstStyle>
-          <a:p/>
+          <a:p>
+            <a:endParaRPr/>
+          </a:p>
         </p:txBody>
       </p:sp>
       <p:sp>
         <p:nvSpPr>
           <p:cNvPr id="15" name="Google Shape;15;p2"/>
-          <p:cNvSpPr txBox="1"/>
+          <p:cNvSpPr txBox="1">
+            <a:spLocks noGrp="1"/>
+          </p:cNvSpPr>
           <p:nvPr>
-            <p:ph idx="1" type="subTitle"/>
+            <p:ph type="subTitle" idx="1"/>
           </p:nvPr>
         </p:nvSpPr>
         <p:spPr>
@@ -2212,7 +2285,7 @@
           </a:prstGeom>
         </p:spPr>
         <p:txBody>
-          <a:bodyPr anchorCtr="0" anchor="t" bIns="91425" lIns="91425" spcFirstLastPara="1" rIns="91425" wrap="square" tIns="91425">
+          <a:bodyPr spcFirstLastPara="1" wrap="square" lIns="91425" tIns="91425" rIns="91425" bIns="91425" anchor="t" anchorCtr="0">
             <a:normAutofit/>
           </a:bodyPr>
           <a:lstStyle>
@@ -2343,15 +2416,19 @@
               <a:defRPr sz="1600"/>
             </a:lvl9pPr>
           </a:lstStyle>
-          <a:p/>
+          <a:p>
+            <a:endParaRPr/>
+          </a:p>
         </p:txBody>
       </p:sp>
       <p:sp>
         <p:nvSpPr>
           <p:cNvPr id="16" name="Google Shape;16;p2"/>
-          <p:cNvSpPr txBox="1"/>
+          <p:cNvSpPr txBox="1">
+            <a:spLocks noGrp="1"/>
+          </p:cNvSpPr>
           <p:nvPr>
-            <p:ph idx="12" type="sldNum"/>
+            <p:ph type="sldNum" idx="12"/>
           </p:nvPr>
         </p:nvSpPr>
         <p:spPr>
@@ -2364,7 +2441,7 @@
           </a:prstGeom>
         </p:spPr>
         <p:txBody>
-          <a:bodyPr anchorCtr="0" anchor="ctr" bIns="91425" lIns="91425" spcFirstLastPara="1" rIns="91425" wrap="square" tIns="91425">
+          <a:bodyPr spcFirstLastPara="1" wrap="square" lIns="91425" tIns="91425" rIns="91425" bIns="91425" anchor="ctr" anchorCtr="0">
             <a:normAutofit/>
           </a:bodyPr>
           <a:lstStyle>
@@ -2406,7 +2483,7 @@
             </a:lvl9pPr>
           </a:lstStyle>
           <a:p>
-            <a:pPr indent="0" lvl="0" marL="0" rtl="0" algn="r">
+            <a:pPr marL="0" lvl="0" indent="0" algn="r" rtl="0">
               <a:spcBef>
                 <a:spcPts val="0"/>
               </a:spcBef>
@@ -2432,18 +2509,19 @@
 </file>
 
 <file path=ppt/slideLayouts/slideLayout10.xml><?xml version="1.0" encoding="utf-8"?>
-<p:sldLayout xmlns:a="http://schemas.openxmlformats.org/drawingml/2006/main" xmlns:r="http://schemas.openxmlformats.org/officeDocument/2006/relationships" xmlns:mc="http://schemas.openxmlformats.org/markup-compatibility/2006" xmlns:mv="urn:schemas-microsoft-com:mac:vml" xmlns:p="http://schemas.openxmlformats.org/presentationml/2006/main" xmlns:c="http://schemas.openxmlformats.org/drawingml/2006/chart" xmlns:dgm="http://schemas.openxmlformats.org/drawingml/2006/diagram" xmlns:o="urn:schemas-microsoft-com:office:office" xmlns:v="urn:schemas-microsoft-com:vml" xmlns:pvml="urn:schemas-microsoft-com:office:powerpoint" xmlns:com="http://schemas.openxmlformats.org/drawingml/2006/compatibility" xmlns:p14="http://schemas.microsoft.com/office/powerpoint/2010/main" xmlns:p15="http://schemas.microsoft.com/office/powerpoint/2012/main" xmlns:ahyp="http://schemas.microsoft.com/office/drawing/2018/hyperlinkcolor" matchingName="Big number">
+<p:sldLayout xmlns:a="http://schemas.openxmlformats.org/drawingml/2006/main" xmlns:r="http://schemas.openxmlformats.org/officeDocument/2006/relationships" xmlns:p="http://schemas.openxmlformats.org/presentationml/2006/main" matchingName="Big number">
   <p:cSld name="BIG_NUMBER">
     <p:bg>
       <p:bgPr>
         <a:solidFill>
           <a:schemeClr val="dk1"/>
         </a:solidFill>
+        <a:effectLst/>
       </p:bgPr>
     </p:bg>
     <p:spTree>
       <p:nvGrpSpPr>
-        <p:cNvPr id="73" name="Shape 73"/>
+        <p:cNvPr id="1" name="Shape 73"/>
         <p:cNvGrpSpPr/>
         <p:nvPr/>
       </p:nvGrpSpPr>
@@ -2491,12 +2569,12 @@
             </a:ln>
           </p:spPr>
           <p:txBody>
-            <a:bodyPr anchorCtr="0" anchor="ctr" bIns="91425" lIns="91425" spcFirstLastPara="1" rIns="91425" wrap="square" tIns="91425">
+            <a:bodyPr spcFirstLastPara="1" wrap="square" lIns="91425" tIns="91425" rIns="91425" bIns="91425" anchor="ctr" anchorCtr="0">
               <a:noAutofit/>
             </a:bodyPr>
             <a:lstStyle/>
             <a:p>
-              <a:pPr indent="0" lvl="0" marL="0" rtl="0" algn="l">
+              <a:pPr marL="0" lvl="0" indent="0" algn="l" rtl="0">
                 <a:spcBef>
                   <a:spcPts val="0"/>
                 </a:spcBef>
@@ -2505,9 +2583,6 @@
                 </a:spcAft>
                 <a:buNone/>
               </a:pPr>
-              <a:r>
-                <a:t/>
-              </a:r>
               <a:endParaRPr/>
             </a:p>
           </p:txBody>
@@ -2534,12 +2609,12 @@
             </a:ln>
           </p:spPr>
           <p:txBody>
-            <a:bodyPr anchorCtr="0" anchor="ctr" bIns="91425" lIns="91425" spcFirstLastPara="1" rIns="91425" wrap="square" tIns="91425">
+            <a:bodyPr spcFirstLastPara="1" wrap="square" lIns="91425" tIns="91425" rIns="91425" bIns="91425" anchor="ctr" anchorCtr="0">
               <a:noAutofit/>
             </a:bodyPr>
             <a:lstStyle/>
             <a:p>
-              <a:pPr indent="0" lvl="0" marL="0" rtl="0" algn="l">
+              <a:pPr marL="0" lvl="0" indent="0" algn="l" rtl="0">
                 <a:spcBef>
                   <a:spcPts val="0"/>
                 </a:spcBef>
@@ -2548,9 +2623,6 @@
                 </a:spcAft>
                 <a:buNone/>
               </a:pPr>
-              <a:r>
-                <a:t/>
-              </a:r>
               <a:endParaRPr/>
             </a:p>
           </p:txBody>
@@ -2559,9 +2631,11 @@
       <p:sp>
         <p:nvSpPr>
           <p:cNvPr id="77" name="Google Shape;77;p11"/>
-          <p:cNvSpPr txBox="1"/>
+          <p:cNvSpPr txBox="1">
+            <a:spLocks noGrp="1"/>
+          </p:cNvSpPr>
           <p:nvPr>
-            <p:ph hasCustomPrompt="1" type="title"/>
+            <p:ph type="title" hasCustomPrompt="1"/>
           </p:nvPr>
         </p:nvSpPr>
         <p:spPr>
@@ -2574,7 +2648,7 @@
           </a:prstGeom>
         </p:spPr>
         <p:txBody>
-          <a:bodyPr anchorCtr="0" anchor="t" bIns="91425" lIns="91425" spcFirstLastPara="1" rIns="91425" wrap="square" tIns="91425">
+          <a:bodyPr spcFirstLastPara="1" wrap="square" lIns="91425" tIns="91425" rIns="91425" bIns="91425" anchor="t" anchorCtr="0">
             <a:normAutofit/>
           </a:bodyPr>
           <a:lstStyle>
@@ -2751,9 +2825,11 @@
       <p:sp>
         <p:nvSpPr>
           <p:cNvPr id="78" name="Google Shape;78;p11"/>
-          <p:cNvSpPr txBox="1"/>
+          <p:cNvSpPr txBox="1">
+            <a:spLocks noGrp="1"/>
+          </p:cNvSpPr>
           <p:nvPr>
-            <p:ph idx="1" type="body"/>
+            <p:ph type="body" idx="1"/>
           </p:nvPr>
         </p:nvSpPr>
         <p:spPr>
@@ -2766,11 +2842,11 @@
           </a:prstGeom>
         </p:spPr>
         <p:txBody>
-          <a:bodyPr anchorCtr="0" anchor="t" bIns="91425" lIns="91425" spcFirstLastPara="1" rIns="91425" wrap="square" tIns="91425">
+          <a:bodyPr spcFirstLastPara="1" wrap="square" lIns="91425" tIns="91425" rIns="91425" bIns="91425" anchor="t" anchorCtr="0">
             <a:normAutofit/>
           </a:bodyPr>
           <a:lstStyle>
-            <a:lvl1pPr indent="-311150" lvl="0" marL="457200">
+            <a:lvl1pPr marL="457200" lvl="0" indent="-311150">
               <a:spcBef>
                 <a:spcPts val="0"/>
               </a:spcBef>
@@ -2788,7 +2864,7 @@
                 </a:solidFill>
               </a:defRPr>
             </a:lvl1pPr>
-            <a:lvl2pPr indent="-298450" lvl="1" marL="914400">
+            <a:lvl2pPr marL="914400" lvl="1" indent="-298450">
               <a:spcBef>
                 <a:spcPts val="0"/>
               </a:spcBef>
@@ -2806,7 +2882,7 @@
                 </a:solidFill>
               </a:defRPr>
             </a:lvl2pPr>
-            <a:lvl3pPr indent="-298450" lvl="2" marL="1371600">
+            <a:lvl3pPr marL="1371600" lvl="2" indent="-298450">
               <a:spcBef>
                 <a:spcPts val="0"/>
               </a:spcBef>
@@ -2824,7 +2900,7 @@
                 </a:solidFill>
               </a:defRPr>
             </a:lvl3pPr>
-            <a:lvl4pPr indent="-298450" lvl="3" marL="1828800">
+            <a:lvl4pPr marL="1828800" lvl="3" indent="-298450">
               <a:spcBef>
                 <a:spcPts val="0"/>
               </a:spcBef>
@@ -2842,7 +2918,7 @@
                 </a:solidFill>
               </a:defRPr>
             </a:lvl4pPr>
-            <a:lvl5pPr indent="-298450" lvl="4" marL="2286000">
+            <a:lvl5pPr marL="2286000" lvl="4" indent="-298450">
               <a:spcBef>
                 <a:spcPts val="0"/>
               </a:spcBef>
@@ -2860,7 +2936,7 @@
                 </a:solidFill>
               </a:defRPr>
             </a:lvl5pPr>
-            <a:lvl6pPr indent="-298450" lvl="5" marL="2743200">
+            <a:lvl6pPr marL="2743200" lvl="5" indent="-298450">
               <a:spcBef>
                 <a:spcPts val="0"/>
               </a:spcBef>
@@ -2878,7 +2954,7 @@
                 </a:solidFill>
               </a:defRPr>
             </a:lvl6pPr>
-            <a:lvl7pPr indent="-298450" lvl="6" marL="3200400">
+            <a:lvl7pPr marL="3200400" lvl="6" indent="-298450">
               <a:spcBef>
                 <a:spcPts val="0"/>
               </a:spcBef>
@@ -2896,7 +2972,7 @@
                 </a:solidFill>
               </a:defRPr>
             </a:lvl7pPr>
-            <a:lvl8pPr indent="-298450" lvl="7" marL="3657600">
+            <a:lvl8pPr marL="3657600" lvl="7" indent="-298450">
               <a:spcBef>
                 <a:spcPts val="0"/>
               </a:spcBef>
@@ -2914,7 +2990,7 @@
                 </a:solidFill>
               </a:defRPr>
             </a:lvl8pPr>
-            <a:lvl9pPr indent="-298450" lvl="8" marL="4114800">
+            <a:lvl9pPr marL="4114800" lvl="8" indent="-298450">
               <a:spcBef>
                 <a:spcPts val="0"/>
               </a:spcBef>
@@ -2933,15 +3009,19 @@
               </a:defRPr>
             </a:lvl9pPr>
           </a:lstStyle>
-          <a:p/>
+          <a:p>
+            <a:endParaRPr/>
+          </a:p>
         </p:txBody>
       </p:sp>
       <p:sp>
         <p:nvSpPr>
           <p:cNvPr id="79" name="Google Shape;79;p11"/>
-          <p:cNvSpPr txBox="1"/>
+          <p:cNvSpPr txBox="1">
+            <a:spLocks noGrp="1"/>
+          </p:cNvSpPr>
           <p:nvPr>
-            <p:ph idx="12" type="sldNum"/>
+            <p:ph type="sldNum" idx="12"/>
           </p:nvPr>
         </p:nvSpPr>
         <p:spPr>
@@ -2954,7 +3034,7 @@
           </a:prstGeom>
         </p:spPr>
         <p:txBody>
-          <a:bodyPr anchorCtr="0" anchor="ctr" bIns="91425" lIns="91425" spcFirstLastPara="1" rIns="91425" wrap="square" tIns="91425">
+          <a:bodyPr spcFirstLastPara="1" wrap="square" lIns="91425" tIns="91425" rIns="91425" bIns="91425" anchor="ctr" anchorCtr="0">
             <a:normAutofit/>
           </a:bodyPr>
           <a:lstStyle>
@@ -3032,7 +3112,7 @@
             </a:lvl9pPr>
           </a:lstStyle>
           <a:p>
-            <a:pPr indent="0" lvl="0" marL="0" rtl="0" algn="r">
+            <a:pPr marL="0" lvl="0" indent="0" algn="r" rtl="0">
               <a:spcBef>
                 <a:spcPts val="0"/>
               </a:spcBef>
@@ -3058,11 +3138,11 @@
 </file>
 
 <file path=ppt/slideLayouts/slideLayout11.xml><?xml version="1.0" encoding="utf-8"?>
-<p:sldLayout xmlns:a="http://schemas.openxmlformats.org/drawingml/2006/main" xmlns:r="http://schemas.openxmlformats.org/officeDocument/2006/relationships" xmlns:mc="http://schemas.openxmlformats.org/markup-compatibility/2006" xmlns:mv="urn:schemas-microsoft-com:mac:vml" xmlns:p="http://schemas.openxmlformats.org/presentationml/2006/main" xmlns:c="http://schemas.openxmlformats.org/drawingml/2006/chart" xmlns:dgm="http://schemas.openxmlformats.org/drawingml/2006/diagram" xmlns:o="urn:schemas-microsoft-com:office:office" xmlns:v="urn:schemas-microsoft-com:vml" xmlns:pvml="urn:schemas-microsoft-com:office:powerpoint" xmlns:com="http://schemas.openxmlformats.org/drawingml/2006/compatibility" xmlns:p14="http://schemas.microsoft.com/office/powerpoint/2010/main" xmlns:p15="http://schemas.microsoft.com/office/powerpoint/2012/main" xmlns:ahyp="http://schemas.microsoft.com/office/drawing/2018/hyperlinkcolor" matchingName="Blank" type="blank">
+<p:sldLayout xmlns:a="http://schemas.openxmlformats.org/drawingml/2006/main" xmlns:r="http://schemas.openxmlformats.org/officeDocument/2006/relationships" xmlns:p="http://schemas.openxmlformats.org/presentationml/2006/main" matchingName="Blank" type="blank">
   <p:cSld name="BLANK">
     <p:spTree>
       <p:nvGrpSpPr>
-        <p:cNvPr id="80" name="Shape 80"/>
+        <p:cNvPr id="1" name="Shape 80"/>
         <p:cNvGrpSpPr/>
         <p:nvPr/>
       </p:nvGrpSpPr>
@@ -3077,9 +3157,11 @@
       <p:sp>
         <p:nvSpPr>
           <p:cNvPr id="81" name="Google Shape;81;p12"/>
-          <p:cNvSpPr txBox="1"/>
+          <p:cNvSpPr txBox="1">
+            <a:spLocks noGrp="1"/>
+          </p:cNvSpPr>
           <p:nvPr>
-            <p:ph idx="12" type="sldNum"/>
+            <p:ph type="sldNum" idx="12"/>
           </p:nvPr>
         </p:nvSpPr>
         <p:spPr>
@@ -3092,7 +3174,7 @@
           </a:prstGeom>
         </p:spPr>
         <p:txBody>
-          <a:bodyPr anchorCtr="0" anchor="ctr" bIns="91425" lIns="91425" spcFirstLastPara="1" rIns="91425" wrap="square" tIns="91425">
+          <a:bodyPr spcFirstLastPara="1" wrap="square" lIns="91425" tIns="91425" rIns="91425" bIns="91425" anchor="ctr" anchorCtr="0">
             <a:normAutofit/>
           </a:bodyPr>
           <a:lstStyle>
@@ -3134,7 +3216,7 @@
             </a:lvl9pPr>
           </a:lstStyle>
           <a:p>
-            <a:pPr indent="0" lvl="0" marL="0" rtl="0" algn="r">
+            <a:pPr marL="0" lvl="0" indent="0" algn="r" rtl="0">
               <a:spcBef>
                 <a:spcPts val="0"/>
               </a:spcBef>
@@ -3160,18 +3242,19 @@
 </file>
 
 <file path=ppt/slideLayouts/slideLayout2.xml><?xml version="1.0" encoding="utf-8"?>
-<p:sldLayout xmlns:a="http://schemas.openxmlformats.org/drawingml/2006/main" xmlns:r="http://schemas.openxmlformats.org/officeDocument/2006/relationships" xmlns:mc="http://schemas.openxmlformats.org/markup-compatibility/2006" xmlns:mv="urn:schemas-microsoft-com:mac:vml" xmlns:p="http://schemas.openxmlformats.org/presentationml/2006/main" xmlns:c="http://schemas.openxmlformats.org/drawingml/2006/chart" xmlns:dgm="http://schemas.openxmlformats.org/drawingml/2006/diagram" xmlns:o="urn:schemas-microsoft-com:office:office" xmlns:v="urn:schemas-microsoft-com:vml" xmlns:pvml="urn:schemas-microsoft-com:office:powerpoint" xmlns:com="http://schemas.openxmlformats.org/drawingml/2006/compatibility" xmlns:p14="http://schemas.microsoft.com/office/powerpoint/2010/main" xmlns:p15="http://schemas.microsoft.com/office/powerpoint/2012/main" xmlns:ahyp="http://schemas.microsoft.com/office/drawing/2018/hyperlinkcolor" matchingName="Section header" type="secHead">
+<p:sldLayout xmlns:a="http://schemas.openxmlformats.org/drawingml/2006/main" xmlns:r="http://schemas.openxmlformats.org/officeDocument/2006/relationships" xmlns:p="http://schemas.openxmlformats.org/presentationml/2006/main" matchingName="Section header" type="secHead">
   <p:cSld name="SECTION_HEADER">
     <p:bg>
       <p:bgPr>
         <a:solidFill>
           <a:schemeClr val="dk1"/>
         </a:solidFill>
+        <a:effectLst/>
       </p:bgPr>
     </p:bg>
     <p:spTree>
       <p:nvGrpSpPr>
-        <p:cNvPr id="17" name="Shape 17"/>
+        <p:cNvPr id="1" name="Shape 17"/>
         <p:cNvGrpSpPr/>
         <p:nvPr/>
       </p:nvGrpSpPr>
@@ -3219,12 +3302,12 @@
             </a:ln>
           </p:spPr>
           <p:txBody>
-            <a:bodyPr anchorCtr="0" anchor="ctr" bIns="91425" lIns="91425" spcFirstLastPara="1" rIns="91425" wrap="square" tIns="91425">
+            <a:bodyPr spcFirstLastPara="1" wrap="square" lIns="91425" tIns="91425" rIns="91425" bIns="91425" anchor="ctr" anchorCtr="0">
               <a:noAutofit/>
             </a:bodyPr>
             <a:lstStyle/>
             <a:p>
-              <a:pPr indent="0" lvl="0" marL="0" rtl="0" algn="l">
+              <a:pPr marL="0" lvl="0" indent="0" algn="l" rtl="0">
                 <a:spcBef>
                   <a:spcPts val="0"/>
                 </a:spcBef>
@@ -3233,9 +3316,6 @@
                 </a:spcAft>
                 <a:buNone/>
               </a:pPr>
-              <a:r>
-                <a:t/>
-              </a:r>
               <a:endParaRPr/>
             </a:p>
           </p:txBody>
@@ -3262,12 +3342,12 @@
             </a:ln>
           </p:spPr>
           <p:txBody>
-            <a:bodyPr anchorCtr="0" anchor="ctr" bIns="91425" lIns="91425" spcFirstLastPara="1" rIns="91425" wrap="square" tIns="91425">
+            <a:bodyPr spcFirstLastPara="1" wrap="square" lIns="91425" tIns="91425" rIns="91425" bIns="91425" anchor="ctr" anchorCtr="0">
               <a:noAutofit/>
             </a:bodyPr>
             <a:lstStyle/>
             <a:p>
-              <a:pPr indent="0" lvl="0" marL="0" rtl="0" algn="l">
+              <a:pPr marL="0" lvl="0" indent="0" algn="l" rtl="0">
                 <a:spcBef>
                   <a:spcPts val="0"/>
                 </a:spcBef>
@@ -3276,9 +3356,6 @@
                 </a:spcAft>
                 <a:buNone/>
               </a:pPr>
-              <a:r>
-                <a:t/>
-              </a:r>
               <a:endParaRPr/>
             </a:p>
           </p:txBody>
@@ -3287,7 +3364,9 @@
       <p:sp>
         <p:nvSpPr>
           <p:cNvPr id="21" name="Google Shape;21;p3"/>
-          <p:cNvSpPr txBox="1"/>
+          <p:cNvSpPr txBox="1">
+            <a:spLocks noGrp="1"/>
+          </p:cNvSpPr>
           <p:nvPr>
             <p:ph type="title"/>
           </p:nvPr>
@@ -3302,7 +3381,7 @@
           </a:prstGeom>
         </p:spPr>
         <p:txBody>
-          <a:bodyPr anchorCtr="0" anchor="t" bIns="91425" lIns="91425" spcFirstLastPara="1" rIns="91425" wrap="square" tIns="91425">
+          <a:bodyPr spcFirstLastPara="1" wrap="square" lIns="91425" tIns="91425" rIns="91425" bIns="91425" anchor="t" anchorCtr="0">
             <a:normAutofit/>
           </a:bodyPr>
           <a:lstStyle>
@@ -3469,15 +3548,19 @@
               </a:defRPr>
             </a:lvl9pPr>
           </a:lstStyle>
-          <a:p/>
+          <a:p>
+            <a:endParaRPr/>
+          </a:p>
         </p:txBody>
       </p:sp>
       <p:sp>
         <p:nvSpPr>
           <p:cNvPr id="22" name="Google Shape;22;p3"/>
-          <p:cNvSpPr txBox="1"/>
+          <p:cNvSpPr txBox="1">
+            <a:spLocks noGrp="1"/>
+          </p:cNvSpPr>
           <p:nvPr>
-            <p:ph idx="12" type="sldNum"/>
+            <p:ph type="sldNum" idx="12"/>
           </p:nvPr>
         </p:nvSpPr>
         <p:spPr>
@@ -3490,7 +3573,7 @@
           </a:prstGeom>
         </p:spPr>
         <p:txBody>
-          <a:bodyPr anchorCtr="0" anchor="ctr" bIns="91425" lIns="91425" spcFirstLastPara="1" rIns="91425" wrap="square" tIns="91425">
+          <a:bodyPr spcFirstLastPara="1" wrap="square" lIns="91425" tIns="91425" rIns="91425" bIns="91425" anchor="ctr" anchorCtr="0">
             <a:normAutofit/>
           </a:bodyPr>
           <a:lstStyle>
@@ -3568,7 +3651,7 @@
             </a:lvl9pPr>
           </a:lstStyle>
           <a:p>
-            <a:pPr indent="0" lvl="0" marL="0" rtl="0" algn="r">
+            <a:pPr marL="0" lvl="0" indent="0" algn="r" rtl="0">
               <a:spcBef>
                 <a:spcPts val="0"/>
               </a:spcBef>
@@ -3594,11 +3677,11 @@
 </file>
 
 <file path=ppt/slideLayouts/slideLayout3.xml><?xml version="1.0" encoding="utf-8"?>
-<p:sldLayout xmlns:a="http://schemas.openxmlformats.org/drawingml/2006/main" xmlns:r="http://schemas.openxmlformats.org/officeDocument/2006/relationships" xmlns:mc="http://schemas.openxmlformats.org/markup-compatibility/2006" xmlns:mv="urn:schemas-microsoft-com:mac:vml" xmlns:p="http://schemas.openxmlformats.org/presentationml/2006/main" xmlns:c="http://schemas.openxmlformats.org/drawingml/2006/chart" xmlns:dgm="http://schemas.openxmlformats.org/drawingml/2006/diagram" xmlns:o="urn:schemas-microsoft-com:office:office" xmlns:v="urn:schemas-microsoft-com:vml" xmlns:pvml="urn:schemas-microsoft-com:office:powerpoint" xmlns:com="http://schemas.openxmlformats.org/drawingml/2006/compatibility" xmlns:p14="http://schemas.microsoft.com/office/powerpoint/2010/main" xmlns:p15="http://schemas.microsoft.com/office/powerpoint/2012/main" xmlns:ahyp="http://schemas.microsoft.com/office/drawing/2018/hyperlinkcolor" matchingName="Title and body" type="tx">
+<p:sldLayout xmlns:a="http://schemas.openxmlformats.org/drawingml/2006/main" xmlns:r="http://schemas.openxmlformats.org/officeDocument/2006/relationships" xmlns:p="http://schemas.openxmlformats.org/presentationml/2006/main" matchingName="Title and body" type="tx">
   <p:cSld name="TITLE_AND_BODY">
     <p:spTree>
       <p:nvGrpSpPr>
-        <p:cNvPr id="23" name="Shape 23"/>
+        <p:cNvPr id="1" name="Shape 23"/>
         <p:cNvGrpSpPr/>
         <p:nvPr/>
       </p:nvGrpSpPr>
@@ -3632,12 +3715,12 @@
           </a:ln>
         </p:spPr>
         <p:txBody>
-          <a:bodyPr anchorCtr="0" anchor="ctr" bIns="91425" lIns="91425" spcFirstLastPara="1" rIns="91425" wrap="square" tIns="91425">
+          <a:bodyPr spcFirstLastPara="1" wrap="square" lIns="91425" tIns="91425" rIns="91425" bIns="91425" anchor="ctr" anchorCtr="0">
             <a:noAutofit/>
           </a:bodyPr>
           <a:lstStyle/>
           <a:p>
-            <a:pPr indent="0" lvl="0" marL="0" rtl="0" algn="l">
+            <a:pPr marL="0" lvl="0" indent="0" algn="l" rtl="0">
               <a:spcBef>
                 <a:spcPts val="0"/>
               </a:spcBef>
@@ -3646,9 +3729,6 @@
               </a:spcAft>
               <a:buNone/>
             </a:pPr>
-            <a:r>
-              <a:t/>
-            </a:r>
             <a:endParaRPr/>
           </a:p>
         </p:txBody>
@@ -3689,12 +3769,12 @@
             </a:ln>
           </p:spPr>
           <p:txBody>
-            <a:bodyPr anchorCtr="0" anchor="ctr" bIns="91425" lIns="91425" spcFirstLastPara="1" rIns="91425" wrap="square" tIns="91425">
+            <a:bodyPr spcFirstLastPara="1" wrap="square" lIns="91425" tIns="91425" rIns="91425" bIns="91425" anchor="ctr" anchorCtr="0">
               <a:noAutofit/>
             </a:bodyPr>
             <a:lstStyle/>
             <a:p>
-              <a:pPr indent="0" lvl="0" marL="0" rtl="0" algn="l">
+              <a:pPr marL="0" lvl="0" indent="0" algn="l" rtl="0">
                 <a:spcBef>
                   <a:spcPts val="0"/>
                 </a:spcBef>
@@ -3703,9 +3783,6 @@
                 </a:spcAft>
                 <a:buNone/>
               </a:pPr>
-              <a:r>
-                <a:t/>
-              </a:r>
               <a:endParaRPr/>
             </a:p>
           </p:txBody>
@@ -3732,12 +3809,12 @@
             </a:ln>
           </p:spPr>
           <p:txBody>
-            <a:bodyPr anchorCtr="0" anchor="ctr" bIns="91425" lIns="91425" spcFirstLastPara="1" rIns="91425" wrap="square" tIns="91425">
+            <a:bodyPr spcFirstLastPara="1" wrap="square" lIns="91425" tIns="91425" rIns="91425" bIns="91425" anchor="ctr" anchorCtr="0">
               <a:noAutofit/>
             </a:bodyPr>
             <a:lstStyle/>
             <a:p>
-              <a:pPr indent="0" lvl="0" marL="0" rtl="0" algn="l">
+              <a:pPr marL="0" lvl="0" indent="0" algn="l" rtl="0">
                 <a:spcBef>
                   <a:spcPts val="0"/>
                 </a:spcBef>
@@ -3746,9 +3823,6 @@
                 </a:spcAft>
                 <a:buNone/>
               </a:pPr>
-              <a:r>
-                <a:t/>
-              </a:r>
               <a:endParaRPr/>
             </a:p>
           </p:txBody>
@@ -3757,7 +3831,9 @@
       <p:sp>
         <p:nvSpPr>
           <p:cNvPr id="28" name="Google Shape;28;p4"/>
-          <p:cNvSpPr txBox="1"/>
+          <p:cNvSpPr txBox="1">
+            <a:spLocks noGrp="1"/>
+          </p:cNvSpPr>
           <p:nvPr>
             <p:ph type="title"/>
           </p:nvPr>
@@ -3772,7 +3848,7 @@
           </a:prstGeom>
         </p:spPr>
         <p:txBody>
-          <a:bodyPr anchorCtr="0" anchor="t" bIns="91425" lIns="91425" spcFirstLastPara="1" rIns="91425" wrap="square" tIns="91425">
+          <a:bodyPr spcFirstLastPara="1" wrap="square" lIns="91425" tIns="91425" rIns="91425" bIns="91425" anchor="t" anchorCtr="0">
             <a:normAutofit/>
           </a:bodyPr>
           <a:lstStyle>
@@ -3876,15 +3952,19 @@
               <a:defRPr sz="2600"/>
             </a:lvl9pPr>
           </a:lstStyle>
-          <a:p/>
+          <a:p>
+            <a:endParaRPr/>
+          </a:p>
         </p:txBody>
       </p:sp>
       <p:sp>
         <p:nvSpPr>
           <p:cNvPr id="29" name="Google Shape;29;p4"/>
-          <p:cNvSpPr txBox="1"/>
+          <p:cNvSpPr txBox="1">
+            <a:spLocks noGrp="1"/>
+          </p:cNvSpPr>
           <p:nvPr>
-            <p:ph idx="1" type="body"/>
+            <p:ph type="body" idx="1"/>
           </p:nvPr>
         </p:nvSpPr>
         <p:spPr>
@@ -3897,11 +3977,11 @@
           </a:prstGeom>
         </p:spPr>
         <p:txBody>
-          <a:bodyPr anchorCtr="0" anchor="t" bIns="91425" lIns="91425" spcFirstLastPara="1" rIns="91425" wrap="square" tIns="91425">
+          <a:bodyPr spcFirstLastPara="1" wrap="square" lIns="91425" tIns="91425" rIns="91425" bIns="91425" anchor="t" anchorCtr="0">
             <a:normAutofit/>
           </a:bodyPr>
           <a:lstStyle>
-            <a:lvl1pPr indent="-311150" lvl="0" marL="457200">
+            <a:lvl1pPr marL="457200" lvl="0" indent="-311150">
               <a:spcBef>
                 <a:spcPts val="0"/>
               </a:spcBef>
@@ -3912,7 +3992,7 @@
               <a:buChar char="●"/>
               <a:defRPr/>
             </a:lvl1pPr>
-            <a:lvl2pPr indent="-298450" lvl="1" marL="914400">
+            <a:lvl2pPr marL="914400" lvl="1" indent="-298450">
               <a:spcBef>
                 <a:spcPts val="0"/>
               </a:spcBef>
@@ -3923,7 +4003,7 @@
               <a:buChar char="○"/>
               <a:defRPr/>
             </a:lvl2pPr>
-            <a:lvl3pPr indent="-298450" lvl="2" marL="1371600">
+            <a:lvl3pPr marL="1371600" lvl="2" indent="-298450">
               <a:spcBef>
                 <a:spcPts val="0"/>
               </a:spcBef>
@@ -3934,7 +4014,7 @@
               <a:buChar char="■"/>
               <a:defRPr/>
             </a:lvl3pPr>
-            <a:lvl4pPr indent="-298450" lvl="3" marL="1828800">
+            <a:lvl4pPr marL="1828800" lvl="3" indent="-298450">
               <a:spcBef>
                 <a:spcPts val="0"/>
               </a:spcBef>
@@ -3945,7 +4025,7 @@
               <a:buChar char="●"/>
               <a:defRPr/>
             </a:lvl4pPr>
-            <a:lvl5pPr indent="-298450" lvl="4" marL="2286000">
+            <a:lvl5pPr marL="2286000" lvl="4" indent="-298450">
               <a:spcBef>
                 <a:spcPts val="0"/>
               </a:spcBef>
@@ -3956,7 +4036,7 @@
               <a:buChar char="○"/>
               <a:defRPr/>
             </a:lvl5pPr>
-            <a:lvl6pPr indent="-298450" lvl="5" marL="2743200">
+            <a:lvl6pPr marL="2743200" lvl="5" indent="-298450">
               <a:spcBef>
                 <a:spcPts val="0"/>
               </a:spcBef>
@@ -3967,7 +4047,7 @@
               <a:buChar char="■"/>
               <a:defRPr/>
             </a:lvl6pPr>
-            <a:lvl7pPr indent="-298450" lvl="6" marL="3200400">
+            <a:lvl7pPr marL="3200400" lvl="6" indent="-298450">
               <a:spcBef>
                 <a:spcPts val="0"/>
               </a:spcBef>
@@ -3978,7 +4058,7 @@
               <a:buChar char="●"/>
               <a:defRPr/>
             </a:lvl7pPr>
-            <a:lvl8pPr indent="-298450" lvl="7" marL="3657600">
+            <a:lvl8pPr marL="3657600" lvl="7" indent="-298450">
               <a:spcBef>
                 <a:spcPts val="0"/>
               </a:spcBef>
@@ -3989,7 +4069,7 @@
               <a:buChar char="○"/>
               <a:defRPr/>
             </a:lvl8pPr>
-            <a:lvl9pPr indent="-298450" lvl="8" marL="4114800">
+            <a:lvl9pPr marL="4114800" lvl="8" indent="-298450">
               <a:spcBef>
                 <a:spcPts val="0"/>
               </a:spcBef>
@@ -4001,15 +4081,19 @@
               <a:defRPr/>
             </a:lvl9pPr>
           </a:lstStyle>
-          <a:p/>
+          <a:p>
+            <a:endParaRPr/>
+          </a:p>
         </p:txBody>
       </p:sp>
       <p:sp>
         <p:nvSpPr>
           <p:cNvPr id="30" name="Google Shape;30;p4"/>
-          <p:cNvSpPr txBox="1"/>
+          <p:cNvSpPr txBox="1">
+            <a:spLocks noGrp="1"/>
+          </p:cNvSpPr>
           <p:nvPr>
-            <p:ph idx="12" type="sldNum"/>
+            <p:ph type="sldNum" idx="12"/>
           </p:nvPr>
         </p:nvSpPr>
         <p:spPr>
@@ -4022,7 +4106,7 @@
           </a:prstGeom>
         </p:spPr>
         <p:txBody>
-          <a:bodyPr anchorCtr="0" anchor="ctr" bIns="91425" lIns="91425" spcFirstLastPara="1" rIns="91425" wrap="square" tIns="91425">
+          <a:bodyPr spcFirstLastPara="1" wrap="square" lIns="91425" tIns="91425" rIns="91425" bIns="91425" anchor="ctr" anchorCtr="0">
             <a:normAutofit/>
           </a:bodyPr>
           <a:lstStyle>
@@ -4064,7 +4148,7 @@
             </a:lvl9pPr>
           </a:lstStyle>
           <a:p>
-            <a:pPr indent="0" lvl="0" marL="0" rtl="0" algn="r">
+            <a:pPr marL="0" lvl="0" indent="0" algn="r" rtl="0">
               <a:spcBef>
                 <a:spcPts val="0"/>
               </a:spcBef>
@@ -4090,11 +4174,11 @@
 </file>
 
 <file path=ppt/slideLayouts/slideLayout4.xml><?xml version="1.0" encoding="utf-8"?>
-<p:sldLayout xmlns:a="http://schemas.openxmlformats.org/drawingml/2006/main" xmlns:r="http://schemas.openxmlformats.org/officeDocument/2006/relationships" xmlns:mc="http://schemas.openxmlformats.org/markup-compatibility/2006" xmlns:mv="urn:schemas-microsoft-com:mac:vml" xmlns:p="http://schemas.openxmlformats.org/presentationml/2006/main" xmlns:c="http://schemas.openxmlformats.org/drawingml/2006/chart" xmlns:dgm="http://schemas.openxmlformats.org/drawingml/2006/diagram" xmlns:o="urn:schemas-microsoft-com:office:office" xmlns:v="urn:schemas-microsoft-com:vml" xmlns:pvml="urn:schemas-microsoft-com:office:powerpoint" xmlns:com="http://schemas.openxmlformats.org/drawingml/2006/compatibility" xmlns:p14="http://schemas.microsoft.com/office/powerpoint/2010/main" xmlns:p15="http://schemas.microsoft.com/office/powerpoint/2012/main" xmlns:ahyp="http://schemas.microsoft.com/office/drawing/2018/hyperlinkcolor" matchingName="Title and two columns" type="twoColTx">
+<p:sldLayout xmlns:a="http://schemas.openxmlformats.org/drawingml/2006/main" xmlns:r="http://schemas.openxmlformats.org/officeDocument/2006/relationships" xmlns:p="http://schemas.openxmlformats.org/presentationml/2006/main" matchingName="Title and two columns" type="twoColTx">
   <p:cSld name="TITLE_AND_TWO_COLUMNS">
     <p:spTree>
       <p:nvGrpSpPr>
-        <p:cNvPr id="31" name="Shape 31"/>
+        <p:cNvPr id="1" name="Shape 31"/>
         <p:cNvGrpSpPr/>
         <p:nvPr/>
       </p:nvGrpSpPr>
@@ -4128,12 +4212,12 @@
           </a:ln>
         </p:spPr>
         <p:txBody>
-          <a:bodyPr anchorCtr="0" anchor="ctr" bIns="91425" lIns="91425" spcFirstLastPara="1" rIns="91425" wrap="square" tIns="91425">
+          <a:bodyPr spcFirstLastPara="1" wrap="square" lIns="91425" tIns="91425" rIns="91425" bIns="91425" anchor="ctr" anchorCtr="0">
             <a:noAutofit/>
           </a:bodyPr>
           <a:lstStyle/>
           <a:p>
-            <a:pPr indent="0" lvl="0" marL="0" rtl="0" algn="l">
+            <a:pPr marL="0" lvl="0" indent="0" algn="l" rtl="0">
               <a:spcBef>
                 <a:spcPts val="0"/>
               </a:spcBef>
@@ -4142,9 +4226,6 @@
               </a:spcAft>
               <a:buNone/>
             </a:pPr>
-            <a:r>
-              <a:t/>
-            </a:r>
             <a:endParaRPr/>
           </a:p>
         </p:txBody>
@@ -4185,12 +4266,12 @@
             </a:ln>
           </p:spPr>
           <p:txBody>
-            <a:bodyPr anchorCtr="0" anchor="ctr" bIns="91425" lIns="91425" spcFirstLastPara="1" rIns="91425" wrap="square" tIns="91425">
+            <a:bodyPr spcFirstLastPara="1" wrap="square" lIns="91425" tIns="91425" rIns="91425" bIns="91425" anchor="ctr" anchorCtr="0">
               <a:noAutofit/>
             </a:bodyPr>
             <a:lstStyle/>
             <a:p>
-              <a:pPr indent="0" lvl="0" marL="0" rtl="0" algn="l">
+              <a:pPr marL="0" lvl="0" indent="0" algn="l" rtl="0">
                 <a:spcBef>
                   <a:spcPts val="0"/>
                 </a:spcBef>
@@ -4199,9 +4280,6 @@
                 </a:spcAft>
                 <a:buNone/>
               </a:pPr>
-              <a:r>
-                <a:t/>
-              </a:r>
               <a:endParaRPr/>
             </a:p>
           </p:txBody>
@@ -4228,12 +4306,12 @@
             </a:ln>
           </p:spPr>
           <p:txBody>
-            <a:bodyPr anchorCtr="0" anchor="ctr" bIns="91425" lIns="91425" spcFirstLastPara="1" rIns="91425" wrap="square" tIns="91425">
+            <a:bodyPr spcFirstLastPara="1" wrap="square" lIns="91425" tIns="91425" rIns="91425" bIns="91425" anchor="ctr" anchorCtr="0">
               <a:noAutofit/>
             </a:bodyPr>
             <a:lstStyle/>
             <a:p>
-              <a:pPr indent="0" lvl="0" marL="0" rtl="0" algn="l">
+              <a:pPr marL="0" lvl="0" indent="0" algn="l" rtl="0">
                 <a:spcBef>
                   <a:spcPts val="0"/>
                 </a:spcBef>
@@ -4242,9 +4320,6 @@
                 </a:spcAft>
                 <a:buNone/>
               </a:pPr>
-              <a:r>
-                <a:t/>
-              </a:r>
               <a:endParaRPr/>
             </a:p>
           </p:txBody>
@@ -4253,7 +4328,9 @@
       <p:sp>
         <p:nvSpPr>
           <p:cNvPr id="36" name="Google Shape;36;p5"/>
-          <p:cNvSpPr txBox="1"/>
+          <p:cNvSpPr txBox="1">
+            <a:spLocks noGrp="1"/>
+          </p:cNvSpPr>
           <p:nvPr>
             <p:ph type="title"/>
           </p:nvPr>
@@ -4268,7 +4345,7 @@
           </a:prstGeom>
         </p:spPr>
         <p:txBody>
-          <a:bodyPr anchorCtr="0" anchor="t" bIns="91425" lIns="91425" spcFirstLastPara="1" rIns="91425" wrap="square" tIns="91425">
+          <a:bodyPr spcFirstLastPara="1" wrap="square" lIns="91425" tIns="91425" rIns="91425" bIns="91425" anchor="t" anchorCtr="0">
             <a:normAutofit/>
           </a:bodyPr>
           <a:lstStyle>
@@ -4372,15 +4449,19 @@
               <a:defRPr sz="2600"/>
             </a:lvl9pPr>
           </a:lstStyle>
-          <a:p/>
+          <a:p>
+            <a:endParaRPr/>
+          </a:p>
         </p:txBody>
       </p:sp>
       <p:sp>
         <p:nvSpPr>
           <p:cNvPr id="37" name="Google Shape;37;p5"/>
-          <p:cNvSpPr txBox="1"/>
+          <p:cNvSpPr txBox="1">
+            <a:spLocks noGrp="1"/>
+          </p:cNvSpPr>
           <p:nvPr>
-            <p:ph idx="1" type="body"/>
+            <p:ph type="body" idx="1"/>
           </p:nvPr>
         </p:nvSpPr>
         <p:spPr>
@@ -4393,11 +4474,11 @@
           </a:prstGeom>
         </p:spPr>
         <p:txBody>
-          <a:bodyPr anchorCtr="0" anchor="t" bIns="91425" lIns="91425" spcFirstLastPara="1" rIns="91425" wrap="square" tIns="91425">
+          <a:bodyPr spcFirstLastPara="1" wrap="square" lIns="91425" tIns="91425" rIns="91425" bIns="91425" anchor="t" anchorCtr="0">
             <a:normAutofit/>
           </a:bodyPr>
           <a:lstStyle>
-            <a:lvl1pPr indent="-311150" lvl="0" marL="457200">
+            <a:lvl1pPr marL="457200" lvl="0" indent="-311150">
               <a:spcBef>
                 <a:spcPts val="0"/>
               </a:spcBef>
@@ -4408,7 +4489,7 @@
               <a:buChar char="●"/>
               <a:defRPr/>
             </a:lvl1pPr>
-            <a:lvl2pPr indent="-298450" lvl="1" marL="914400">
+            <a:lvl2pPr marL="914400" lvl="1" indent="-298450">
               <a:spcBef>
                 <a:spcPts val="0"/>
               </a:spcBef>
@@ -4419,7 +4500,7 @@
               <a:buChar char="○"/>
               <a:defRPr/>
             </a:lvl2pPr>
-            <a:lvl3pPr indent="-298450" lvl="2" marL="1371600">
+            <a:lvl3pPr marL="1371600" lvl="2" indent="-298450">
               <a:spcBef>
                 <a:spcPts val="0"/>
               </a:spcBef>
@@ -4430,7 +4511,7 @@
               <a:buChar char="■"/>
               <a:defRPr/>
             </a:lvl3pPr>
-            <a:lvl4pPr indent="-298450" lvl="3" marL="1828800">
+            <a:lvl4pPr marL="1828800" lvl="3" indent="-298450">
               <a:spcBef>
                 <a:spcPts val="0"/>
               </a:spcBef>
@@ -4441,7 +4522,7 @@
               <a:buChar char="●"/>
               <a:defRPr/>
             </a:lvl4pPr>
-            <a:lvl5pPr indent="-298450" lvl="4" marL="2286000">
+            <a:lvl5pPr marL="2286000" lvl="4" indent="-298450">
               <a:spcBef>
                 <a:spcPts val="0"/>
               </a:spcBef>
@@ -4452,7 +4533,7 @@
               <a:buChar char="○"/>
               <a:defRPr/>
             </a:lvl5pPr>
-            <a:lvl6pPr indent="-298450" lvl="5" marL="2743200">
+            <a:lvl6pPr marL="2743200" lvl="5" indent="-298450">
               <a:spcBef>
                 <a:spcPts val="0"/>
               </a:spcBef>
@@ -4463,7 +4544,7 @@
               <a:buChar char="■"/>
               <a:defRPr/>
             </a:lvl6pPr>
-            <a:lvl7pPr indent="-298450" lvl="6" marL="3200400">
+            <a:lvl7pPr marL="3200400" lvl="6" indent="-298450">
               <a:spcBef>
                 <a:spcPts val="0"/>
               </a:spcBef>
@@ -4474,7 +4555,7 @@
               <a:buChar char="●"/>
               <a:defRPr/>
             </a:lvl7pPr>
-            <a:lvl8pPr indent="-298450" lvl="7" marL="3657600">
+            <a:lvl8pPr marL="3657600" lvl="7" indent="-298450">
               <a:spcBef>
                 <a:spcPts val="0"/>
               </a:spcBef>
@@ -4485,7 +4566,7 @@
               <a:buChar char="○"/>
               <a:defRPr/>
             </a:lvl8pPr>
-            <a:lvl9pPr indent="-298450" lvl="8" marL="4114800">
+            <a:lvl9pPr marL="4114800" lvl="8" indent="-298450">
               <a:spcBef>
                 <a:spcPts val="0"/>
               </a:spcBef>
@@ -4497,15 +4578,19 @@
               <a:defRPr/>
             </a:lvl9pPr>
           </a:lstStyle>
-          <a:p/>
+          <a:p>
+            <a:endParaRPr/>
+          </a:p>
         </p:txBody>
       </p:sp>
       <p:sp>
         <p:nvSpPr>
           <p:cNvPr id="38" name="Google Shape;38;p5"/>
-          <p:cNvSpPr txBox="1"/>
+          <p:cNvSpPr txBox="1">
+            <a:spLocks noGrp="1"/>
+          </p:cNvSpPr>
           <p:nvPr>
-            <p:ph idx="2" type="body"/>
+            <p:ph type="body" idx="2"/>
           </p:nvPr>
         </p:nvSpPr>
         <p:spPr>
@@ -4518,11 +4603,11 @@
           </a:prstGeom>
         </p:spPr>
         <p:txBody>
-          <a:bodyPr anchorCtr="0" anchor="t" bIns="91425" lIns="91425" spcFirstLastPara="1" rIns="91425" wrap="square" tIns="91425">
+          <a:bodyPr spcFirstLastPara="1" wrap="square" lIns="91425" tIns="91425" rIns="91425" bIns="91425" anchor="t" anchorCtr="0">
             <a:normAutofit/>
           </a:bodyPr>
           <a:lstStyle>
-            <a:lvl1pPr indent="-311150" lvl="0" marL="457200">
+            <a:lvl1pPr marL="457200" lvl="0" indent="-311150">
               <a:spcBef>
                 <a:spcPts val="0"/>
               </a:spcBef>
@@ -4533,7 +4618,7 @@
               <a:buChar char="●"/>
               <a:defRPr/>
             </a:lvl1pPr>
-            <a:lvl2pPr indent="-298450" lvl="1" marL="914400">
+            <a:lvl2pPr marL="914400" lvl="1" indent="-298450">
               <a:spcBef>
                 <a:spcPts val="0"/>
               </a:spcBef>
@@ -4544,7 +4629,7 @@
               <a:buChar char="○"/>
               <a:defRPr/>
             </a:lvl2pPr>
-            <a:lvl3pPr indent="-298450" lvl="2" marL="1371600">
+            <a:lvl3pPr marL="1371600" lvl="2" indent="-298450">
               <a:spcBef>
                 <a:spcPts val="0"/>
               </a:spcBef>
@@ -4555,7 +4640,7 @@
               <a:buChar char="■"/>
               <a:defRPr/>
             </a:lvl3pPr>
-            <a:lvl4pPr indent="-298450" lvl="3" marL="1828800">
+            <a:lvl4pPr marL="1828800" lvl="3" indent="-298450">
               <a:spcBef>
                 <a:spcPts val="0"/>
               </a:spcBef>
@@ -4566,7 +4651,7 @@
               <a:buChar char="●"/>
               <a:defRPr/>
             </a:lvl4pPr>
-            <a:lvl5pPr indent="-298450" lvl="4" marL="2286000">
+            <a:lvl5pPr marL="2286000" lvl="4" indent="-298450">
               <a:spcBef>
                 <a:spcPts val="0"/>
               </a:spcBef>
@@ -4577,7 +4662,7 @@
               <a:buChar char="○"/>
               <a:defRPr/>
             </a:lvl5pPr>
-            <a:lvl6pPr indent="-298450" lvl="5" marL="2743200">
+            <a:lvl6pPr marL="2743200" lvl="5" indent="-298450">
               <a:spcBef>
                 <a:spcPts val="0"/>
               </a:spcBef>
@@ -4588,7 +4673,7 @@
               <a:buChar char="■"/>
               <a:defRPr/>
             </a:lvl6pPr>
-            <a:lvl7pPr indent="-298450" lvl="6" marL="3200400">
+            <a:lvl7pPr marL="3200400" lvl="6" indent="-298450">
               <a:spcBef>
                 <a:spcPts val="0"/>
               </a:spcBef>
@@ -4599,7 +4684,7 @@
               <a:buChar char="●"/>
               <a:defRPr/>
             </a:lvl7pPr>
-            <a:lvl8pPr indent="-298450" lvl="7" marL="3657600">
+            <a:lvl8pPr marL="3657600" lvl="7" indent="-298450">
               <a:spcBef>
                 <a:spcPts val="0"/>
               </a:spcBef>
@@ -4610,7 +4695,7 @@
               <a:buChar char="○"/>
               <a:defRPr/>
             </a:lvl8pPr>
-            <a:lvl9pPr indent="-298450" lvl="8" marL="4114800">
+            <a:lvl9pPr marL="4114800" lvl="8" indent="-298450">
               <a:spcBef>
                 <a:spcPts val="0"/>
               </a:spcBef>
@@ -4622,15 +4707,19 @@
               <a:defRPr/>
             </a:lvl9pPr>
           </a:lstStyle>
-          <a:p/>
+          <a:p>
+            <a:endParaRPr/>
+          </a:p>
         </p:txBody>
       </p:sp>
       <p:sp>
         <p:nvSpPr>
           <p:cNvPr id="39" name="Google Shape;39;p5"/>
-          <p:cNvSpPr txBox="1"/>
+          <p:cNvSpPr txBox="1">
+            <a:spLocks noGrp="1"/>
+          </p:cNvSpPr>
           <p:nvPr>
-            <p:ph idx="12" type="sldNum"/>
+            <p:ph type="sldNum" idx="12"/>
           </p:nvPr>
         </p:nvSpPr>
         <p:spPr>
@@ -4643,7 +4732,7 @@
           </a:prstGeom>
         </p:spPr>
         <p:txBody>
-          <a:bodyPr anchorCtr="0" anchor="ctr" bIns="91425" lIns="91425" spcFirstLastPara="1" rIns="91425" wrap="square" tIns="91425">
+          <a:bodyPr spcFirstLastPara="1" wrap="square" lIns="91425" tIns="91425" rIns="91425" bIns="91425" anchor="ctr" anchorCtr="0">
             <a:normAutofit/>
           </a:bodyPr>
           <a:lstStyle>
@@ -4685,7 +4774,7 @@
             </a:lvl9pPr>
           </a:lstStyle>
           <a:p>
-            <a:pPr indent="0" lvl="0" marL="0" rtl="0" algn="r">
+            <a:pPr marL="0" lvl="0" indent="0" algn="r" rtl="0">
               <a:spcBef>
                 <a:spcPts val="0"/>
               </a:spcBef>
@@ -4711,11 +4800,11 @@
 </file>
 
 <file path=ppt/slideLayouts/slideLayout5.xml><?xml version="1.0" encoding="utf-8"?>
-<p:sldLayout xmlns:a="http://schemas.openxmlformats.org/drawingml/2006/main" xmlns:r="http://schemas.openxmlformats.org/officeDocument/2006/relationships" xmlns:mc="http://schemas.openxmlformats.org/markup-compatibility/2006" xmlns:mv="urn:schemas-microsoft-com:mac:vml" xmlns:p="http://schemas.openxmlformats.org/presentationml/2006/main" xmlns:c="http://schemas.openxmlformats.org/drawingml/2006/chart" xmlns:dgm="http://schemas.openxmlformats.org/drawingml/2006/diagram" xmlns:o="urn:schemas-microsoft-com:office:office" xmlns:v="urn:schemas-microsoft-com:vml" xmlns:pvml="urn:schemas-microsoft-com:office:powerpoint" xmlns:com="http://schemas.openxmlformats.org/drawingml/2006/compatibility" xmlns:p14="http://schemas.microsoft.com/office/powerpoint/2010/main" xmlns:p15="http://schemas.microsoft.com/office/powerpoint/2012/main" xmlns:ahyp="http://schemas.microsoft.com/office/drawing/2018/hyperlinkcolor" matchingName="Title only" type="titleOnly">
+<p:sldLayout xmlns:a="http://schemas.openxmlformats.org/drawingml/2006/main" xmlns:r="http://schemas.openxmlformats.org/officeDocument/2006/relationships" xmlns:p="http://schemas.openxmlformats.org/presentationml/2006/main" matchingName="Title only" type="titleOnly">
   <p:cSld name="TITLE_ONLY">
     <p:spTree>
       <p:nvGrpSpPr>
-        <p:cNvPr id="40" name="Shape 40"/>
+        <p:cNvPr id="1" name="Shape 40"/>
         <p:cNvGrpSpPr/>
         <p:nvPr/>
       </p:nvGrpSpPr>
@@ -4749,12 +4838,12 @@
           </a:ln>
         </p:spPr>
         <p:txBody>
-          <a:bodyPr anchorCtr="0" anchor="ctr" bIns="91425" lIns="91425" spcFirstLastPara="1" rIns="91425" wrap="square" tIns="91425">
+          <a:bodyPr spcFirstLastPara="1" wrap="square" lIns="91425" tIns="91425" rIns="91425" bIns="91425" anchor="ctr" anchorCtr="0">
             <a:noAutofit/>
           </a:bodyPr>
           <a:lstStyle/>
           <a:p>
-            <a:pPr indent="0" lvl="0" marL="0" rtl="0" algn="l">
+            <a:pPr marL="0" lvl="0" indent="0" algn="l" rtl="0">
               <a:spcBef>
                 <a:spcPts val="0"/>
               </a:spcBef>
@@ -4763,9 +4852,6 @@
               </a:spcAft>
               <a:buNone/>
             </a:pPr>
-            <a:r>
-              <a:t/>
-            </a:r>
             <a:endParaRPr/>
           </a:p>
         </p:txBody>
@@ -4806,12 +4892,12 @@
             </a:ln>
           </p:spPr>
           <p:txBody>
-            <a:bodyPr anchorCtr="0" anchor="ctr" bIns="91425" lIns="91425" spcFirstLastPara="1" rIns="91425" wrap="square" tIns="91425">
+            <a:bodyPr spcFirstLastPara="1" wrap="square" lIns="91425" tIns="91425" rIns="91425" bIns="91425" anchor="ctr" anchorCtr="0">
               <a:noAutofit/>
             </a:bodyPr>
             <a:lstStyle/>
             <a:p>
-              <a:pPr indent="0" lvl="0" marL="0" rtl="0" algn="l">
+              <a:pPr marL="0" lvl="0" indent="0" algn="l" rtl="0">
                 <a:spcBef>
                   <a:spcPts val="0"/>
                 </a:spcBef>
@@ -4820,9 +4906,6 @@
                 </a:spcAft>
                 <a:buNone/>
               </a:pPr>
-              <a:r>
-                <a:t/>
-              </a:r>
               <a:endParaRPr/>
             </a:p>
           </p:txBody>
@@ -4849,12 +4932,12 @@
             </a:ln>
           </p:spPr>
           <p:txBody>
-            <a:bodyPr anchorCtr="0" anchor="ctr" bIns="91425" lIns="91425" spcFirstLastPara="1" rIns="91425" wrap="square" tIns="91425">
+            <a:bodyPr spcFirstLastPara="1" wrap="square" lIns="91425" tIns="91425" rIns="91425" bIns="91425" anchor="ctr" anchorCtr="0">
               <a:noAutofit/>
             </a:bodyPr>
             <a:lstStyle/>
             <a:p>
-              <a:pPr indent="0" lvl="0" marL="0" rtl="0" algn="l">
+              <a:pPr marL="0" lvl="0" indent="0" algn="l" rtl="0">
                 <a:spcBef>
                   <a:spcPts val="0"/>
                 </a:spcBef>
@@ -4863,9 +4946,6 @@
                 </a:spcAft>
                 <a:buNone/>
               </a:pPr>
-              <a:r>
-                <a:t/>
-              </a:r>
               <a:endParaRPr/>
             </a:p>
           </p:txBody>
@@ -4874,7 +4954,9 @@
       <p:sp>
         <p:nvSpPr>
           <p:cNvPr id="45" name="Google Shape;45;p6"/>
-          <p:cNvSpPr txBox="1"/>
+          <p:cNvSpPr txBox="1">
+            <a:spLocks noGrp="1"/>
+          </p:cNvSpPr>
           <p:nvPr>
             <p:ph type="title"/>
           </p:nvPr>
@@ -4889,7 +4971,7 @@
           </a:prstGeom>
         </p:spPr>
         <p:txBody>
-          <a:bodyPr anchorCtr="0" anchor="t" bIns="91425" lIns="91425" spcFirstLastPara="1" rIns="91425" wrap="square" tIns="91425">
+          <a:bodyPr spcFirstLastPara="1" wrap="square" lIns="91425" tIns="91425" rIns="91425" bIns="91425" anchor="t" anchorCtr="0">
             <a:normAutofit/>
           </a:bodyPr>
           <a:lstStyle>
@@ -4993,15 +5075,19 @@
               <a:defRPr sz="2600"/>
             </a:lvl9pPr>
           </a:lstStyle>
-          <a:p/>
+          <a:p>
+            <a:endParaRPr/>
+          </a:p>
         </p:txBody>
       </p:sp>
       <p:sp>
         <p:nvSpPr>
           <p:cNvPr id="46" name="Google Shape;46;p6"/>
-          <p:cNvSpPr txBox="1"/>
+          <p:cNvSpPr txBox="1">
+            <a:spLocks noGrp="1"/>
+          </p:cNvSpPr>
           <p:nvPr>
-            <p:ph idx="12" type="sldNum"/>
+            <p:ph type="sldNum" idx="12"/>
           </p:nvPr>
         </p:nvSpPr>
         <p:spPr>
@@ -5014,7 +5100,7 @@
           </a:prstGeom>
         </p:spPr>
         <p:txBody>
-          <a:bodyPr anchorCtr="0" anchor="ctr" bIns="91425" lIns="91425" spcFirstLastPara="1" rIns="91425" wrap="square" tIns="91425">
+          <a:bodyPr spcFirstLastPara="1" wrap="square" lIns="91425" tIns="91425" rIns="91425" bIns="91425" anchor="ctr" anchorCtr="0">
             <a:normAutofit/>
           </a:bodyPr>
           <a:lstStyle>
@@ -5056,7 +5142,7 @@
             </a:lvl9pPr>
           </a:lstStyle>
           <a:p>
-            <a:pPr indent="0" lvl="0" marL="0" rtl="0" algn="r">
+            <a:pPr marL="0" lvl="0" indent="0" algn="r" rtl="0">
               <a:spcBef>
                 <a:spcPts val="0"/>
               </a:spcBef>
@@ -5082,11 +5168,11 @@
 </file>
 
 <file path=ppt/slideLayouts/slideLayout6.xml><?xml version="1.0" encoding="utf-8"?>
-<p:sldLayout xmlns:a="http://schemas.openxmlformats.org/drawingml/2006/main" xmlns:r="http://schemas.openxmlformats.org/officeDocument/2006/relationships" xmlns:mc="http://schemas.openxmlformats.org/markup-compatibility/2006" xmlns:mv="urn:schemas-microsoft-com:mac:vml" xmlns:p="http://schemas.openxmlformats.org/presentationml/2006/main" xmlns:c="http://schemas.openxmlformats.org/drawingml/2006/chart" xmlns:dgm="http://schemas.openxmlformats.org/drawingml/2006/diagram" xmlns:o="urn:schemas-microsoft-com:office:office" xmlns:v="urn:schemas-microsoft-com:vml" xmlns:pvml="urn:schemas-microsoft-com:office:powerpoint" xmlns:com="http://schemas.openxmlformats.org/drawingml/2006/compatibility" xmlns:p14="http://schemas.microsoft.com/office/powerpoint/2010/main" xmlns:p15="http://schemas.microsoft.com/office/powerpoint/2012/main" xmlns:ahyp="http://schemas.microsoft.com/office/drawing/2018/hyperlinkcolor" matchingName="One column text">
+<p:sldLayout xmlns:a="http://schemas.openxmlformats.org/drawingml/2006/main" xmlns:r="http://schemas.openxmlformats.org/officeDocument/2006/relationships" xmlns:p="http://schemas.openxmlformats.org/presentationml/2006/main" matchingName="One column text">
   <p:cSld name="ONE_COLUMN_TEXT">
     <p:spTree>
       <p:nvGrpSpPr>
-        <p:cNvPr id="47" name="Shape 47"/>
+        <p:cNvPr id="1" name="Shape 47"/>
         <p:cNvGrpSpPr/>
         <p:nvPr/>
       </p:nvGrpSpPr>
@@ -5120,12 +5206,12 @@
           </a:ln>
         </p:spPr>
         <p:txBody>
-          <a:bodyPr anchorCtr="0" anchor="ctr" bIns="91425" lIns="91425" spcFirstLastPara="1" rIns="91425" wrap="square" tIns="91425">
+          <a:bodyPr spcFirstLastPara="1" wrap="square" lIns="91425" tIns="91425" rIns="91425" bIns="91425" anchor="ctr" anchorCtr="0">
             <a:noAutofit/>
           </a:bodyPr>
           <a:lstStyle/>
           <a:p>
-            <a:pPr indent="0" lvl="0" marL="0" rtl="0" algn="l">
+            <a:pPr marL="0" lvl="0" indent="0" algn="l" rtl="0">
               <a:spcBef>
                 <a:spcPts val="0"/>
               </a:spcBef>
@@ -5134,9 +5220,6 @@
               </a:spcAft>
               <a:buNone/>
             </a:pPr>
-            <a:r>
-              <a:t/>
-            </a:r>
             <a:endParaRPr/>
           </a:p>
         </p:txBody>
@@ -5177,12 +5260,12 @@
             </a:ln>
           </p:spPr>
           <p:txBody>
-            <a:bodyPr anchorCtr="0" anchor="ctr" bIns="91425" lIns="91425" spcFirstLastPara="1" rIns="91425" wrap="square" tIns="91425">
+            <a:bodyPr spcFirstLastPara="1" wrap="square" lIns="91425" tIns="91425" rIns="91425" bIns="91425" anchor="ctr" anchorCtr="0">
               <a:noAutofit/>
             </a:bodyPr>
             <a:lstStyle/>
             <a:p>
-              <a:pPr indent="0" lvl="0" marL="0" rtl="0" algn="l">
+              <a:pPr marL="0" lvl="0" indent="0" algn="l" rtl="0">
                 <a:spcBef>
                   <a:spcPts val="0"/>
                 </a:spcBef>
@@ -5191,9 +5274,6 @@
                 </a:spcAft>
                 <a:buNone/>
               </a:pPr>
-              <a:r>
-                <a:t/>
-              </a:r>
               <a:endParaRPr/>
             </a:p>
           </p:txBody>
@@ -5220,12 +5300,12 @@
             </a:ln>
           </p:spPr>
           <p:txBody>
-            <a:bodyPr anchorCtr="0" anchor="ctr" bIns="91425" lIns="91425" spcFirstLastPara="1" rIns="91425" wrap="square" tIns="91425">
+            <a:bodyPr spcFirstLastPara="1" wrap="square" lIns="91425" tIns="91425" rIns="91425" bIns="91425" anchor="ctr" anchorCtr="0">
               <a:noAutofit/>
             </a:bodyPr>
             <a:lstStyle/>
             <a:p>
-              <a:pPr indent="0" lvl="0" marL="0" rtl="0" algn="l">
+              <a:pPr marL="0" lvl="0" indent="0" algn="l" rtl="0">
                 <a:spcBef>
                   <a:spcPts val="0"/>
                 </a:spcBef>
@@ -5234,9 +5314,6 @@
                 </a:spcAft>
                 <a:buNone/>
               </a:pPr>
-              <a:r>
-                <a:t/>
-              </a:r>
               <a:endParaRPr/>
             </a:p>
           </p:txBody>
@@ -5245,7 +5322,9 @@
       <p:sp>
         <p:nvSpPr>
           <p:cNvPr id="52" name="Google Shape;52;p7"/>
-          <p:cNvSpPr txBox="1"/>
+          <p:cNvSpPr txBox="1">
+            <a:spLocks noGrp="1"/>
+          </p:cNvSpPr>
           <p:nvPr>
             <p:ph type="title"/>
           </p:nvPr>
@@ -5260,7 +5339,7 @@
           </a:prstGeom>
         </p:spPr>
         <p:txBody>
-          <a:bodyPr anchorCtr="0" anchor="t" bIns="91425" lIns="91425" spcFirstLastPara="1" rIns="91425" wrap="square" tIns="91425">
+          <a:bodyPr spcFirstLastPara="1" wrap="square" lIns="91425" tIns="91425" rIns="91425" bIns="91425" anchor="t" anchorCtr="0">
             <a:normAutofit/>
           </a:bodyPr>
           <a:lstStyle>
@@ -5364,15 +5443,19 @@
               <a:defRPr sz="2600"/>
             </a:lvl9pPr>
           </a:lstStyle>
-          <a:p/>
+          <a:p>
+            <a:endParaRPr/>
+          </a:p>
         </p:txBody>
       </p:sp>
       <p:sp>
         <p:nvSpPr>
           <p:cNvPr id="53" name="Google Shape;53;p7"/>
-          <p:cNvSpPr txBox="1"/>
+          <p:cNvSpPr txBox="1">
+            <a:spLocks noGrp="1"/>
+          </p:cNvSpPr>
           <p:nvPr>
-            <p:ph idx="1" type="body"/>
+            <p:ph type="body" idx="1"/>
           </p:nvPr>
         </p:nvSpPr>
         <p:spPr>
@@ -5385,11 +5468,11 @@
           </a:prstGeom>
         </p:spPr>
         <p:txBody>
-          <a:bodyPr anchorCtr="0" anchor="t" bIns="91425" lIns="91425" spcFirstLastPara="1" rIns="91425" wrap="square" tIns="91425">
+          <a:bodyPr spcFirstLastPara="1" wrap="square" lIns="91425" tIns="91425" rIns="91425" bIns="91425" anchor="t" anchorCtr="0">
             <a:normAutofit/>
           </a:bodyPr>
           <a:lstStyle>
-            <a:lvl1pPr indent="-311150" lvl="0" marL="457200">
+            <a:lvl1pPr marL="457200" lvl="0" indent="-311150">
               <a:spcBef>
                 <a:spcPts val="0"/>
               </a:spcBef>
@@ -5400,7 +5483,7 @@
               <a:buChar char="●"/>
               <a:defRPr/>
             </a:lvl1pPr>
-            <a:lvl2pPr indent="-298450" lvl="1" marL="914400">
+            <a:lvl2pPr marL="914400" lvl="1" indent="-298450">
               <a:spcBef>
                 <a:spcPts val="0"/>
               </a:spcBef>
@@ -5411,7 +5494,7 @@
               <a:buChar char="○"/>
               <a:defRPr/>
             </a:lvl2pPr>
-            <a:lvl3pPr indent="-298450" lvl="2" marL="1371600">
+            <a:lvl3pPr marL="1371600" lvl="2" indent="-298450">
               <a:spcBef>
                 <a:spcPts val="0"/>
               </a:spcBef>
@@ -5422,7 +5505,7 @@
               <a:buChar char="■"/>
               <a:defRPr/>
             </a:lvl3pPr>
-            <a:lvl4pPr indent="-298450" lvl="3" marL="1828800">
+            <a:lvl4pPr marL="1828800" lvl="3" indent="-298450">
               <a:spcBef>
                 <a:spcPts val="0"/>
               </a:spcBef>
@@ -5433,7 +5516,7 @@
               <a:buChar char="●"/>
               <a:defRPr/>
             </a:lvl4pPr>
-            <a:lvl5pPr indent="-298450" lvl="4" marL="2286000">
+            <a:lvl5pPr marL="2286000" lvl="4" indent="-298450">
               <a:spcBef>
                 <a:spcPts val="0"/>
               </a:spcBef>
@@ -5444,7 +5527,7 @@
               <a:buChar char="○"/>
               <a:defRPr/>
             </a:lvl5pPr>
-            <a:lvl6pPr indent="-298450" lvl="5" marL="2743200">
+            <a:lvl6pPr marL="2743200" lvl="5" indent="-298450">
               <a:spcBef>
                 <a:spcPts val="0"/>
               </a:spcBef>
@@ -5455,7 +5538,7 @@
               <a:buChar char="■"/>
               <a:defRPr/>
             </a:lvl6pPr>
-            <a:lvl7pPr indent="-298450" lvl="6" marL="3200400">
+            <a:lvl7pPr marL="3200400" lvl="6" indent="-298450">
               <a:spcBef>
                 <a:spcPts val="0"/>
               </a:spcBef>
@@ -5466,7 +5549,7 @@
               <a:buChar char="●"/>
               <a:defRPr/>
             </a:lvl7pPr>
-            <a:lvl8pPr indent="-298450" lvl="7" marL="3657600">
+            <a:lvl8pPr marL="3657600" lvl="7" indent="-298450">
               <a:spcBef>
                 <a:spcPts val="0"/>
               </a:spcBef>
@@ -5477,7 +5560,7 @@
               <a:buChar char="○"/>
               <a:defRPr/>
             </a:lvl8pPr>
-            <a:lvl9pPr indent="-298450" lvl="8" marL="4114800">
+            <a:lvl9pPr marL="4114800" lvl="8" indent="-298450">
               <a:spcBef>
                 <a:spcPts val="0"/>
               </a:spcBef>
@@ -5489,15 +5572,19 @@
               <a:defRPr/>
             </a:lvl9pPr>
           </a:lstStyle>
-          <a:p/>
+          <a:p>
+            <a:endParaRPr/>
+          </a:p>
         </p:txBody>
       </p:sp>
       <p:sp>
         <p:nvSpPr>
           <p:cNvPr id="54" name="Google Shape;54;p7"/>
-          <p:cNvSpPr txBox="1"/>
+          <p:cNvSpPr txBox="1">
+            <a:spLocks noGrp="1"/>
+          </p:cNvSpPr>
           <p:nvPr>
-            <p:ph idx="12" type="sldNum"/>
+            <p:ph type="sldNum" idx="12"/>
           </p:nvPr>
         </p:nvSpPr>
         <p:spPr>
@@ -5510,7 +5597,7 @@
           </a:prstGeom>
         </p:spPr>
         <p:txBody>
-          <a:bodyPr anchorCtr="0" anchor="ctr" bIns="91425" lIns="91425" spcFirstLastPara="1" rIns="91425" wrap="square" tIns="91425">
+          <a:bodyPr spcFirstLastPara="1" wrap="square" lIns="91425" tIns="91425" rIns="91425" bIns="91425" anchor="ctr" anchorCtr="0">
             <a:normAutofit/>
           </a:bodyPr>
           <a:lstStyle>
@@ -5552,7 +5639,7 @@
             </a:lvl9pPr>
           </a:lstStyle>
           <a:p>
-            <a:pPr indent="0" lvl="0" marL="0" rtl="0" algn="r">
+            <a:pPr marL="0" lvl="0" indent="0" algn="r" rtl="0">
               <a:spcBef>
                 <a:spcPts val="0"/>
               </a:spcBef>
@@ -5578,18 +5665,19 @@
 </file>
 
 <file path=ppt/slideLayouts/slideLayout7.xml><?xml version="1.0" encoding="utf-8"?>
-<p:sldLayout xmlns:a="http://schemas.openxmlformats.org/drawingml/2006/main" xmlns:r="http://schemas.openxmlformats.org/officeDocument/2006/relationships" xmlns:mc="http://schemas.openxmlformats.org/markup-compatibility/2006" xmlns:mv="urn:schemas-microsoft-com:mac:vml" xmlns:p="http://schemas.openxmlformats.org/presentationml/2006/main" xmlns:c="http://schemas.openxmlformats.org/drawingml/2006/chart" xmlns:dgm="http://schemas.openxmlformats.org/drawingml/2006/diagram" xmlns:o="urn:schemas-microsoft-com:office:office" xmlns:v="urn:schemas-microsoft-com:vml" xmlns:pvml="urn:schemas-microsoft-com:office:powerpoint" xmlns:com="http://schemas.openxmlformats.org/drawingml/2006/compatibility" xmlns:p14="http://schemas.microsoft.com/office/powerpoint/2010/main" xmlns:p15="http://schemas.microsoft.com/office/powerpoint/2012/main" xmlns:ahyp="http://schemas.microsoft.com/office/drawing/2018/hyperlinkcolor" matchingName="Main point">
+<p:sldLayout xmlns:a="http://schemas.openxmlformats.org/drawingml/2006/main" xmlns:r="http://schemas.openxmlformats.org/officeDocument/2006/relationships" xmlns:p="http://schemas.openxmlformats.org/presentationml/2006/main" matchingName="Main point">
   <p:cSld name="MAIN_POINT">
     <p:bg>
       <p:bgPr>
         <a:solidFill>
           <a:schemeClr val="accent3"/>
         </a:solidFill>
+        <a:effectLst/>
       </p:bgPr>
     </p:bg>
     <p:spTree>
       <p:nvGrpSpPr>
-        <p:cNvPr id="55" name="Shape 55"/>
+        <p:cNvPr id="1" name="Shape 55"/>
         <p:cNvGrpSpPr/>
         <p:nvPr/>
       </p:nvGrpSpPr>
@@ -5637,12 +5725,12 @@
             </a:ln>
           </p:spPr>
           <p:txBody>
-            <a:bodyPr anchorCtr="0" anchor="ctr" bIns="91425" lIns="91425" spcFirstLastPara="1" rIns="91425" wrap="square" tIns="91425">
+            <a:bodyPr spcFirstLastPara="1" wrap="square" lIns="91425" tIns="91425" rIns="91425" bIns="91425" anchor="ctr" anchorCtr="0">
               <a:noAutofit/>
             </a:bodyPr>
             <a:lstStyle/>
             <a:p>
-              <a:pPr indent="0" lvl="0" marL="0" rtl="0" algn="l">
+              <a:pPr marL="0" lvl="0" indent="0" algn="l" rtl="0">
                 <a:spcBef>
                   <a:spcPts val="0"/>
                 </a:spcBef>
@@ -5651,9 +5739,6 @@
                 </a:spcAft>
                 <a:buNone/>
               </a:pPr>
-              <a:r>
-                <a:t/>
-              </a:r>
               <a:endParaRPr/>
             </a:p>
           </p:txBody>
@@ -5680,12 +5765,12 @@
             </a:ln>
           </p:spPr>
           <p:txBody>
-            <a:bodyPr anchorCtr="0" anchor="ctr" bIns="91425" lIns="91425" spcFirstLastPara="1" rIns="91425" wrap="square" tIns="91425">
+            <a:bodyPr spcFirstLastPara="1" wrap="square" lIns="91425" tIns="91425" rIns="91425" bIns="91425" anchor="ctr" anchorCtr="0">
               <a:noAutofit/>
             </a:bodyPr>
             <a:lstStyle/>
             <a:p>
-              <a:pPr indent="0" lvl="0" marL="0" rtl="0" algn="l">
+              <a:pPr marL="0" lvl="0" indent="0" algn="l" rtl="0">
                 <a:spcBef>
                   <a:spcPts val="0"/>
                 </a:spcBef>
@@ -5694,9 +5779,6 @@
                 </a:spcAft>
                 <a:buNone/>
               </a:pPr>
-              <a:r>
-                <a:t/>
-              </a:r>
               <a:endParaRPr/>
             </a:p>
           </p:txBody>
@@ -5705,7 +5787,9 @@
       <p:sp>
         <p:nvSpPr>
           <p:cNvPr id="59" name="Google Shape;59;p8"/>
-          <p:cNvSpPr txBox="1"/>
+          <p:cNvSpPr txBox="1">
+            <a:spLocks noGrp="1"/>
+          </p:cNvSpPr>
           <p:nvPr>
             <p:ph type="title"/>
           </p:nvPr>
@@ -5720,7 +5804,7 @@
           </a:prstGeom>
         </p:spPr>
         <p:txBody>
-          <a:bodyPr anchorCtr="0" anchor="ctr" bIns="91425" lIns="91425" spcFirstLastPara="1" rIns="91425" wrap="square" tIns="91425">
+          <a:bodyPr spcFirstLastPara="1" wrap="square" lIns="91425" tIns="91425" rIns="91425" bIns="91425" anchor="ctr" anchorCtr="0">
             <a:normAutofit/>
           </a:bodyPr>
           <a:lstStyle>
@@ -5887,15 +5971,19 @@
               </a:defRPr>
             </a:lvl9pPr>
           </a:lstStyle>
-          <a:p/>
+          <a:p>
+            <a:endParaRPr/>
+          </a:p>
         </p:txBody>
       </p:sp>
       <p:sp>
         <p:nvSpPr>
           <p:cNvPr id="60" name="Google Shape;60;p8"/>
-          <p:cNvSpPr txBox="1"/>
+          <p:cNvSpPr txBox="1">
+            <a:spLocks noGrp="1"/>
+          </p:cNvSpPr>
           <p:nvPr>
-            <p:ph idx="12" type="sldNum"/>
+            <p:ph type="sldNum" idx="12"/>
           </p:nvPr>
         </p:nvSpPr>
         <p:spPr>
@@ -5908,7 +5996,7 @@
           </a:prstGeom>
         </p:spPr>
         <p:txBody>
-          <a:bodyPr anchorCtr="0" anchor="ctr" bIns="91425" lIns="91425" spcFirstLastPara="1" rIns="91425" wrap="square" tIns="91425">
+          <a:bodyPr spcFirstLastPara="1" wrap="square" lIns="91425" tIns="91425" rIns="91425" bIns="91425" anchor="ctr" anchorCtr="0">
             <a:normAutofit/>
           </a:bodyPr>
           <a:lstStyle>
@@ -5986,7 +6074,7 @@
             </a:lvl9pPr>
           </a:lstStyle>
           <a:p>
-            <a:pPr indent="0" lvl="0" marL="0" rtl="0" algn="r">
+            <a:pPr marL="0" lvl="0" indent="0" algn="r" rtl="0">
               <a:spcBef>
                 <a:spcPts val="0"/>
               </a:spcBef>
@@ -6012,11 +6100,11 @@
 </file>
 
 <file path=ppt/slideLayouts/slideLayout8.xml><?xml version="1.0" encoding="utf-8"?>
-<p:sldLayout xmlns:a="http://schemas.openxmlformats.org/drawingml/2006/main" xmlns:r="http://schemas.openxmlformats.org/officeDocument/2006/relationships" xmlns:mc="http://schemas.openxmlformats.org/markup-compatibility/2006" xmlns:mv="urn:schemas-microsoft-com:mac:vml" xmlns:p="http://schemas.openxmlformats.org/presentationml/2006/main" xmlns:c="http://schemas.openxmlformats.org/drawingml/2006/chart" xmlns:dgm="http://schemas.openxmlformats.org/drawingml/2006/diagram" xmlns:o="urn:schemas-microsoft-com:office:office" xmlns:v="urn:schemas-microsoft-com:vml" xmlns:pvml="urn:schemas-microsoft-com:office:powerpoint" xmlns:com="http://schemas.openxmlformats.org/drawingml/2006/compatibility" xmlns:p14="http://schemas.microsoft.com/office/powerpoint/2010/main" xmlns:p15="http://schemas.microsoft.com/office/powerpoint/2012/main" xmlns:ahyp="http://schemas.microsoft.com/office/drawing/2018/hyperlinkcolor" matchingName="Section title and description">
+<p:sldLayout xmlns:a="http://schemas.openxmlformats.org/drawingml/2006/main" xmlns:r="http://schemas.openxmlformats.org/officeDocument/2006/relationships" xmlns:p="http://schemas.openxmlformats.org/presentationml/2006/main" matchingName="Section title and description">
   <p:cSld name="SECTION_TITLE_AND_DESCRIPTION">
     <p:spTree>
       <p:nvGrpSpPr>
-        <p:cNvPr id="61" name="Shape 61"/>
+        <p:cNvPr id="1" name="Shape 61"/>
         <p:cNvGrpSpPr/>
         <p:nvPr/>
       </p:nvGrpSpPr>
@@ -6050,12 +6138,12 @@
           </a:ln>
         </p:spPr>
         <p:txBody>
-          <a:bodyPr anchorCtr="0" anchor="ctr" bIns="91425" lIns="91425" spcFirstLastPara="1" rIns="91425" wrap="square" tIns="91425">
+          <a:bodyPr spcFirstLastPara="1" wrap="square" lIns="91425" tIns="91425" rIns="91425" bIns="91425" anchor="ctr" anchorCtr="0">
             <a:noAutofit/>
           </a:bodyPr>
           <a:lstStyle/>
           <a:p>
-            <a:pPr indent="0" lvl="0" marL="0" rtl="0" algn="l">
+            <a:pPr marL="0" lvl="0" indent="0" algn="l" rtl="0">
               <a:spcBef>
                 <a:spcPts val="0"/>
               </a:spcBef>
@@ -6064,9 +6152,6 @@
               </a:spcAft>
               <a:buNone/>
             </a:pPr>
-            <a:r>
-              <a:t/>
-            </a:r>
             <a:endParaRPr/>
           </a:p>
         </p:txBody>
@@ -6107,12 +6192,12 @@
             </a:ln>
           </p:spPr>
           <p:txBody>
-            <a:bodyPr anchorCtr="0" anchor="ctr" bIns="91425" lIns="91425" spcFirstLastPara="1" rIns="91425" wrap="square" tIns="91425">
+            <a:bodyPr spcFirstLastPara="1" wrap="square" lIns="91425" tIns="91425" rIns="91425" bIns="91425" anchor="ctr" anchorCtr="0">
               <a:noAutofit/>
             </a:bodyPr>
             <a:lstStyle/>
             <a:p>
-              <a:pPr indent="0" lvl="0" marL="0" rtl="0" algn="l">
+              <a:pPr marL="0" lvl="0" indent="0" algn="l" rtl="0">
                 <a:spcBef>
                   <a:spcPts val="0"/>
                 </a:spcBef>
@@ -6121,9 +6206,6 @@
                 </a:spcAft>
                 <a:buNone/>
               </a:pPr>
-              <a:r>
-                <a:t/>
-              </a:r>
               <a:endParaRPr/>
             </a:p>
           </p:txBody>
@@ -6150,12 +6232,12 @@
             </a:ln>
           </p:spPr>
           <p:txBody>
-            <a:bodyPr anchorCtr="0" anchor="ctr" bIns="91425" lIns="91425" spcFirstLastPara="1" rIns="91425" wrap="square" tIns="91425">
+            <a:bodyPr spcFirstLastPara="1" wrap="square" lIns="91425" tIns="91425" rIns="91425" bIns="91425" anchor="ctr" anchorCtr="0">
               <a:noAutofit/>
             </a:bodyPr>
             <a:lstStyle/>
             <a:p>
-              <a:pPr indent="0" lvl="0" marL="0" rtl="0" algn="l">
+              <a:pPr marL="0" lvl="0" indent="0" algn="l" rtl="0">
                 <a:spcBef>
                   <a:spcPts val="0"/>
                 </a:spcBef>
@@ -6164,9 +6246,6 @@
                 </a:spcAft>
                 <a:buNone/>
               </a:pPr>
-              <a:r>
-                <a:t/>
-              </a:r>
               <a:endParaRPr/>
             </a:p>
           </p:txBody>
@@ -6175,7 +6254,9 @@
       <p:sp>
         <p:nvSpPr>
           <p:cNvPr id="66" name="Google Shape;66;p9"/>
-          <p:cNvSpPr txBox="1"/>
+          <p:cNvSpPr txBox="1">
+            <a:spLocks noGrp="1"/>
+          </p:cNvSpPr>
           <p:nvPr>
             <p:ph type="title"/>
           </p:nvPr>
@@ -6190,7 +6271,7 @@
           </a:prstGeom>
         </p:spPr>
         <p:txBody>
-          <a:bodyPr anchorCtr="0" anchor="t" bIns="91425" lIns="91425" spcFirstLastPara="1" rIns="91425" wrap="square" tIns="91425">
+          <a:bodyPr spcFirstLastPara="1" wrap="square" lIns="91425" tIns="91425" rIns="91425" bIns="91425" anchor="t" anchorCtr="0">
             <a:normAutofit/>
           </a:bodyPr>
           <a:lstStyle>
@@ -6294,15 +6375,19 @@
               <a:defRPr sz="2600"/>
             </a:lvl9pPr>
           </a:lstStyle>
-          <a:p/>
+          <a:p>
+            <a:endParaRPr/>
+          </a:p>
         </p:txBody>
       </p:sp>
       <p:sp>
         <p:nvSpPr>
           <p:cNvPr id="67" name="Google Shape;67;p9"/>
-          <p:cNvSpPr txBox="1"/>
+          <p:cNvSpPr txBox="1">
+            <a:spLocks noGrp="1"/>
+          </p:cNvSpPr>
           <p:nvPr>
-            <p:ph idx="1" type="subTitle"/>
+            <p:ph type="subTitle" idx="1"/>
           </p:nvPr>
         </p:nvSpPr>
         <p:spPr>
@@ -6315,7 +6400,7 @@
           </a:prstGeom>
         </p:spPr>
         <p:txBody>
-          <a:bodyPr anchorCtr="0" anchor="t" bIns="91425" lIns="91425" spcFirstLastPara="1" rIns="91425" wrap="square" tIns="91425">
+          <a:bodyPr spcFirstLastPara="1" wrap="square" lIns="91425" tIns="91425" rIns="91425" bIns="91425" anchor="t" anchorCtr="0">
             <a:normAutofit/>
           </a:bodyPr>
           <a:lstStyle>
@@ -6446,15 +6531,19 @@
               <a:defRPr sz="1600"/>
             </a:lvl9pPr>
           </a:lstStyle>
-          <a:p/>
+          <a:p>
+            <a:endParaRPr/>
+          </a:p>
         </p:txBody>
       </p:sp>
       <p:sp>
         <p:nvSpPr>
           <p:cNvPr id="68" name="Google Shape;68;p9"/>
-          <p:cNvSpPr txBox="1"/>
+          <p:cNvSpPr txBox="1">
+            <a:spLocks noGrp="1"/>
+          </p:cNvSpPr>
           <p:nvPr>
-            <p:ph idx="2" type="body"/>
+            <p:ph type="body" idx="2"/>
           </p:nvPr>
         </p:nvSpPr>
         <p:spPr>
@@ -6467,11 +6556,11 @@
           </a:prstGeom>
         </p:spPr>
         <p:txBody>
-          <a:bodyPr anchorCtr="0" anchor="t" bIns="91425" lIns="91425" spcFirstLastPara="1" rIns="91425" wrap="square" tIns="91425">
+          <a:bodyPr spcFirstLastPara="1" wrap="square" lIns="91425" tIns="91425" rIns="91425" bIns="91425" anchor="t" anchorCtr="0">
             <a:normAutofit/>
           </a:bodyPr>
           <a:lstStyle>
-            <a:lvl1pPr indent="-311150" lvl="0" marL="457200">
+            <a:lvl1pPr marL="457200" lvl="0" indent="-311150">
               <a:spcBef>
                 <a:spcPts val="0"/>
               </a:spcBef>
@@ -6482,7 +6571,7 @@
               <a:buChar char="●"/>
               <a:defRPr/>
             </a:lvl1pPr>
-            <a:lvl2pPr indent="-298450" lvl="1" marL="914400">
+            <a:lvl2pPr marL="914400" lvl="1" indent="-298450">
               <a:spcBef>
                 <a:spcPts val="0"/>
               </a:spcBef>
@@ -6493,7 +6582,7 @@
               <a:buChar char="○"/>
               <a:defRPr/>
             </a:lvl2pPr>
-            <a:lvl3pPr indent="-298450" lvl="2" marL="1371600">
+            <a:lvl3pPr marL="1371600" lvl="2" indent="-298450">
               <a:spcBef>
                 <a:spcPts val="0"/>
               </a:spcBef>
@@ -6504,7 +6593,7 @@
               <a:buChar char="■"/>
               <a:defRPr/>
             </a:lvl3pPr>
-            <a:lvl4pPr indent="-298450" lvl="3" marL="1828800">
+            <a:lvl4pPr marL="1828800" lvl="3" indent="-298450">
               <a:spcBef>
                 <a:spcPts val="0"/>
               </a:spcBef>
@@ -6515,7 +6604,7 @@
               <a:buChar char="●"/>
               <a:defRPr/>
             </a:lvl4pPr>
-            <a:lvl5pPr indent="-298450" lvl="4" marL="2286000">
+            <a:lvl5pPr marL="2286000" lvl="4" indent="-298450">
               <a:spcBef>
                 <a:spcPts val="0"/>
               </a:spcBef>
@@ -6526,7 +6615,7 @@
               <a:buChar char="○"/>
               <a:defRPr/>
             </a:lvl5pPr>
-            <a:lvl6pPr indent="-298450" lvl="5" marL="2743200">
+            <a:lvl6pPr marL="2743200" lvl="5" indent="-298450">
               <a:spcBef>
                 <a:spcPts val="0"/>
               </a:spcBef>
@@ -6537,7 +6626,7 @@
               <a:buChar char="■"/>
               <a:defRPr/>
             </a:lvl6pPr>
-            <a:lvl7pPr indent="-298450" lvl="6" marL="3200400">
+            <a:lvl7pPr marL="3200400" lvl="6" indent="-298450">
               <a:spcBef>
                 <a:spcPts val="0"/>
               </a:spcBef>
@@ -6548,7 +6637,7 @@
               <a:buChar char="●"/>
               <a:defRPr/>
             </a:lvl7pPr>
-            <a:lvl8pPr indent="-298450" lvl="7" marL="3657600">
+            <a:lvl8pPr marL="3657600" lvl="7" indent="-298450">
               <a:spcBef>
                 <a:spcPts val="0"/>
               </a:spcBef>
@@ -6559,7 +6648,7 @@
               <a:buChar char="○"/>
               <a:defRPr/>
             </a:lvl8pPr>
-            <a:lvl9pPr indent="-298450" lvl="8" marL="4114800">
+            <a:lvl9pPr marL="4114800" lvl="8" indent="-298450">
               <a:spcBef>
                 <a:spcPts val="0"/>
               </a:spcBef>
@@ -6571,15 +6660,19 @@
               <a:defRPr/>
             </a:lvl9pPr>
           </a:lstStyle>
-          <a:p/>
+          <a:p>
+            <a:endParaRPr/>
+          </a:p>
         </p:txBody>
       </p:sp>
       <p:sp>
         <p:nvSpPr>
           <p:cNvPr id="69" name="Google Shape;69;p9"/>
-          <p:cNvSpPr txBox="1"/>
+          <p:cNvSpPr txBox="1">
+            <a:spLocks noGrp="1"/>
+          </p:cNvSpPr>
           <p:nvPr>
-            <p:ph idx="12" type="sldNum"/>
+            <p:ph type="sldNum" idx="12"/>
           </p:nvPr>
         </p:nvSpPr>
         <p:spPr>
@@ -6592,7 +6685,7 @@
           </a:prstGeom>
         </p:spPr>
         <p:txBody>
-          <a:bodyPr anchorCtr="0" anchor="ctr" bIns="91425" lIns="91425" spcFirstLastPara="1" rIns="91425" wrap="square" tIns="91425">
+          <a:bodyPr spcFirstLastPara="1" wrap="square" lIns="91425" tIns="91425" rIns="91425" bIns="91425" anchor="ctr" anchorCtr="0">
             <a:normAutofit/>
           </a:bodyPr>
           <a:lstStyle>
@@ -6634,7 +6727,7 @@
             </a:lvl9pPr>
           </a:lstStyle>
           <a:p>
-            <a:pPr indent="0" lvl="0" marL="0" rtl="0" algn="r">
+            <a:pPr marL="0" lvl="0" indent="0" algn="r" rtl="0">
               <a:spcBef>
                 <a:spcPts val="0"/>
               </a:spcBef>
@@ -6660,11 +6753,11 @@
 </file>
 
 <file path=ppt/slideLayouts/slideLayout9.xml><?xml version="1.0" encoding="utf-8"?>
-<p:sldLayout xmlns:a="http://schemas.openxmlformats.org/drawingml/2006/main" xmlns:r="http://schemas.openxmlformats.org/officeDocument/2006/relationships" xmlns:mc="http://schemas.openxmlformats.org/markup-compatibility/2006" xmlns:mv="urn:schemas-microsoft-com:mac:vml" xmlns:p="http://schemas.openxmlformats.org/presentationml/2006/main" xmlns:c="http://schemas.openxmlformats.org/drawingml/2006/chart" xmlns:dgm="http://schemas.openxmlformats.org/drawingml/2006/diagram" xmlns:o="urn:schemas-microsoft-com:office:office" xmlns:v="urn:schemas-microsoft-com:vml" xmlns:pvml="urn:schemas-microsoft-com:office:powerpoint" xmlns:com="http://schemas.openxmlformats.org/drawingml/2006/compatibility" xmlns:p14="http://schemas.microsoft.com/office/powerpoint/2010/main" xmlns:p15="http://schemas.microsoft.com/office/powerpoint/2012/main" xmlns:ahyp="http://schemas.microsoft.com/office/drawing/2018/hyperlinkcolor" matchingName="Caption">
+<p:sldLayout xmlns:a="http://schemas.openxmlformats.org/drawingml/2006/main" xmlns:r="http://schemas.openxmlformats.org/officeDocument/2006/relationships" xmlns:p="http://schemas.openxmlformats.org/presentationml/2006/main" matchingName="Caption">
   <p:cSld name="CAPTION_ONLY">
     <p:spTree>
       <p:nvGrpSpPr>
-        <p:cNvPr id="70" name="Shape 70"/>
+        <p:cNvPr id="1" name="Shape 70"/>
         <p:cNvGrpSpPr/>
         <p:nvPr/>
       </p:nvGrpSpPr>
@@ -6679,9 +6772,11 @@
       <p:sp>
         <p:nvSpPr>
           <p:cNvPr id="71" name="Google Shape;71;p10"/>
-          <p:cNvSpPr txBox="1"/>
+          <p:cNvSpPr txBox="1">
+            <a:spLocks noGrp="1"/>
+          </p:cNvSpPr>
           <p:nvPr>
-            <p:ph idx="1" type="body"/>
+            <p:ph type="body" idx="1"/>
           </p:nvPr>
         </p:nvSpPr>
         <p:spPr>
@@ -6694,11 +6789,11 @@
           </a:prstGeom>
         </p:spPr>
         <p:txBody>
-          <a:bodyPr anchorCtr="0" anchor="ctr" bIns="91425" lIns="91425" spcFirstLastPara="1" rIns="91425" wrap="square" tIns="91425">
+          <a:bodyPr spcFirstLastPara="1" wrap="square" lIns="91425" tIns="91425" rIns="91425" bIns="91425" anchor="ctr" anchorCtr="0">
             <a:normAutofit/>
           </a:bodyPr>
           <a:lstStyle>
-            <a:lvl1pPr indent="-228600" lvl="0" marL="457200">
+            <a:lvl1pPr marL="457200" lvl="0" indent="-228600">
               <a:lnSpc>
                 <a:spcPct val="100000"/>
               </a:lnSpc>
@@ -6713,15 +6808,19 @@
               <a:defRPr/>
             </a:lvl1pPr>
           </a:lstStyle>
-          <a:p/>
+          <a:p>
+            <a:endParaRPr/>
+          </a:p>
         </p:txBody>
       </p:sp>
       <p:sp>
         <p:nvSpPr>
           <p:cNvPr id="72" name="Google Shape;72;p10"/>
-          <p:cNvSpPr txBox="1"/>
+          <p:cNvSpPr txBox="1">
+            <a:spLocks noGrp="1"/>
+          </p:cNvSpPr>
           <p:nvPr>
-            <p:ph idx="12" type="sldNum"/>
+            <p:ph type="sldNum" idx="12"/>
           </p:nvPr>
         </p:nvSpPr>
         <p:spPr>
@@ -6734,7 +6833,7 @@
           </a:prstGeom>
         </p:spPr>
         <p:txBody>
-          <a:bodyPr anchorCtr="0" anchor="ctr" bIns="91425" lIns="91425" spcFirstLastPara="1" rIns="91425" wrap="square" tIns="91425">
+          <a:bodyPr spcFirstLastPara="1" wrap="square" lIns="91425" tIns="91425" rIns="91425" bIns="91425" anchor="ctr" anchorCtr="0">
             <a:normAutofit/>
           </a:bodyPr>
           <a:lstStyle>
@@ -6776,7 +6875,7 @@
             </a:lvl9pPr>
           </a:lstStyle>
           <a:p>
-            <a:pPr indent="0" lvl="0" marL="0" rtl="0" algn="r">
+            <a:pPr marL="0" lvl="0" indent="0" algn="r" rtl="0">
               <a:spcBef>
                 <a:spcPts val="0"/>
               </a:spcBef>
@@ -6802,18 +6901,19 @@
 </file>
 
 <file path=ppt/slideMasters/slideMaster1.xml><?xml version="1.0" encoding="utf-8"?>
-<p:sldMaster xmlns:a="http://schemas.openxmlformats.org/drawingml/2006/main" xmlns:r="http://schemas.openxmlformats.org/officeDocument/2006/relationships" xmlns:mc="http://schemas.openxmlformats.org/markup-compatibility/2006" xmlns:mv="urn:schemas-microsoft-com:mac:vml" xmlns:p="http://schemas.openxmlformats.org/presentationml/2006/main" xmlns:c="http://schemas.openxmlformats.org/drawingml/2006/chart" xmlns:dgm="http://schemas.openxmlformats.org/drawingml/2006/diagram" xmlns:o="urn:schemas-microsoft-com:office:office" xmlns:v="urn:schemas-microsoft-com:vml" xmlns:pvml="urn:schemas-microsoft-com:office:powerpoint" xmlns:com="http://schemas.openxmlformats.org/drawingml/2006/compatibility" xmlns:p14="http://schemas.microsoft.com/office/powerpoint/2010/main" xmlns:p15="http://schemas.microsoft.com/office/powerpoint/2012/main" xmlns:ahyp="http://schemas.microsoft.com/office/drawing/2018/hyperlinkcolor">
+<p:sldMaster xmlns:a="http://schemas.openxmlformats.org/drawingml/2006/main" xmlns:r="http://schemas.openxmlformats.org/officeDocument/2006/relationships" xmlns:p="http://schemas.openxmlformats.org/presentationml/2006/main">
   <p:cSld name="streamline">
     <p:bg>
       <p:bgPr>
         <a:solidFill>
           <a:schemeClr val="lt1"/>
         </a:solidFill>
+        <a:effectLst/>
       </p:bgPr>
     </p:bg>
     <p:spTree>
       <p:nvGrpSpPr>
-        <p:cNvPr id="5" name="Shape 5"/>
+        <p:cNvPr id="1" name="Shape 5"/>
         <p:cNvGrpSpPr/>
         <p:nvPr/>
       </p:nvGrpSpPr>
@@ -6828,7 +6928,9 @@
       <p:sp>
         <p:nvSpPr>
           <p:cNvPr id="6" name="Google Shape;6;p1"/>
-          <p:cNvSpPr txBox="1"/>
+          <p:cNvSpPr txBox="1">
+            <a:spLocks noGrp="1"/>
+          </p:cNvSpPr>
           <p:nvPr>
             <p:ph type="title"/>
           </p:nvPr>
@@ -6847,7 +6949,7 @@
           </a:ln>
         </p:spPr>
         <p:txBody>
-          <a:bodyPr anchorCtr="0" anchor="t" bIns="91425" lIns="91425" spcFirstLastPara="1" rIns="91425" wrap="square" tIns="91425">
+          <a:bodyPr spcFirstLastPara="1" wrap="square" lIns="91425" tIns="91425" rIns="91425" bIns="91425" anchor="t" anchorCtr="0">
             <a:normAutofit/>
           </a:bodyPr>
           <a:lstStyle>
@@ -6864,7 +6966,7 @@
               <a:buSzPts val="2800"/>
               <a:buFont typeface="Raleway"/>
               <a:buNone/>
-              <a:defRPr b="1" sz="2800">
+              <a:defRPr sz="2800" b="1">
                 <a:solidFill>
                   <a:schemeClr val="dk2"/>
                 </a:solidFill>
@@ -6887,7 +6989,7 @@
               <a:buSzPts val="2800"/>
               <a:buFont typeface="Raleway"/>
               <a:buNone/>
-              <a:defRPr b="1" sz="2800">
+              <a:defRPr sz="2800" b="1">
                 <a:solidFill>
                   <a:schemeClr val="dk2"/>
                 </a:solidFill>
@@ -6910,7 +7012,7 @@
               <a:buSzPts val="2800"/>
               <a:buFont typeface="Raleway"/>
               <a:buNone/>
-              <a:defRPr b="1" sz="2800">
+              <a:defRPr sz="2800" b="1">
                 <a:solidFill>
                   <a:schemeClr val="dk2"/>
                 </a:solidFill>
@@ -6933,7 +7035,7 @@
               <a:buSzPts val="2800"/>
               <a:buFont typeface="Raleway"/>
               <a:buNone/>
-              <a:defRPr b="1" sz="2800">
+              <a:defRPr sz="2800" b="1">
                 <a:solidFill>
                   <a:schemeClr val="dk2"/>
                 </a:solidFill>
@@ -6956,7 +7058,7 @@
               <a:buSzPts val="2800"/>
               <a:buFont typeface="Raleway"/>
               <a:buNone/>
-              <a:defRPr b="1" sz="2800">
+              <a:defRPr sz="2800" b="1">
                 <a:solidFill>
                   <a:schemeClr val="dk2"/>
                 </a:solidFill>
@@ -6979,7 +7081,7 @@
               <a:buSzPts val="2800"/>
               <a:buFont typeface="Raleway"/>
               <a:buNone/>
-              <a:defRPr b="1" sz="2800">
+              <a:defRPr sz="2800" b="1">
                 <a:solidFill>
                   <a:schemeClr val="dk2"/>
                 </a:solidFill>
@@ -7002,7 +7104,7 @@
               <a:buSzPts val="2800"/>
               <a:buFont typeface="Raleway"/>
               <a:buNone/>
-              <a:defRPr b="1" sz="2800">
+              <a:defRPr sz="2800" b="1">
                 <a:solidFill>
                   <a:schemeClr val="dk2"/>
                 </a:solidFill>
@@ -7025,7 +7127,7 @@
               <a:buSzPts val="2800"/>
               <a:buFont typeface="Raleway"/>
               <a:buNone/>
-              <a:defRPr b="1" sz="2800">
+              <a:defRPr sz="2800" b="1">
                 <a:solidFill>
                   <a:schemeClr val="dk2"/>
                 </a:solidFill>
@@ -7048,7 +7150,7 @@
               <a:buSzPts val="2800"/>
               <a:buFont typeface="Raleway"/>
               <a:buNone/>
-              <a:defRPr b="1" sz="2800">
+              <a:defRPr sz="2800" b="1">
                 <a:solidFill>
                   <a:schemeClr val="dk2"/>
                 </a:solidFill>
@@ -7059,15 +7161,19 @@
               </a:defRPr>
             </a:lvl9pPr>
           </a:lstStyle>
-          <a:p/>
+          <a:p>
+            <a:endParaRPr/>
+          </a:p>
         </p:txBody>
       </p:sp>
       <p:sp>
         <p:nvSpPr>
           <p:cNvPr id="7" name="Google Shape;7;p1"/>
-          <p:cNvSpPr txBox="1"/>
+          <p:cNvSpPr txBox="1">
+            <a:spLocks noGrp="1"/>
+          </p:cNvSpPr>
           <p:nvPr>
-            <p:ph idx="1" type="body"/>
+            <p:ph type="body" idx="1"/>
           </p:nvPr>
         </p:nvSpPr>
         <p:spPr>
@@ -7084,11 +7190,11 @@
           </a:ln>
         </p:spPr>
         <p:txBody>
-          <a:bodyPr anchorCtr="0" anchor="t" bIns="91425" lIns="91425" spcFirstLastPara="1" rIns="91425" wrap="square" tIns="91425">
+          <a:bodyPr spcFirstLastPara="1" wrap="square" lIns="91425" tIns="91425" rIns="91425" bIns="91425" anchor="t" anchorCtr="0">
             <a:normAutofit/>
           </a:bodyPr>
           <a:lstStyle>
-            <a:lvl1pPr indent="-311150" lvl="0" marL="457200">
+            <a:lvl1pPr marL="457200" lvl="0" indent="-311150">
               <a:lnSpc>
                 <a:spcPct val="115000"/>
               </a:lnSpc>
@@ -7114,7 +7220,7 @@
                 <a:sym typeface="Lato"/>
               </a:defRPr>
             </a:lvl1pPr>
-            <a:lvl2pPr indent="-298450" lvl="1" marL="914400">
+            <a:lvl2pPr marL="914400" lvl="1" indent="-298450">
               <a:lnSpc>
                 <a:spcPct val="115000"/>
               </a:lnSpc>
@@ -7140,7 +7246,7 @@
                 <a:sym typeface="Lato"/>
               </a:defRPr>
             </a:lvl2pPr>
-            <a:lvl3pPr indent="-298450" lvl="2" marL="1371600">
+            <a:lvl3pPr marL="1371600" lvl="2" indent="-298450">
               <a:lnSpc>
                 <a:spcPct val="115000"/>
               </a:lnSpc>
@@ -7166,7 +7272,7 @@
                 <a:sym typeface="Lato"/>
               </a:defRPr>
             </a:lvl3pPr>
-            <a:lvl4pPr indent="-298450" lvl="3" marL="1828800">
+            <a:lvl4pPr marL="1828800" lvl="3" indent="-298450">
               <a:lnSpc>
                 <a:spcPct val="115000"/>
               </a:lnSpc>
@@ -7192,7 +7298,7 @@
                 <a:sym typeface="Lato"/>
               </a:defRPr>
             </a:lvl4pPr>
-            <a:lvl5pPr indent="-298450" lvl="4" marL="2286000">
+            <a:lvl5pPr marL="2286000" lvl="4" indent="-298450">
               <a:lnSpc>
                 <a:spcPct val="115000"/>
               </a:lnSpc>
@@ -7218,7 +7324,7 @@
                 <a:sym typeface="Lato"/>
               </a:defRPr>
             </a:lvl5pPr>
-            <a:lvl6pPr indent="-298450" lvl="5" marL="2743200">
+            <a:lvl6pPr marL="2743200" lvl="5" indent="-298450">
               <a:lnSpc>
                 <a:spcPct val="115000"/>
               </a:lnSpc>
@@ -7244,7 +7350,7 @@
                 <a:sym typeface="Lato"/>
               </a:defRPr>
             </a:lvl6pPr>
-            <a:lvl7pPr indent="-298450" lvl="6" marL="3200400">
+            <a:lvl7pPr marL="3200400" lvl="6" indent="-298450">
               <a:lnSpc>
                 <a:spcPct val="115000"/>
               </a:lnSpc>
@@ -7270,7 +7376,7 @@
                 <a:sym typeface="Lato"/>
               </a:defRPr>
             </a:lvl7pPr>
-            <a:lvl8pPr indent="-298450" lvl="7" marL="3657600">
+            <a:lvl8pPr marL="3657600" lvl="7" indent="-298450">
               <a:lnSpc>
                 <a:spcPct val="115000"/>
               </a:lnSpc>
@@ -7296,7 +7402,7 @@
                 <a:sym typeface="Lato"/>
               </a:defRPr>
             </a:lvl8pPr>
-            <a:lvl9pPr indent="-298450" lvl="8" marL="4114800">
+            <a:lvl9pPr marL="4114800" lvl="8" indent="-298450">
               <a:lnSpc>
                 <a:spcPct val="115000"/>
               </a:lnSpc>
@@ -7323,15 +7429,19 @@
               </a:defRPr>
             </a:lvl9pPr>
           </a:lstStyle>
-          <a:p/>
+          <a:p>
+            <a:endParaRPr/>
+          </a:p>
         </p:txBody>
       </p:sp>
       <p:sp>
         <p:nvSpPr>
           <p:cNvPr id="8" name="Google Shape;8;p1"/>
-          <p:cNvSpPr txBox="1"/>
+          <p:cNvSpPr txBox="1">
+            <a:spLocks noGrp="1"/>
+          </p:cNvSpPr>
           <p:nvPr>
-            <p:ph idx="12" type="sldNum"/>
+            <p:ph type="sldNum" idx="12"/>
           </p:nvPr>
         </p:nvSpPr>
         <p:spPr>
@@ -7348,7 +7458,7 @@
           </a:ln>
         </p:spPr>
         <p:txBody>
-          <a:bodyPr anchorCtr="0" anchor="ctr" bIns="91425" lIns="91425" spcFirstLastPara="1" rIns="91425" wrap="square" tIns="91425">
+          <a:bodyPr spcFirstLastPara="1" wrap="square" lIns="91425" tIns="91425" rIns="91425" bIns="91425" anchor="ctr" anchorCtr="0">
             <a:normAutofit/>
           </a:bodyPr>
           <a:lstStyle>
@@ -7462,7 +7572,7 @@
             </a:lvl9pPr>
           </a:lstStyle>
           <a:p>
-            <a:pPr indent="0" lvl="0" marL="0" rtl="0" algn="r">
+            <a:pPr marL="0" lvl="0" indent="0" algn="r" rtl="0">
               <a:spcBef>
                 <a:spcPts val="0"/>
               </a:spcBef>
@@ -7481,7 +7591,7 @@
       </p:sp>
     </p:spTree>
   </p:cSld>
-  <p:clrMap accent1="accent1" accent2="accent2" accent3="accent3" accent4="accent4" accent5="accent5" accent6="accent6" bg1="lt1" bg2="dk2" tx1="dk1" tx2="lt2" folHlink="folHlink" hlink="hlink"/>
+  <p:clrMap bg1="lt1" tx1="dk1" bg2="dk2" tx2="lt2" accent1="accent1" accent2="accent2" accent3="accent3" accent4="accent4" accent5="accent5" accent6="accent6" hlink="hlink" folHlink="folHlink"/>
   <p:sldLayoutIdLst>
     <p:sldLayoutId id="2147483648" r:id="rId1"/>
     <p:sldLayoutId id="2147483649" r:id="rId2"/>
@@ -7495,10 +7605,10 @@
     <p:sldLayoutId id="2147483657" r:id="rId10"/>
     <p:sldLayoutId id="2147483658" r:id="rId11"/>
   </p:sldLayoutIdLst>
-  <p:hf dt="0" ftr="0" hdr="0" sldNum="0"/>
+  <p:hf sldNum="0" hdr="0" ftr="0" dt="0"/>
   <p:txStyles>
     <p:titleStyle>
-      <a:defPPr lvl="0" marR="0" rtl="0" algn="l">
+      <a:defPPr marR="0" lvl="0" algn="l" rtl="0">
         <a:lnSpc>
           <a:spcPct val="100000"/>
         </a:lnSpc>
@@ -7509,7 +7619,7 @@
           <a:spcPts val="0"/>
         </a:spcAft>
       </a:defPPr>
-      <a:lvl1pPr lvl="0" marR="0" rtl="0" algn="l">
+      <a:lvl1pPr marR="0" lvl="0" algn="l" rtl="0">
         <a:lnSpc>
           <a:spcPct val="100000"/>
         </a:lnSpc>
@@ -7523,7 +7633,7 @@
           <a:srgbClr val="000000"/>
         </a:buClr>
         <a:buFont typeface="Arial"/>
-        <a:defRPr b="0" i="0" sz="1400" u="none" cap="none" strike="noStrike">
+        <a:defRPr sz="1400" b="0" i="0" u="none" strike="noStrike" cap="none">
           <a:solidFill>
             <a:srgbClr val="000000"/>
           </a:solidFill>
@@ -7533,7 +7643,7 @@
           <a:sym typeface="Arial"/>
         </a:defRPr>
       </a:lvl1pPr>
-      <a:lvl2pPr lvl="1" marR="0" rtl="0" algn="l">
+      <a:lvl2pPr marR="0" lvl="1" algn="l" rtl="0">
         <a:lnSpc>
           <a:spcPct val="100000"/>
         </a:lnSpc>
@@ -7547,7 +7657,7 @@
           <a:srgbClr val="000000"/>
         </a:buClr>
         <a:buFont typeface="Arial"/>
-        <a:defRPr b="0" i="0" sz="1400" u="none" cap="none" strike="noStrike">
+        <a:defRPr sz="1400" b="0" i="0" u="none" strike="noStrike" cap="none">
           <a:solidFill>
             <a:srgbClr val="000000"/>
           </a:solidFill>
@@ -7557,7 +7667,7 @@
           <a:sym typeface="Arial"/>
         </a:defRPr>
       </a:lvl2pPr>
-      <a:lvl3pPr lvl="2" marR="0" rtl="0" algn="l">
+      <a:lvl3pPr marR="0" lvl="2" algn="l" rtl="0">
         <a:lnSpc>
           <a:spcPct val="100000"/>
         </a:lnSpc>
@@ -7571,7 +7681,7 @@
           <a:srgbClr val="000000"/>
         </a:buClr>
         <a:buFont typeface="Arial"/>
-        <a:defRPr b="0" i="0" sz="1400" u="none" cap="none" strike="noStrike">
+        <a:defRPr sz="1400" b="0" i="0" u="none" strike="noStrike" cap="none">
           <a:solidFill>
             <a:srgbClr val="000000"/>
           </a:solidFill>
@@ -7581,7 +7691,7 @@
           <a:sym typeface="Arial"/>
         </a:defRPr>
       </a:lvl3pPr>
-      <a:lvl4pPr lvl="3" marR="0" rtl="0" algn="l">
+      <a:lvl4pPr marR="0" lvl="3" algn="l" rtl="0">
         <a:lnSpc>
           <a:spcPct val="100000"/>
         </a:lnSpc>
@@ -7595,7 +7705,7 @@
           <a:srgbClr val="000000"/>
         </a:buClr>
         <a:buFont typeface="Arial"/>
-        <a:defRPr b="0" i="0" sz="1400" u="none" cap="none" strike="noStrike">
+        <a:defRPr sz="1400" b="0" i="0" u="none" strike="noStrike" cap="none">
           <a:solidFill>
             <a:srgbClr val="000000"/>
           </a:solidFill>
@@ -7605,7 +7715,7 @@
           <a:sym typeface="Arial"/>
         </a:defRPr>
       </a:lvl4pPr>
-      <a:lvl5pPr lvl="4" marR="0" rtl="0" algn="l">
+      <a:lvl5pPr marR="0" lvl="4" algn="l" rtl="0">
         <a:lnSpc>
           <a:spcPct val="100000"/>
         </a:lnSpc>
@@ -7619,7 +7729,7 @@
           <a:srgbClr val="000000"/>
         </a:buClr>
         <a:buFont typeface="Arial"/>
-        <a:defRPr b="0" i="0" sz="1400" u="none" cap="none" strike="noStrike">
+        <a:defRPr sz="1400" b="0" i="0" u="none" strike="noStrike" cap="none">
           <a:solidFill>
             <a:srgbClr val="000000"/>
           </a:solidFill>
@@ -7629,7 +7739,7 @@
           <a:sym typeface="Arial"/>
         </a:defRPr>
       </a:lvl5pPr>
-      <a:lvl6pPr lvl="5" marR="0" rtl="0" algn="l">
+      <a:lvl6pPr marR="0" lvl="5" algn="l" rtl="0">
         <a:lnSpc>
           <a:spcPct val="100000"/>
         </a:lnSpc>
@@ -7643,7 +7753,7 @@
           <a:srgbClr val="000000"/>
         </a:buClr>
         <a:buFont typeface="Arial"/>
-        <a:defRPr b="0" i="0" sz="1400" u="none" cap="none" strike="noStrike">
+        <a:defRPr sz="1400" b="0" i="0" u="none" strike="noStrike" cap="none">
           <a:solidFill>
             <a:srgbClr val="000000"/>
           </a:solidFill>
@@ -7653,7 +7763,7 @@
           <a:sym typeface="Arial"/>
         </a:defRPr>
       </a:lvl6pPr>
-      <a:lvl7pPr lvl="6" marR="0" rtl="0" algn="l">
+      <a:lvl7pPr marR="0" lvl="6" algn="l" rtl="0">
         <a:lnSpc>
           <a:spcPct val="100000"/>
         </a:lnSpc>
@@ -7667,7 +7777,7 @@
           <a:srgbClr val="000000"/>
         </a:buClr>
         <a:buFont typeface="Arial"/>
-        <a:defRPr b="0" i="0" sz="1400" u="none" cap="none" strike="noStrike">
+        <a:defRPr sz="1400" b="0" i="0" u="none" strike="noStrike" cap="none">
           <a:solidFill>
             <a:srgbClr val="000000"/>
           </a:solidFill>
@@ -7677,7 +7787,7 @@
           <a:sym typeface="Arial"/>
         </a:defRPr>
       </a:lvl7pPr>
-      <a:lvl8pPr lvl="7" marR="0" rtl="0" algn="l">
+      <a:lvl8pPr marR="0" lvl="7" algn="l" rtl="0">
         <a:lnSpc>
           <a:spcPct val="100000"/>
         </a:lnSpc>
@@ -7691,7 +7801,7 @@
           <a:srgbClr val="000000"/>
         </a:buClr>
         <a:buFont typeface="Arial"/>
-        <a:defRPr b="0" i="0" sz="1400" u="none" cap="none" strike="noStrike">
+        <a:defRPr sz="1400" b="0" i="0" u="none" strike="noStrike" cap="none">
           <a:solidFill>
             <a:srgbClr val="000000"/>
           </a:solidFill>
@@ -7701,7 +7811,7 @@
           <a:sym typeface="Arial"/>
         </a:defRPr>
       </a:lvl8pPr>
-      <a:lvl9pPr lvl="8" marR="0" rtl="0" algn="l">
+      <a:lvl9pPr marR="0" lvl="8" algn="l" rtl="0">
         <a:lnSpc>
           <a:spcPct val="100000"/>
         </a:lnSpc>
@@ -7715,7 +7825,7 @@
           <a:srgbClr val="000000"/>
         </a:buClr>
         <a:buFont typeface="Arial"/>
-        <a:defRPr b="0" i="0" sz="1400" u="none" cap="none" strike="noStrike">
+        <a:defRPr sz="1400" b="0" i="0" u="none" strike="noStrike" cap="none">
           <a:solidFill>
             <a:srgbClr val="000000"/>
           </a:solidFill>
@@ -7727,7 +7837,7 @@
       </a:lvl9pPr>
     </p:titleStyle>
     <p:bodyStyle>
-      <a:defPPr lvl="0" marR="0" rtl="0" algn="l">
+      <a:defPPr marR="0" lvl="0" algn="l" rtl="0">
         <a:lnSpc>
           <a:spcPct val="100000"/>
         </a:lnSpc>
@@ -7738,7 +7848,7 @@
           <a:spcPts val="0"/>
         </a:spcAft>
       </a:defPPr>
-      <a:lvl1pPr lvl="0" marR="0" rtl="0" algn="l">
+      <a:lvl1pPr marR="0" lvl="0" algn="l" rtl="0">
         <a:lnSpc>
           <a:spcPct val="100000"/>
         </a:lnSpc>
@@ -7752,7 +7862,7 @@
           <a:srgbClr val="000000"/>
         </a:buClr>
         <a:buFont typeface="Arial"/>
-        <a:defRPr b="0" i="0" sz="1400" u="none" cap="none" strike="noStrike">
+        <a:defRPr sz="1400" b="0" i="0" u="none" strike="noStrike" cap="none">
           <a:solidFill>
             <a:srgbClr val="000000"/>
           </a:solidFill>
@@ -7762,7 +7872,7 @@
           <a:sym typeface="Arial"/>
         </a:defRPr>
       </a:lvl1pPr>
-      <a:lvl2pPr lvl="1" marR="0" rtl="0" algn="l">
+      <a:lvl2pPr marR="0" lvl="1" algn="l" rtl="0">
         <a:lnSpc>
           <a:spcPct val="100000"/>
         </a:lnSpc>
@@ -7776,7 +7886,7 @@
           <a:srgbClr val="000000"/>
         </a:buClr>
         <a:buFont typeface="Arial"/>
-        <a:defRPr b="0" i="0" sz="1400" u="none" cap="none" strike="noStrike">
+        <a:defRPr sz="1400" b="0" i="0" u="none" strike="noStrike" cap="none">
           <a:solidFill>
             <a:srgbClr val="000000"/>
           </a:solidFill>
@@ -7786,7 +7896,7 @@
           <a:sym typeface="Arial"/>
         </a:defRPr>
       </a:lvl2pPr>
-      <a:lvl3pPr lvl="2" marR="0" rtl="0" algn="l">
+      <a:lvl3pPr marR="0" lvl="2" algn="l" rtl="0">
         <a:lnSpc>
           <a:spcPct val="100000"/>
         </a:lnSpc>
@@ -7800,7 +7910,7 @@
           <a:srgbClr val="000000"/>
         </a:buClr>
         <a:buFont typeface="Arial"/>
-        <a:defRPr b="0" i="0" sz="1400" u="none" cap="none" strike="noStrike">
+        <a:defRPr sz="1400" b="0" i="0" u="none" strike="noStrike" cap="none">
           <a:solidFill>
             <a:srgbClr val="000000"/>
           </a:solidFill>
@@ -7810,7 +7920,7 @@
           <a:sym typeface="Arial"/>
         </a:defRPr>
       </a:lvl3pPr>
-      <a:lvl4pPr lvl="3" marR="0" rtl="0" algn="l">
+      <a:lvl4pPr marR="0" lvl="3" algn="l" rtl="0">
         <a:lnSpc>
           <a:spcPct val="100000"/>
         </a:lnSpc>
@@ -7824,7 +7934,7 @@
           <a:srgbClr val="000000"/>
         </a:buClr>
         <a:buFont typeface="Arial"/>
-        <a:defRPr b="0" i="0" sz="1400" u="none" cap="none" strike="noStrike">
+        <a:defRPr sz="1400" b="0" i="0" u="none" strike="noStrike" cap="none">
           <a:solidFill>
             <a:srgbClr val="000000"/>
           </a:solidFill>
@@ -7834,7 +7944,7 @@
           <a:sym typeface="Arial"/>
         </a:defRPr>
       </a:lvl4pPr>
-      <a:lvl5pPr lvl="4" marR="0" rtl="0" algn="l">
+      <a:lvl5pPr marR="0" lvl="4" algn="l" rtl="0">
         <a:lnSpc>
           <a:spcPct val="100000"/>
         </a:lnSpc>
@@ -7848,7 +7958,7 @@
           <a:srgbClr val="000000"/>
         </a:buClr>
         <a:buFont typeface="Arial"/>
-        <a:defRPr b="0" i="0" sz="1400" u="none" cap="none" strike="noStrike">
+        <a:defRPr sz="1400" b="0" i="0" u="none" strike="noStrike" cap="none">
           <a:solidFill>
             <a:srgbClr val="000000"/>
           </a:solidFill>
@@ -7858,7 +7968,7 @@
           <a:sym typeface="Arial"/>
         </a:defRPr>
       </a:lvl5pPr>
-      <a:lvl6pPr lvl="5" marR="0" rtl="0" algn="l">
+      <a:lvl6pPr marR="0" lvl="5" algn="l" rtl="0">
         <a:lnSpc>
           <a:spcPct val="100000"/>
         </a:lnSpc>
@@ -7872,7 +7982,7 @@
           <a:srgbClr val="000000"/>
         </a:buClr>
         <a:buFont typeface="Arial"/>
-        <a:defRPr b="0" i="0" sz="1400" u="none" cap="none" strike="noStrike">
+        <a:defRPr sz="1400" b="0" i="0" u="none" strike="noStrike" cap="none">
           <a:solidFill>
             <a:srgbClr val="000000"/>
           </a:solidFill>
@@ -7882,7 +7992,7 @@
           <a:sym typeface="Arial"/>
         </a:defRPr>
       </a:lvl6pPr>
-      <a:lvl7pPr lvl="6" marR="0" rtl="0" algn="l">
+      <a:lvl7pPr marR="0" lvl="6" algn="l" rtl="0">
         <a:lnSpc>
           <a:spcPct val="100000"/>
         </a:lnSpc>
@@ -7896,7 +8006,7 @@
           <a:srgbClr val="000000"/>
         </a:buClr>
         <a:buFont typeface="Arial"/>
-        <a:defRPr b="0" i="0" sz="1400" u="none" cap="none" strike="noStrike">
+        <a:defRPr sz="1400" b="0" i="0" u="none" strike="noStrike" cap="none">
           <a:solidFill>
             <a:srgbClr val="000000"/>
           </a:solidFill>
@@ -7906,7 +8016,7 @@
           <a:sym typeface="Arial"/>
         </a:defRPr>
       </a:lvl7pPr>
-      <a:lvl8pPr lvl="7" marR="0" rtl="0" algn="l">
+      <a:lvl8pPr marR="0" lvl="7" algn="l" rtl="0">
         <a:lnSpc>
           <a:spcPct val="100000"/>
         </a:lnSpc>
@@ -7920,7 +8030,7 @@
           <a:srgbClr val="000000"/>
         </a:buClr>
         <a:buFont typeface="Arial"/>
-        <a:defRPr b="0" i="0" sz="1400" u="none" cap="none" strike="noStrike">
+        <a:defRPr sz="1400" b="0" i="0" u="none" strike="noStrike" cap="none">
           <a:solidFill>
             <a:srgbClr val="000000"/>
           </a:solidFill>
@@ -7930,7 +8040,7 @@
           <a:sym typeface="Arial"/>
         </a:defRPr>
       </a:lvl8pPr>
-      <a:lvl9pPr lvl="8" marR="0" rtl="0" algn="l">
+      <a:lvl9pPr marR="0" lvl="8" algn="l" rtl="0">
         <a:lnSpc>
           <a:spcPct val="100000"/>
         </a:lnSpc>
@@ -7944,7 +8054,7 @@
           <a:srgbClr val="000000"/>
         </a:buClr>
         <a:buFont typeface="Arial"/>
-        <a:defRPr b="0" i="0" sz="1400" u="none" cap="none" strike="noStrike">
+        <a:defRPr sz="1400" b="0" i="0" u="none" strike="noStrike" cap="none">
           <a:solidFill>
             <a:srgbClr val="000000"/>
           </a:solidFill>
@@ -7956,7 +8066,7 @@
       </a:lvl9pPr>
     </p:bodyStyle>
     <p:otherStyle>
-      <a:defPPr lvl="0" marR="0" rtl="0" algn="l">
+      <a:defPPr marR="0" lvl="0" algn="l" rtl="0">
         <a:lnSpc>
           <a:spcPct val="100000"/>
         </a:lnSpc>
@@ -7967,7 +8077,7 @@
           <a:spcPts val="0"/>
         </a:spcAft>
       </a:defPPr>
-      <a:lvl1pPr lvl="0" marR="0" rtl="0" algn="l">
+      <a:lvl1pPr marR="0" lvl="0" algn="l" rtl="0">
         <a:lnSpc>
           <a:spcPct val="100000"/>
         </a:lnSpc>
@@ -7981,7 +8091,7 @@
           <a:srgbClr val="000000"/>
         </a:buClr>
         <a:buFont typeface="Arial"/>
-        <a:defRPr b="0" i="0" sz="1400" u="none" cap="none" strike="noStrike">
+        <a:defRPr sz="1400" b="0" i="0" u="none" strike="noStrike" cap="none">
           <a:solidFill>
             <a:srgbClr val="000000"/>
           </a:solidFill>
@@ -7991,7 +8101,7 @@
           <a:sym typeface="Arial"/>
         </a:defRPr>
       </a:lvl1pPr>
-      <a:lvl2pPr lvl="1" marR="0" rtl="0" algn="l">
+      <a:lvl2pPr marR="0" lvl="1" algn="l" rtl="0">
         <a:lnSpc>
           <a:spcPct val="100000"/>
         </a:lnSpc>
@@ -8005,7 +8115,7 @@
           <a:srgbClr val="000000"/>
         </a:buClr>
         <a:buFont typeface="Arial"/>
-        <a:defRPr b="0" i="0" sz="1400" u="none" cap="none" strike="noStrike">
+        <a:defRPr sz="1400" b="0" i="0" u="none" strike="noStrike" cap="none">
           <a:solidFill>
             <a:srgbClr val="000000"/>
           </a:solidFill>
@@ -8015,7 +8125,7 @@
           <a:sym typeface="Arial"/>
         </a:defRPr>
       </a:lvl2pPr>
-      <a:lvl3pPr lvl="2" marR="0" rtl="0" algn="l">
+      <a:lvl3pPr marR="0" lvl="2" algn="l" rtl="0">
         <a:lnSpc>
           <a:spcPct val="100000"/>
         </a:lnSpc>
@@ -8029,7 +8139,7 @@
           <a:srgbClr val="000000"/>
         </a:buClr>
         <a:buFont typeface="Arial"/>
-        <a:defRPr b="0" i="0" sz="1400" u="none" cap="none" strike="noStrike">
+        <a:defRPr sz="1400" b="0" i="0" u="none" strike="noStrike" cap="none">
           <a:solidFill>
             <a:srgbClr val="000000"/>
           </a:solidFill>
@@ -8039,7 +8149,7 @@
           <a:sym typeface="Arial"/>
         </a:defRPr>
       </a:lvl3pPr>
-      <a:lvl4pPr lvl="3" marR="0" rtl="0" algn="l">
+      <a:lvl4pPr marR="0" lvl="3" algn="l" rtl="0">
         <a:lnSpc>
           <a:spcPct val="100000"/>
         </a:lnSpc>
@@ -8053,7 +8163,7 @@
           <a:srgbClr val="000000"/>
         </a:buClr>
         <a:buFont typeface="Arial"/>
-        <a:defRPr b="0" i="0" sz="1400" u="none" cap="none" strike="noStrike">
+        <a:defRPr sz="1400" b="0" i="0" u="none" strike="noStrike" cap="none">
           <a:solidFill>
             <a:srgbClr val="000000"/>
           </a:solidFill>
@@ -8063,7 +8173,7 @@
           <a:sym typeface="Arial"/>
         </a:defRPr>
       </a:lvl4pPr>
-      <a:lvl5pPr lvl="4" marR="0" rtl="0" algn="l">
+      <a:lvl5pPr marR="0" lvl="4" algn="l" rtl="0">
         <a:lnSpc>
           <a:spcPct val="100000"/>
         </a:lnSpc>
@@ -8077,7 +8187,7 @@
           <a:srgbClr val="000000"/>
         </a:buClr>
         <a:buFont typeface="Arial"/>
-        <a:defRPr b="0" i="0" sz="1400" u="none" cap="none" strike="noStrike">
+        <a:defRPr sz="1400" b="0" i="0" u="none" strike="noStrike" cap="none">
           <a:solidFill>
             <a:srgbClr val="000000"/>
           </a:solidFill>
@@ -8087,7 +8197,7 @@
           <a:sym typeface="Arial"/>
         </a:defRPr>
       </a:lvl5pPr>
-      <a:lvl6pPr lvl="5" marR="0" rtl="0" algn="l">
+      <a:lvl6pPr marR="0" lvl="5" algn="l" rtl="0">
         <a:lnSpc>
           <a:spcPct val="100000"/>
         </a:lnSpc>
@@ -8101,7 +8211,7 @@
           <a:srgbClr val="000000"/>
         </a:buClr>
         <a:buFont typeface="Arial"/>
-        <a:defRPr b="0" i="0" sz="1400" u="none" cap="none" strike="noStrike">
+        <a:defRPr sz="1400" b="0" i="0" u="none" strike="noStrike" cap="none">
           <a:solidFill>
             <a:srgbClr val="000000"/>
           </a:solidFill>
@@ -8111,7 +8221,7 @@
           <a:sym typeface="Arial"/>
         </a:defRPr>
       </a:lvl6pPr>
-      <a:lvl7pPr lvl="6" marR="0" rtl="0" algn="l">
+      <a:lvl7pPr marR="0" lvl="6" algn="l" rtl="0">
         <a:lnSpc>
           <a:spcPct val="100000"/>
         </a:lnSpc>
@@ -8125,7 +8235,7 @@
           <a:srgbClr val="000000"/>
         </a:buClr>
         <a:buFont typeface="Arial"/>
-        <a:defRPr b="0" i="0" sz="1400" u="none" cap="none" strike="noStrike">
+        <a:defRPr sz="1400" b="0" i="0" u="none" strike="noStrike" cap="none">
           <a:solidFill>
             <a:srgbClr val="000000"/>
           </a:solidFill>
@@ -8135,7 +8245,7 @@
           <a:sym typeface="Arial"/>
         </a:defRPr>
       </a:lvl7pPr>
-      <a:lvl8pPr lvl="7" marR="0" rtl="0" algn="l">
+      <a:lvl8pPr marR="0" lvl="7" algn="l" rtl="0">
         <a:lnSpc>
           <a:spcPct val="100000"/>
         </a:lnSpc>
@@ -8149,7 +8259,7 @@
           <a:srgbClr val="000000"/>
         </a:buClr>
         <a:buFont typeface="Arial"/>
-        <a:defRPr b="0" i="0" sz="1400" u="none" cap="none" strike="noStrike">
+        <a:defRPr sz="1400" b="0" i="0" u="none" strike="noStrike" cap="none">
           <a:solidFill>
             <a:srgbClr val="000000"/>
           </a:solidFill>
@@ -8159,7 +8269,7 @@
           <a:sym typeface="Arial"/>
         </a:defRPr>
       </a:lvl8pPr>
-      <a:lvl9pPr lvl="8" marR="0" rtl="0" algn="l">
+      <a:lvl9pPr marR="0" lvl="8" algn="l" rtl="0">
         <a:lnSpc>
           <a:spcPct val="100000"/>
         </a:lnSpc>
@@ -8173,7 +8283,7 @@
           <a:srgbClr val="000000"/>
         </a:buClr>
         <a:buFont typeface="Arial"/>
-        <a:defRPr b="0" i="0" sz="1400" u="none" cap="none" strike="noStrike">
+        <a:defRPr sz="1400" b="0" i="0" u="none" strike="noStrike" cap="none">
           <a:solidFill>
             <a:srgbClr val="000000"/>
           </a:solidFill>
@@ -8189,11 +8299,11 @@
 </file>
 
 <file path=ppt/slides/slide1.xml><?xml version="1.0" encoding="utf-8"?>
-<p:sld xmlns:a="http://schemas.openxmlformats.org/drawingml/2006/main" xmlns:r="http://schemas.openxmlformats.org/officeDocument/2006/relationships" xmlns:mc="http://schemas.openxmlformats.org/markup-compatibility/2006" xmlns:mv="urn:schemas-microsoft-com:mac:vml" xmlns:p="http://schemas.openxmlformats.org/presentationml/2006/main" xmlns:c="http://schemas.openxmlformats.org/drawingml/2006/chart" xmlns:dgm="http://schemas.openxmlformats.org/drawingml/2006/diagram" xmlns:o="urn:schemas-microsoft-com:office:office" xmlns:v="urn:schemas-microsoft-com:vml" xmlns:pvml="urn:schemas-microsoft-com:office:powerpoint" xmlns:com="http://schemas.openxmlformats.org/drawingml/2006/compatibility" xmlns:p14="http://schemas.microsoft.com/office/powerpoint/2010/main" xmlns:p15="http://schemas.microsoft.com/office/powerpoint/2012/main" xmlns:ahyp="http://schemas.microsoft.com/office/drawing/2018/hyperlinkcolor">
+<p:sld xmlns:a="http://schemas.openxmlformats.org/drawingml/2006/main" xmlns:r="http://schemas.openxmlformats.org/officeDocument/2006/relationships" xmlns:p="http://schemas.openxmlformats.org/presentationml/2006/main">
   <p:cSld>
     <p:spTree>
       <p:nvGrpSpPr>
-        <p:cNvPr id="85" name="Shape 85"/>
+        <p:cNvPr id="1" name="Shape 85"/>
         <p:cNvGrpSpPr/>
         <p:nvPr/>
       </p:nvGrpSpPr>
@@ -8208,7 +8318,9 @@
       <p:sp>
         <p:nvSpPr>
           <p:cNvPr id="86" name="Google Shape;86;p13"/>
-          <p:cNvSpPr txBox="1"/>
+          <p:cNvSpPr txBox="1">
+            <a:spLocks noGrp="1"/>
+          </p:cNvSpPr>
           <p:nvPr>
             <p:ph type="ctrTitle"/>
           </p:nvPr>
@@ -8223,12 +8335,12 @@
           </a:prstGeom>
         </p:spPr>
         <p:txBody>
-          <a:bodyPr anchorCtr="0" anchor="t" bIns="91425" lIns="91425" spcFirstLastPara="1" rIns="91425" wrap="square" tIns="91425">
+          <a:bodyPr spcFirstLastPara="1" wrap="square" lIns="91425" tIns="91425" rIns="91425" bIns="91425" anchor="t" anchorCtr="0">
             <a:normAutofit/>
           </a:bodyPr>
           <a:lstStyle/>
           <a:p>
-            <a:pPr indent="0" lvl="0" marL="0" rtl="0" algn="l">
+            <a:pPr marL="0" lvl="0" indent="0" algn="l" rtl="0">
               <a:spcBef>
                 <a:spcPts val="0"/>
               </a:spcBef>
@@ -8256,9 +8368,11 @@
       <p:sp>
         <p:nvSpPr>
           <p:cNvPr id="87" name="Google Shape;87;p13"/>
-          <p:cNvSpPr txBox="1"/>
+          <p:cNvSpPr txBox="1">
+            <a:spLocks noGrp="1"/>
+          </p:cNvSpPr>
           <p:nvPr>
-            <p:ph idx="1" type="subTitle"/>
+            <p:ph type="subTitle" idx="1"/>
           </p:nvPr>
         </p:nvSpPr>
         <p:spPr>
@@ -8271,12 +8385,12 @@
           </a:prstGeom>
         </p:spPr>
         <p:txBody>
-          <a:bodyPr anchorCtr="0" anchor="t" bIns="91425" lIns="91425" spcFirstLastPara="1" rIns="91425" wrap="square" tIns="91425">
+          <a:bodyPr spcFirstLastPara="1" wrap="square" lIns="91425" tIns="91425" rIns="91425" bIns="91425" anchor="t" anchorCtr="0">
             <a:normAutofit fontScale="40000" lnSpcReduction="20000"/>
           </a:bodyPr>
           <a:lstStyle/>
           <a:p>
-            <a:pPr indent="0" lvl="0" marL="0" rtl="0" algn="l">
+            <a:pPr marL="0" lvl="0" indent="0" algn="l" rtl="0">
               <a:spcBef>
                 <a:spcPts val="0"/>
               </a:spcBef>
@@ -8286,7 +8400,7 @@
               <a:buNone/>
             </a:pPr>
             <a:r>
-              <a:rPr b="1" lang="en-GB" sz="3478"/>
+              <a:rPr lang="en-GB" sz="3478" b="1"/>
               <a:t>Authors</a:t>
             </a:r>
             <a:r>
@@ -8296,7 +8410,7 @@
             <a:endParaRPr sz="3478"/>
           </a:p>
           <a:p>
-            <a:pPr indent="0" lvl="0" marL="0" rtl="0" algn="l">
+            <a:pPr marL="0" lvl="0" indent="0" algn="l" rtl="0">
               <a:spcBef>
                 <a:spcPts val="0"/>
               </a:spcBef>
@@ -8305,13 +8419,10 @@
               </a:spcAft>
               <a:buNone/>
             </a:pPr>
-            <a:r>
-              <a:t/>
-            </a:r>
             <a:endParaRPr sz="3478"/>
           </a:p>
           <a:p>
-            <a:pPr indent="0" lvl="0" marL="0" rtl="0" algn="l">
+            <a:pPr marL="0" lvl="0" indent="0" algn="l" rtl="0">
               <a:spcBef>
                 <a:spcPts val="0"/>
               </a:spcBef>
@@ -8327,7 +8438,7 @@
             <a:endParaRPr sz="3478"/>
           </a:p>
           <a:p>
-            <a:pPr indent="0" lvl="0" marL="0" rtl="0" algn="l">
+            <a:pPr marL="0" lvl="0" indent="0" algn="l" rtl="0">
               <a:spcBef>
                 <a:spcPts val="0"/>
               </a:spcBef>
@@ -8343,7 +8454,7 @@
             <a:endParaRPr sz="3478"/>
           </a:p>
           <a:p>
-            <a:pPr indent="0" lvl="0" marL="0" rtl="0" algn="l">
+            <a:pPr marL="0" lvl="0" indent="0" algn="l" rtl="0">
               <a:spcBef>
                 <a:spcPts val="0"/>
               </a:spcBef>
@@ -8359,7 +8470,7 @@
             <a:endParaRPr sz="3478"/>
           </a:p>
           <a:p>
-            <a:pPr indent="0" lvl="0" marL="0" rtl="0" algn="l">
+            <a:pPr marL="0" lvl="0" indent="0" algn="l" rtl="0">
               <a:spcBef>
                 <a:spcPts val="0"/>
               </a:spcBef>
@@ -8375,7 +8486,7 @@
             <a:endParaRPr sz="3478"/>
           </a:p>
           <a:p>
-            <a:pPr indent="0" lvl="0" marL="0" rtl="0" algn="l">
+            <a:pPr marL="0" lvl="0" indent="0" algn="l" rtl="0">
               <a:spcBef>
                 <a:spcPts val="0"/>
               </a:spcBef>
@@ -8384,9 +8495,6 @@
               </a:spcAft>
               <a:buNone/>
             </a:pPr>
-            <a:r>
-              <a:t/>
-            </a:r>
             <a:endParaRPr/>
           </a:p>
         </p:txBody>
@@ -8400,11 +8508,11 @@
 </file>
 
 <file path=ppt/slides/slide10.xml><?xml version="1.0" encoding="utf-8"?>
-<p:sld xmlns:a="http://schemas.openxmlformats.org/drawingml/2006/main" xmlns:r="http://schemas.openxmlformats.org/officeDocument/2006/relationships" xmlns:mc="http://schemas.openxmlformats.org/markup-compatibility/2006" xmlns:mv="urn:schemas-microsoft-com:mac:vml" xmlns:p="http://schemas.openxmlformats.org/presentationml/2006/main" xmlns:c="http://schemas.openxmlformats.org/drawingml/2006/chart" xmlns:dgm="http://schemas.openxmlformats.org/drawingml/2006/diagram" xmlns:o="urn:schemas-microsoft-com:office:office" xmlns:v="urn:schemas-microsoft-com:vml" xmlns:pvml="urn:schemas-microsoft-com:office:powerpoint" xmlns:com="http://schemas.openxmlformats.org/drawingml/2006/compatibility" xmlns:p14="http://schemas.microsoft.com/office/powerpoint/2010/main" xmlns:p15="http://schemas.microsoft.com/office/powerpoint/2012/main" xmlns:ahyp="http://schemas.microsoft.com/office/drawing/2018/hyperlinkcolor">
+<p:sld xmlns:a="http://schemas.openxmlformats.org/drawingml/2006/main" xmlns:r="http://schemas.openxmlformats.org/officeDocument/2006/relationships" xmlns:p="http://schemas.openxmlformats.org/presentationml/2006/main">
   <p:cSld>
     <p:spTree>
       <p:nvGrpSpPr>
-        <p:cNvPr id="144" name="Shape 144"/>
+        <p:cNvPr id="1" name="Shape 144"/>
         <p:cNvGrpSpPr/>
         <p:nvPr/>
       </p:nvGrpSpPr>
@@ -8419,7 +8527,9 @@
       <p:sp>
         <p:nvSpPr>
           <p:cNvPr id="145" name="Google Shape;145;p22"/>
-          <p:cNvSpPr txBox="1"/>
+          <p:cNvSpPr txBox="1">
+            <a:spLocks noGrp="1"/>
+          </p:cNvSpPr>
           <p:nvPr>
             <p:ph type="title"/>
           </p:nvPr>
@@ -8434,12 +8544,12 @@
           </a:prstGeom>
         </p:spPr>
         <p:txBody>
-          <a:bodyPr anchorCtr="0" anchor="t" bIns="91425" lIns="91425" spcFirstLastPara="1" rIns="91425" wrap="square" tIns="91425">
+          <a:bodyPr spcFirstLastPara="1" wrap="square" lIns="91425" tIns="91425" rIns="91425" bIns="91425" anchor="t" anchorCtr="0">
             <a:normAutofit fontScale="90000"/>
           </a:bodyPr>
           <a:lstStyle/>
           <a:p>
-            <a:pPr indent="0" lvl="0" marL="0" rtl="0" algn="l">
+            <a:pPr marL="0" lvl="0" indent="0" algn="l" rtl="0">
               <a:spcBef>
                 <a:spcPts val="0"/>
               </a:spcBef>
@@ -8459,9 +8569,11 @@
       <p:sp>
         <p:nvSpPr>
           <p:cNvPr id="146" name="Google Shape;146;p22"/>
-          <p:cNvSpPr txBox="1"/>
+          <p:cNvSpPr txBox="1">
+            <a:spLocks noGrp="1"/>
+          </p:cNvSpPr>
           <p:nvPr>
-            <p:ph idx="1" type="body"/>
+            <p:ph type="body" idx="1"/>
           </p:nvPr>
         </p:nvSpPr>
         <p:spPr>
@@ -8474,12 +8586,12 @@
           </a:prstGeom>
         </p:spPr>
         <p:txBody>
-          <a:bodyPr anchorCtr="0" anchor="t" bIns="91425" lIns="91425" spcFirstLastPara="1" rIns="91425" wrap="square" tIns="91425">
+          <a:bodyPr spcFirstLastPara="1" wrap="square" lIns="91425" tIns="91425" rIns="91425" bIns="91425" anchor="t" anchorCtr="0">
             <a:normAutofit/>
           </a:bodyPr>
           <a:lstStyle/>
           <a:p>
-            <a:pPr indent="0" lvl="0" marL="0" rtl="0" algn="l">
+            <a:pPr marL="0" lvl="0" indent="0" algn="l" rtl="0">
               <a:spcBef>
                 <a:spcPts val="0"/>
               </a:spcBef>
@@ -8488,9 +8600,6 @@
               </a:spcAft>
               <a:buNone/>
             </a:pPr>
-            <a:r>
-              <a:t/>
-            </a:r>
             <a:endParaRPr/>
           </a:p>
         </p:txBody>
@@ -8532,11 +8641,11 @@
 </file>
 
 <file path=ppt/slides/slide11.xml><?xml version="1.0" encoding="utf-8"?>
-<p:sld xmlns:a="http://schemas.openxmlformats.org/drawingml/2006/main" xmlns:r="http://schemas.openxmlformats.org/officeDocument/2006/relationships" xmlns:mc="http://schemas.openxmlformats.org/markup-compatibility/2006" xmlns:mv="urn:schemas-microsoft-com:mac:vml" xmlns:p="http://schemas.openxmlformats.org/presentationml/2006/main" xmlns:c="http://schemas.openxmlformats.org/drawingml/2006/chart" xmlns:dgm="http://schemas.openxmlformats.org/drawingml/2006/diagram" xmlns:o="urn:schemas-microsoft-com:office:office" xmlns:v="urn:schemas-microsoft-com:vml" xmlns:pvml="urn:schemas-microsoft-com:office:powerpoint" xmlns:com="http://schemas.openxmlformats.org/drawingml/2006/compatibility" xmlns:p14="http://schemas.microsoft.com/office/powerpoint/2010/main" xmlns:p15="http://schemas.microsoft.com/office/powerpoint/2012/main" xmlns:ahyp="http://schemas.microsoft.com/office/drawing/2018/hyperlinkcolor">
+<p:sld xmlns:a="http://schemas.openxmlformats.org/drawingml/2006/main" xmlns:r="http://schemas.openxmlformats.org/officeDocument/2006/relationships" xmlns:p="http://schemas.openxmlformats.org/presentationml/2006/main">
   <p:cSld>
     <p:spTree>
       <p:nvGrpSpPr>
-        <p:cNvPr id="151" name="Shape 151"/>
+        <p:cNvPr id="1" name="Shape 151"/>
         <p:cNvGrpSpPr/>
         <p:nvPr/>
       </p:nvGrpSpPr>
@@ -8551,7 +8660,9 @@
       <p:sp>
         <p:nvSpPr>
           <p:cNvPr id="152" name="Google Shape;152;p23"/>
-          <p:cNvSpPr txBox="1"/>
+          <p:cNvSpPr txBox="1">
+            <a:spLocks noGrp="1"/>
+          </p:cNvSpPr>
           <p:nvPr>
             <p:ph type="title"/>
           </p:nvPr>
@@ -8566,12 +8677,12 @@
           </a:prstGeom>
         </p:spPr>
         <p:txBody>
-          <a:bodyPr anchorCtr="0" anchor="t" bIns="91425" lIns="91425" spcFirstLastPara="1" rIns="91425" wrap="square" tIns="91425">
+          <a:bodyPr spcFirstLastPara="1" wrap="square" lIns="91425" tIns="91425" rIns="91425" bIns="91425" anchor="t" anchorCtr="0">
             <a:normAutofit fontScale="90000"/>
           </a:bodyPr>
           <a:lstStyle/>
           <a:p>
-            <a:pPr indent="0" lvl="0" marL="0" rtl="0" algn="l">
+            <a:pPr marL="0" lvl="0" indent="0" algn="l" rtl="0">
               <a:spcBef>
                 <a:spcPts val="0"/>
               </a:spcBef>
@@ -8591,9 +8702,11 @@
       <p:sp>
         <p:nvSpPr>
           <p:cNvPr id="153" name="Google Shape;153;p23"/>
-          <p:cNvSpPr txBox="1"/>
+          <p:cNvSpPr txBox="1">
+            <a:spLocks noGrp="1"/>
+          </p:cNvSpPr>
           <p:nvPr>
-            <p:ph idx="1" type="body"/>
+            <p:ph type="body" idx="1"/>
           </p:nvPr>
         </p:nvSpPr>
         <p:spPr>
@@ -8606,12 +8719,12 @@
           </a:prstGeom>
         </p:spPr>
         <p:txBody>
-          <a:bodyPr anchorCtr="0" anchor="t" bIns="91425" lIns="91425" spcFirstLastPara="1" rIns="91425" wrap="square" tIns="91425">
+          <a:bodyPr spcFirstLastPara="1" wrap="square" lIns="91425" tIns="91425" rIns="91425" bIns="91425" anchor="t" anchorCtr="0">
             <a:normAutofit/>
           </a:bodyPr>
           <a:lstStyle/>
           <a:p>
-            <a:pPr indent="0" lvl="0" marL="0" rtl="0" algn="l">
+            <a:pPr marL="0" lvl="0" indent="0" algn="l" rtl="0">
               <a:spcBef>
                 <a:spcPts val="0"/>
               </a:spcBef>
@@ -8620,9 +8733,6 @@
               </a:spcAft>
               <a:buNone/>
             </a:pPr>
-            <a:r>
-              <a:t/>
-            </a:r>
             <a:endParaRPr/>
           </a:p>
         </p:txBody>
@@ -8664,11 +8774,11 @@
 </file>
 
 <file path=ppt/slides/slide12.xml><?xml version="1.0" encoding="utf-8"?>
-<p:sld xmlns:a="http://schemas.openxmlformats.org/drawingml/2006/main" xmlns:r="http://schemas.openxmlformats.org/officeDocument/2006/relationships" xmlns:mc="http://schemas.openxmlformats.org/markup-compatibility/2006" xmlns:mv="urn:schemas-microsoft-com:mac:vml" xmlns:p="http://schemas.openxmlformats.org/presentationml/2006/main" xmlns:c="http://schemas.openxmlformats.org/drawingml/2006/chart" xmlns:dgm="http://schemas.openxmlformats.org/drawingml/2006/diagram" xmlns:o="urn:schemas-microsoft-com:office:office" xmlns:v="urn:schemas-microsoft-com:vml" xmlns:pvml="urn:schemas-microsoft-com:office:powerpoint" xmlns:com="http://schemas.openxmlformats.org/drawingml/2006/compatibility" xmlns:p14="http://schemas.microsoft.com/office/powerpoint/2010/main" xmlns:p15="http://schemas.microsoft.com/office/powerpoint/2012/main" xmlns:ahyp="http://schemas.microsoft.com/office/drawing/2018/hyperlinkcolor">
+<p:sld xmlns:a="http://schemas.openxmlformats.org/drawingml/2006/main" xmlns:r="http://schemas.openxmlformats.org/officeDocument/2006/relationships" xmlns:p="http://schemas.openxmlformats.org/presentationml/2006/main">
   <p:cSld>
     <p:spTree>
       <p:nvGrpSpPr>
-        <p:cNvPr id="158" name="Shape 158"/>
+        <p:cNvPr id="1" name="Shape 158"/>
         <p:cNvGrpSpPr/>
         <p:nvPr/>
       </p:nvGrpSpPr>
@@ -8683,7 +8793,9 @@
       <p:sp>
         <p:nvSpPr>
           <p:cNvPr id="159" name="Google Shape;159;p24"/>
-          <p:cNvSpPr txBox="1"/>
+          <p:cNvSpPr txBox="1">
+            <a:spLocks noGrp="1"/>
+          </p:cNvSpPr>
           <p:nvPr>
             <p:ph type="title"/>
           </p:nvPr>
@@ -8698,12 +8810,12 @@
           </a:prstGeom>
         </p:spPr>
         <p:txBody>
-          <a:bodyPr anchorCtr="0" anchor="t" bIns="91425" lIns="91425" spcFirstLastPara="1" rIns="91425" wrap="square" tIns="91425">
+          <a:bodyPr spcFirstLastPara="1" wrap="square" lIns="91425" tIns="91425" rIns="91425" bIns="91425" anchor="t" anchorCtr="0">
             <a:normAutofit fontScale="90000"/>
           </a:bodyPr>
           <a:lstStyle/>
           <a:p>
-            <a:pPr indent="0" lvl="0" marL="0" rtl="0" algn="l">
+            <a:pPr marL="0" lvl="0" indent="0" algn="l" rtl="0">
               <a:spcBef>
                 <a:spcPts val="0"/>
               </a:spcBef>
@@ -8723,9 +8835,11 @@
       <p:sp>
         <p:nvSpPr>
           <p:cNvPr id="160" name="Google Shape;160;p24"/>
-          <p:cNvSpPr txBox="1"/>
+          <p:cNvSpPr txBox="1">
+            <a:spLocks noGrp="1"/>
+          </p:cNvSpPr>
           <p:nvPr>
-            <p:ph idx="1" type="body"/>
+            <p:ph type="body" idx="1"/>
           </p:nvPr>
         </p:nvSpPr>
         <p:spPr>
@@ -8738,12 +8852,12 @@
           </a:prstGeom>
         </p:spPr>
         <p:txBody>
-          <a:bodyPr anchorCtr="0" anchor="t" bIns="91425" lIns="91425" spcFirstLastPara="1" rIns="91425" wrap="square" tIns="91425">
+          <a:bodyPr spcFirstLastPara="1" wrap="square" lIns="91425" tIns="91425" rIns="91425" bIns="91425" anchor="t" anchorCtr="0">
             <a:normAutofit/>
           </a:bodyPr>
           <a:lstStyle/>
           <a:p>
-            <a:pPr indent="0" lvl="0" marL="0" rtl="0" algn="l">
+            <a:pPr marL="0" lvl="0" indent="0" algn="l" rtl="0">
               <a:spcBef>
                 <a:spcPts val="0"/>
               </a:spcBef>
@@ -8752,9 +8866,6 @@
               </a:spcAft>
               <a:buNone/>
             </a:pPr>
-            <a:r>
-              <a:t/>
-            </a:r>
             <a:endParaRPr/>
           </a:p>
         </p:txBody>
@@ -8796,11 +8907,11 @@
 </file>
 
 <file path=ppt/slides/slide2.xml><?xml version="1.0" encoding="utf-8"?>
-<p:sld xmlns:a="http://schemas.openxmlformats.org/drawingml/2006/main" xmlns:r="http://schemas.openxmlformats.org/officeDocument/2006/relationships" xmlns:mc="http://schemas.openxmlformats.org/markup-compatibility/2006" xmlns:mv="urn:schemas-microsoft-com:mac:vml" xmlns:p="http://schemas.openxmlformats.org/presentationml/2006/main" xmlns:c="http://schemas.openxmlformats.org/drawingml/2006/chart" xmlns:dgm="http://schemas.openxmlformats.org/drawingml/2006/diagram" xmlns:o="urn:schemas-microsoft-com:office:office" xmlns:v="urn:schemas-microsoft-com:vml" xmlns:pvml="urn:schemas-microsoft-com:office:powerpoint" xmlns:com="http://schemas.openxmlformats.org/drawingml/2006/compatibility" xmlns:p14="http://schemas.microsoft.com/office/powerpoint/2010/main" xmlns:p15="http://schemas.microsoft.com/office/powerpoint/2012/main" xmlns:ahyp="http://schemas.microsoft.com/office/drawing/2018/hyperlinkcolor">
+<p:sld xmlns:a="http://schemas.openxmlformats.org/drawingml/2006/main" xmlns:r="http://schemas.openxmlformats.org/officeDocument/2006/relationships" xmlns:p="http://schemas.openxmlformats.org/presentationml/2006/main">
   <p:cSld>
     <p:spTree>
       <p:nvGrpSpPr>
-        <p:cNvPr id="91" name="Shape 91"/>
+        <p:cNvPr id="1" name="Shape 91"/>
         <p:cNvGrpSpPr/>
         <p:nvPr/>
       </p:nvGrpSpPr>
@@ -8815,7 +8926,9 @@
       <p:sp>
         <p:nvSpPr>
           <p:cNvPr id="92" name="Google Shape;92;p14"/>
-          <p:cNvSpPr txBox="1"/>
+          <p:cNvSpPr txBox="1">
+            <a:spLocks noGrp="1"/>
+          </p:cNvSpPr>
           <p:nvPr>
             <p:ph type="title"/>
           </p:nvPr>
@@ -8830,12 +8943,12 @@
           </a:prstGeom>
         </p:spPr>
         <p:txBody>
-          <a:bodyPr anchorCtr="0" anchor="t" bIns="91425" lIns="91425" spcFirstLastPara="1" rIns="91425" wrap="square" tIns="91425">
+          <a:bodyPr spcFirstLastPara="1" wrap="square" lIns="91425" tIns="91425" rIns="91425" bIns="91425" anchor="t" anchorCtr="0">
             <a:normAutofit fontScale="90000"/>
           </a:bodyPr>
           <a:lstStyle/>
           <a:p>
-            <a:pPr indent="0" lvl="0" marL="0" rtl="0" algn="l">
+            <a:pPr marL="0" lvl="0" indent="0" algn="l" rtl="0">
               <a:lnSpc>
                 <a:spcPct val="115000"/>
               </a:lnSpc>
@@ -8870,7 +8983,7 @@
             </a:endParaRPr>
           </a:p>
           <a:p>
-            <a:pPr indent="0" lvl="0" marL="0" rtl="0" algn="l">
+            <a:pPr marL="0" lvl="0" indent="0" algn="l" rtl="0">
               <a:spcBef>
                 <a:spcPts val="1200"/>
               </a:spcBef>
@@ -8879,9 +8992,6 @@
               </a:spcAft>
               <a:buNone/>
             </a:pPr>
-            <a:r>
-              <a:t/>
-            </a:r>
             <a:endParaRPr/>
           </a:p>
         </p:txBody>
@@ -8889,9 +8999,11 @@
       <p:sp>
         <p:nvSpPr>
           <p:cNvPr id="93" name="Google Shape;93;p14"/>
-          <p:cNvSpPr txBox="1"/>
+          <p:cNvSpPr txBox="1">
+            <a:spLocks noGrp="1"/>
+          </p:cNvSpPr>
           <p:nvPr>
-            <p:ph idx="1" type="body"/>
+            <p:ph type="body" idx="1"/>
           </p:nvPr>
         </p:nvSpPr>
         <p:spPr>
@@ -8904,12 +9016,12 @@
           </a:prstGeom>
         </p:spPr>
         <p:txBody>
-          <a:bodyPr anchorCtr="0" anchor="t" bIns="91425" lIns="91425" spcFirstLastPara="1" rIns="91425" wrap="square" tIns="91425">
+          <a:bodyPr spcFirstLastPara="1" wrap="square" lIns="91425" tIns="91425" rIns="91425" bIns="91425" anchor="t" anchorCtr="0">
             <a:noAutofit/>
           </a:bodyPr>
           <a:lstStyle/>
           <a:p>
-            <a:pPr indent="0" lvl="0" marL="0" rtl="0" algn="l">
+            <a:pPr marL="0" lvl="0" indent="0" algn="l" rtl="0">
               <a:lnSpc>
                 <a:spcPct val="95000"/>
               </a:lnSpc>
@@ -8923,7 +9035,7 @@
               <a:buNone/>
             </a:pPr>
             <a:r>
-              <a:rPr b="1" lang="en-GB" sz="1452">
+              <a:rPr lang="en-GB" sz="1452" b="1">
                 <a:solidFill>
                   <a:srgbClr val="000000"/>
                 </a:solidFill>
@@ -8934,7 +9046,7 @@
               </a:rPr>
               <a:t>Objective:</a:t>
             </a:r>
-            <a:endParaRPr b="1" sz="1452">
+            <a:endParaRPr sz="1452" b="1">
               <a:solidFill>
                 <a:srgbClr val="000000"/>
               </a:solidFill>
@@ -8945,7 +9057,7 @@
             </a:endParaRPr>
           </a:p>
           <a:p>
-            <a:pPr indent="0" lvl="0" marL="0" rtl="0" algn="l">
+            <a:pPr marL="0" lvl="0" indent="0" algn="l" rtl="0">
               <a:lnSpc>
                 <a:spcPct val="95000"/>
               </a:lnSpc>
@@ -8981,7 +9093,7 @@
             </a:endParaRPr>
           </a:p>
           <a:p>
-            <a:pPr indent="0" lvl="0" marL="0" rtl="0" algn="l">
+            <a:pPr marL="0" lvl="0" indent="0" algn="l" rtl="0">
               <a:lnSpc>
                 <a:spcPct val="95000"/>
               </a:lnSpc>
@@ -9017,7 +9129,7 @@
             </a:endParaRPr>
           </a:p>
           <a:p>
-            <a:pPr indent="0" lvl="0" marL="0" rtl="0" algn="l">
+            <a:pPr marL="0" lvl="0" indent="0" algn="l" rtl="0">
               <a:lnSpc>
                 <a:spcPct val="95000"/>
               </a:lnSpc>
@@ -9031,7 +9143,7 @@
               <a:buNone/>
             </a:pPr>
             <a:r>
-              <a:rPr b="1" lang="en-GB" sz="1452">
+              <a:rPr lang="en-GB" sz="1452" b="1">
                 <a:solidFill>
                   <a:srgbClr val="000000"/>
                 </a:solidFill>
@@ -9042,7 +9154,7 @@
               </a:rPr>
               <a:t>Key Features:</a:t>
             </a:r>
-            <a:endParaRPr b="1" sz="1452">
+            <a:endParaRPr sz="1452" b="1">
               <a:solidFill>
                 <a:srgbClr val="000000"/>
               </a:solidFill>
@@ -9053,7 +9165,7 @@
             </a:endParaRPr>
           </a:p>
           <a:p>
-            <a:pPr indent="0" lvl="0" marL="0" rtl="0" algn="l">
+            <a:pPr marL="0" lvl="0" indent="0" algn="l" rtl="0">
               <a:lnSpc>
                 <a:spcPct val="95000"/>
               </a:lnSpc>
@@ -9089,7 +9201,7 @@
             </a:endParaRPr>
           </a:p>
           <a:p>
-            <a:pPr indent="0" lvl="0" marL="0" rtl="0" algn="l">
+            <a:pPr marL="0" lvl="0" indent="0" algn="l" rtl="0">
               <a:lnSpc>
                 <a:spcPct val="95000"/>
               </a:lnSpc>
@@ -9125,7 +9237,7 @@
             </a:endParaRPr>
           </a:p>
           <a:p>
-            <a:pPr indent="0" lvl="0" marL="0" rtl="0" algn="l">
+            <a:pPr marL="0" lvl="0" indent="0" algn="l" rtl="0">
               <a:lnSpc>
                 <a:spcPct val="95000"/>
               </a:lnSpc>
@@ -9161,7 +9273,7 @@
             </a:endParaRPr>
           </a:p>
           <a:p>
-            <a:pPr indent="0" lvl="0" marL="0" rtl="0" algn="l">
+            <a:pPr marL="0" lvl="0" indent="0" algn="l" rtl="0">
               <a:lnSpc>
                 <a:spcPct val="95000"/>
               </a:lnSpc>
@@ -9174,9 +9286,6 @@
               <a:buSzPts val="852"/>
               <a:buNone/>
             </a:pPr>
-            <a:r>
-              <a:t/>
-            </a:r>
             <a:endParaRPr sz="1607"/>
           </a:p>
         </p:txBody>
@@ -9190,11 +9299,11 @@
 </file>
 
 <file path=ppt/slides/slide3.xml><?xml version="1.0" encoding="utf-8"?>
-<p:sld xmlns:a="http://schemas.openxmlformats.org/drawingml/2006/main" xmlns:r="http://schemas.openxmlformats.org/officeDocument/2006/relationships" xmlns:mc="http://schemas.openxmlformats.org/markup-compatibility/2006" xmlns:mv="urn:schemas-microsoft-com:mac:vml" xmlns:p="http://schemas.openxmlformats.org/presentationml/2006/main" xmlns:c="http://schemas.openxmlformats.org/drawingml/2006/chart" xmlns:dgm="http://schemas.openxmlformats.org/drawingml/2006/diagram" xmlns:o="urn:schemas-microsoft-com:office:office" xmlns:v="urn:schemas-microsoft-com:vml" xmlns:pvml="urn:schemas-microsoft-com:office:powerpoint" xmlns:com="http://schemas.openxmlformats.org/drawingml/2006/compatibility" xmlns:p14="http://schemas.microsoft.com/office/powerpoint/2010/main" xmlns:p15="http://schemas.microsoft.com/office/powerpoint/2012/main" xmlns:ahyp="http://schemas.microsoft.com/office/drawing/2018/hyperlinkcolor">
+<p:sld xmlns:a="http://schemas.openxmlformats.org/drawingml/2006/main" xmlns:r="http://schemas.openxmlformats.org/officeDocument/2006/relationships" xmlns:p="http://schemas.openxmlformats.org/presentationml/2006/main">
   <p:cSld>
     <p:spTree>
       <p:nvGrpSpPr>
-        <p:cNvPr id="97" name="Shape 97"/>
+        <p:cNvPr id="1" name="Shape 97"/>
         <p:cNvGrpSpPr/>
         <p:nvPr/>
       </p:nvGrpSpPr>
@@ -9209,7 +9318,9 @@
       <p:sp>
         <p:nvSpPr>
           <p:cNvPr id="98" name="Google Shape;98;p15"/>
-          <p:cNvSpPr txBox="1"/>
+          <p:cNvSpPr txBox="1">
+            <a:spLocks noGrp="1"/>
+          </p:cNvSpPr>
           <p:nvPr>
             <p:ph type="title"/>
           </p:nvPr>
@@ -9224,12 +9335,12 @@
           </a:prstGeom>
         </p:spPr>
         <p:txBody>
-          <a:bodyPr anchorCtr="0" anchor="t" bIns="91425" lIns="91425" spcFirstLastPara="1" rIns="91425" wrap="square" tIns="91425">
+          <a:bodyPr spcFirstLastPara="1" wrap="square" lIns="91425" tIns="91425" rIns="91425" bIns="91425" anchor="t" anchorCtr="0">
             <a:noAutofit/>
           </a:bodyPr>
           <a:lstStyle/>
           <a:p>
-            <a:pPr indent="0" lvl="0" marL="0" rtl="0" algn="l">
+            <a:pPr marL="0" lvl="0" indent="0" algn="l" rtl="0">
               <a:lnSpc>
                 <a:spcPct val="115000"/>
               </a:lnSpc>
@@ -9265,7 +9376,7 @@
             </a:endParaRPr>
           </a:p>
           <a:p>
-            <a:pPr indent="0" lvl="0" marL="0" rtl="0" algn="l">
+            <a:pPr marL="0" lvl="0" indent="0" algn="l" rtl="0">
               <a:spcBef>
                 <a:spcPts val="1200"/>
               </a:spcBef>
@@ -9275,52 +9386,40 @@
               <a:buSzPts val="990"/>
               <a:buNone/>
             </a:pPr>
-            <a:r>
-              <a:t/>
-            </a:r>
             <a:endParaRPr sz="2840"/>
           </a:p>
         </p:txBody>
       </p:sp>
-      <p:sp>
-        <p:nvSpPr>
-          <p:cNvPr id="99" name="Google Shape;99;p15"/>
-          <p:cNvSpPr txBox="1"/>
-          <p:nvPr>
-            <p:ph idx="1" type="body"/>
-          </p:nvPr>
-        </p:nvSpPr>
+      <p:pic>
+        <p:nvPicPr>
+          <p:cNvPr id="3" name="Picture 2">
+            <a:extLst>
+              <a:ext uri="{FF2B5EF4-FFF2-40B4-BE49-F238E27FC236}">
+                <a16:creationId xmlns:a16="http://schemas.microsoft.com/office/drawing/2014/main" id="{03A36075-137A-3416-26FD-B9DE86DECF57}"/>
+              </a:ext>
+            </a:extLst>
+          </p:cNvPr>
+          <p:cNvPicPr>
+            <a:picLocks noChangeAspect="1"/>
+          </p:cNvPicPr>
+          <p:nvPr/>
+        </p:nvPicPr>
+        <p:blipFill>
+          <a:blip r:embed="rId3"/>
+          <a:stretch>
+            <a:fillRect/>
+          </a:stretch>
+        </p:blipFill>
         <p:spPr>
           <a:xfrm>
-            <a:off x="729450" y="1338875"/>
-            <a:ext cx="7688700" cy="3001200"/>
+            <a:off x="778670" y="1496038"/>
+            <a:ext cx="6807993" cy="3197406"/>
           </a:xfrm>
           <a:prstGeom prst="rect">
             <a:avLst/>
           </a:prstGeom>
         </p:spPr>
-        <p:txBody>
-          <a:bodyPr anchorCtr="0" anchor="t" bIns="91425" lIns="91425" spcFirstLastPara="1" rIns="91425" wrap="square" tIns="91425">
-            <a:normAutofit/>
-          </a:bodyPr>
-          <a:lstStyle/>
-          <a:p>
-            <a:pPr indent="0" lvl="0" marL="0" rtl="0" algn="l">
-              <a:spcBef>
-                <a:spcPts val="0"/>
-              </a:spcBef>
-              <a:spcAft>
-                <a:spcPts val="1200"/>
-              </a:spcAft>
-              <a:buNone/>
-            </a:pPr>
-            <a:r>
-              <a:t/>
-            </a:r>
-            <a:endParaRPr/>
-          </a:p>
-        </p:txBody>
-      </p:sp>
+      </p:pic>
     </p:spTree>
   </p:cSld>
   <p:clrMapOvr>
@@ -9330,11 +9429,11 @@
 </file>
 
 <file path=ppt/slides/slide4.xml><?xml version="1.0" encoding="utf-8"?>
-<p:sld xmlns:a="http://schemas.openxmlformats.org/drawingml/2006/main" xmlns:r="http://schemas.openxmlformats.org/officeDocument/2006/relationships" xmlns:mc="http://schemas.openxmlformats.org/markup-compatibility/2006" xmlns:mv="urn:schemas-microsoft-com:mac:vml" xmlns:p="http://schemas.openxmlformats.org/presentationml/2006/main" xmlns:c="http://schemas.openxmlformats.org/drawingml/2006/chart" xmlns:dgm="http://schemas.openxmlformats.org/drawingml/2006/diagram" xmlns:o="urn:schemas-microsoft-com:office:office" xmlns:v="urn:schemas-microsoft-com:vml" xmlns:pvml="urn:schemas-microsoft-com:office:powerpoint" xmlns:com="http://schemas.openxmlformats.org/drawingml/2006/compatibility" xmlns:p14="http://schemas.microsoft.com/office/powerpoint/2010/main" xmlns:p15="http://schemas.microsoft.com/office/powerpoint/2012/main" xmlns:ahyp="http://schemas.microsoft.com/office/drawing/2018/hyperlinkcolor">
+<p:sld xmlns:a="http://schemas.openxmlformats.org/drawingml/2006/main" xmlns:r="http://schemas.openxmlformats.org/officeDocument/2006/relationships" xmlns:p="http://schemas.openxmlformats.org/presentationml/2006/main">
   <p:cSld>
     <p:spTree>
       <p:nvGrpSpPr>
-        <p:cNvPr id="103" name="Shape 103"/>
+        <p:cNvPr id="1" name="Shape 103"/>
         <p:cNvGrpSpPr/>
         <p:nvPr/>
       </p:nvGrpSpPr>
@@ -9349,7 +9448,9 @@
       <p:sp>
         <p:nvSpPr>
           <p:cNvPr id="104" name="Google Shape;104;p16"/>
-          <p:cNvSpPr txBox="1"/>
+          <p:cNvSpPr txBox="1">
+            <a:spLocks noGrp="1"/>
+          </p:cNvSpPr>
           <p:nvPr>
             <p:ph type="title"/>
           </p:nvPr>
@@ -9364,12 +9465,12 @@
           </a:prstGeom>
         </p:spPr>
         <p:txBody>
-          <a:bodyPr anchorCtr="0" anchor="t" bIns="91425" lIns="91425" spcFirstLastPara="1" rIns="91425" wrap="square" tIns="91425">
+          <a:bodyPr spcFirstLastPara="1" wrap="square" lIns="91425" tIns="91425" rIns="91425" bIns="91425" anchor="t" anchorCtr="0">
             <a:normAutofit fontScale="90000"/>
           </a:bodyPr>
           <a:lstStyle/>
           <a:p>
-            <a:pPr indent="0" lvl="0" marL="0" rtl="0" algn="l">
+            <a:pPr marL="0" lvl="0" indent="0" algn="l" rtl="0">
               <a:spcBef>
                 <a:spcPts val="0"/>
               </a:spcBef>
@@ -9389,9 +9490,11 @@
       <p:sp>
         <p:nvSpPr>
           <p:cNvPr id="105" name="Google Shape;105;p16"/>
-          <p:cNvSpPr txBox="1"/>
+          <p:cNvSpPr txBox="1">
+            <a:spLocks noGrp="1"/>
+          </p:cNvSpPr>
           <p:nvPr>
-            <p:ph idx="1" type="body"/>
+            <p:ph type="body" idx="1"/>
           </p:nvPr>
         </p:nvSpPr>
         <p:spPr>
@@ -9404,12 +9507,12 @@
           </a:prstGeom>
         </p:spPr>
         <p:txBody>
-          <a:bodyPr anchorCtr="0" anchor="t" bIns="91425" lIns="91425" spcFirstLastPara="1" rIns="91425" wrap="square" tIns="91425">
-            <a:normAutofit fontScale="62500" lnSpcReduction="20000"/>
+          <a:bodyPr spcFirstLastPara="1" wrap="square" lIns="91425" tIns="91425" rIns="91425" bIns="91425" anchor="t" anchorCtr="0">
+            <a:normAutofit fontScale="55000" lnSpcReduction="20000"/>
           </a:bodyPr>
           <a:lstStyle/>
           <a:p>
-            <a:pPr indent="0" lvl="0" marL="0" rtl="0" algn="l">
+            <a:pPr marL="0" lvl="0" indent="0" algn="l" rtl="0">
               <a:spcBef>
                 <a:spcPts val="1200"/>
               </a:spcBef>
@@ -9419,7 +9522,7 @@
               <a:buNone/>
             </a:pPr>
             <a:r>
-              <a:rPr b="1" lang="en-GB" sz="2367">
+              <a:rPr lang="en-GB" sz="2367" b="1">
                 <a:solidFill>
                   <a:srgbClr val="000000"/>
                 </a:solidFill>
@@ -9453,7 +9556,7 @@
             </a:endParaRPr>
           </a:p>
           <a:p>
-            <a:pPr indent="0" lvl="0" marL="0" rtl="0" algn="l">
+            <a:pPr marL="0" lvl="0" indent="0" algn="l" rtl="0">
               <a:spcBef>
                 <a:spcPts val="1200"/>
               </a:spcBef>
@@ -9463,7 +9566,7 @@
               <a:buNone/>
             </a:pPr>
             <a:r>
-              <a:rPr b="1" lang="en-GB" sz="2367">
+              <a:rPr lang="en-GB" sz="2367" b="1">
                 <a:solidFill>
                   <a:srgbClr val="000000"/>
                 </a:solidFill>
@@ -9497,7 +9600,7 @@
             </a:endParaRPr>
           </a:p>
           <a:p>
-            <a:pPr indent="0" lvl="0" marL="0" rtl="0" algn="l">
+            <a:pPr marL="0" lvl="0" indent="0" algn="l" rtl="0">
               <a:spcBef>
                 <a:spcPts val="1200"/>
               </a:spcBef>
@@ -9507,7 +9610,7 @@
               <a:buNone/>
             </a:pPr>
             <a:r>
-              <a:rPr b="1" lang="en-GB" sz="2367">
+              <a:rPr lang="en-GB" sz="2367" b="1">
                 <a:solidFill>
                   <a:srgbClr val="000000"/>
                 </a:solidFill>
@@ -9518,7 +9621,7 @@
               </a:rPr>
               <a:t>AI Models Used:</a:t>
             </a:r>
-            <a:endParaRPr b="1" sz="2367">
+            <a:endParaRPr sz="2367" b="1">
               <a:solidFill>
                 <a:srgbClr val="000000"/>
               </a:solidFill>
@@ -9529,7 +9632,7 @@
             </a:endParaRPr>
           </a:p>
           <a:p>
-            <a:pPr indent="0" lvl="0" marL="0" rtl="0" algn="l">
+            <a:pPr marL="0" lvl="0" indent="0" algn="l" rtl="0">
               <a:spcBef>
                 <a:spcPts val="1200"/>
               </a:spcBef>
@@ -9551,7 +9654,7 @@
               <a:t>	•	</a:t>
             </a:r>
             <a:r>
-              <a:rPr b="1" lang="en-GB" sz="2367">
+              <a:rPr lang="en-GB" sz="2367" b="1">
                 <a:solidFill>
                   <a:srgbClr val="000000"/>
                 </a:solidFill>
@@ -9585,7 +9688,7 @@
             </a:endParaRPr>
           </a:p>
           <a:p>
-            <a:pPr indent="0" lvl="0" marL="0" rtl="0" algn="l">
+            <a:pPr marL="0" lvl="0" indent="0" algn="l" rtl="0">
               <a:spcBef>
                 <a:spcPts val="1200"/>
               </a:spcBef>
@@ -9607,7 +9710,7 @@
               <a:t>	•	</a:t>
             </a:r>
             <a:r>
-              <a:rPr b="1" lang="en-GB" sz="2367">
+              <a:rPr lang="en-GB" sz="2367" b="1">
                 <a:solidFill>
                   <a:srgbClr val="000000"/>
                 </a:solidFill>
@@ -9641,7 +9744,7 @@
             </a:endParaRPr>
           </a:p>
           <a:p>
-            <a:pPr indent="0" lvl="0" marL="0" rtl="0" algn="l">
+            <a:pPr marL="0" lvl="0" indent="0" algn="l" rtl="0">
               <a:spcBef>
                 <a:spcPts val="1200"/>
               </a:spcBef>
@@ -9663,7 +9766,7 @@
               <a:t>	•	</a:t>
             </a:r>
             <a:r>
-              <a:rPr b="1" lang="en-GB" sz="2367">
+              <a:rPr lang="en-GB" sz="2367" b="1">
                 <a:solidFill>
                   <a:srgbClr val="000000"/>
                 </a:solidFill>
@@ -9697,7 +9800,7 @@
             </a:endParaRPr>
           </a:p>
           <a:p>
-            <a:pPr indent="0" lvl="0" marL="0" rtl="0" algn="l">
+            <a:pPr marL="0" lvl="0" indent="0" algn="l" rtl="0">
               <a:spcBef>
                 <a:spcPts val="1200"/>
               </a:spcBef>
@@ -9719,7 +9822,7 @@
               <a:t>	•	</a:t>
             </a:r>
             <a:r>
-              <a:rPr b="1" lang="en-GB" sz="2367">
+              <a:rPr lang="en-GB" sz="2367" b="1">
                 <a:solidFill>
                   <a:srgbClr val="000000"/>
                 </a:solidFill>
@@ -9753,7 +9856,7 @@
             </a:endParaRPr>
           </a:p>
           <a:p>
-            <a:pPr indent="0" lvl="0" marL="0" rtl="0" algn="l">
+            <a:pPr marL="0" lvl="0" indent="0" algn="l" rtl="0">
               <a:spcBef>
                 <a:spcPts val="1200"/>
               </a:spcBef>
@@ -9775,7 +9878,7 @@
               <a:t>	•	</a:t>
             </a:r>
             <a:r>
-              <a:rPr b="1" lang="en-GB" sz="2367">
+              <a:rPr lang="en-GB" sz="2367" b="1">
                 <a:solidFill>
                   <a:srgbClr val="000000"/>
                 </a:solidFill>
@@ -9809,7 +9912,7 @@
             </a:endParaRPr>
           </a:p>
           <a:p>
-            <a:pPr indent="0" lvl="0" marL="0" rtl="0" algn="l">
+            <a:pPr marL="0" lvl="0" indent="0" algn="l" rtl="0">
               <a:spcBef>
                 <a:spcPts val="1200"/>
               </a:spcBef>
@@ -9818,9 +9921,6 @@
               </a:spcAft>
               <a:buNone/>
             </a:pPr>
-            <a:r>
-              <a:t/>
-            </a:r>
             <a:endParaRPr/>
           </a:p>
         </p:txBody>
@@ -9834,11 +9934,11 @@
 </file>
 
 <file path=ppt/slides/slide5.xml><?xml version="1.0" encoding="utf-8"?>
-<p:sld xmlns:a="http://schemas.openxmlformats.org/drawingml/2006/main" xmlns:r="http://schemas.openxmlformats.org/officeDocument/2006/relationships" xmlns:mc="http://schemas.openxmlformats.org/markup-compatibility/2006" xmlns:mv="urn:schemas-microsoft-com:mac:vml" xmlns:p="http://schemas.openxmlformats.org/presentationml/2006/main" xmlns:c="http://schemas.openxmlformats.org/drawingml/2006/chart" xmlns:dgm="http://schemas.openxmlformats.org/drawingml/2006/diagram" xmlns:o="urn:schemas-microsoft-com:office:office" xmlns:v="urn:schemas-microsoft-com:vml" xmlns:pvml="urn:schemas-microsoft-com:office:powerpoint" xmlns:com="http://schemas.openxmlformats.org/drawingml/2006/compatibility" xmlns:p14="http://schemas.microsoft.com/office/powerpoint/2010/main" xmlns:p15="http://schemas.microsoft.com/office/powerpoint/2012/main" xmlns:ahyp="http://schemas.microsoft.com/office/drawing/2018/hyperlinkcolor">
+<p:sld xmlns:a="http://schemas.openxmlformats.org/drawingml/2006/main" xmlns:r="http://schemas.openxmlformats.org/officeDocument/2006/relationships" xmlns:p="http://schemas.openxmlformats.org/presentationml/2006/main">
   <p:cSld>
     <p:spTree>
       <p:nvGrpSpPr>
-        <p:cNvPr id="109" name="Shape 109"/>
+        <p:cNvPr id="1" name="Shape 109"/>
         <p:cNvGrpSpPr/>
         <p:nvPr/>
       </p:nvGrpSpPr>
@@ -9853,7 +9953,9 @@
       <p:sp>
         <p:nvSpPr>
           <p:cNvPr id="110" name="Google Shape;110;p17"/>
-          <p:cNvSpPr txBox="1"/>
+          <p:cNvSpPr txBox="1">
+            <a:spLocks noGrp="1"/>
+          </p:cNvSpPr>
           <p:nvPr>
             <p:ph type="title"/>
           </p:nvPr>
@@ -9868,12 +9970,12 @@
           </a:prstGeom>
         </p:spPr>
         <p:txBody>
-          <a:bodyPr anchorCtr="0" anchor="t" bIns="91425" lIns="91425" spcFirstLastPara="1" rIns="91425" wrap="square" tIns="91425">
+          <a:bodyPr spcFirstLastPara="1" wrap="square" lIns="91425" tIns="91425" rIns="91425" bIns="91425" anchor="t" anchorCtr="0">
             <a:normAutofit fontScale="90000"/>
           </a:bodyPr>
           <a:lstStyle/>
           <a:p>
-            <a:pPr indent="0" lvl="0" marL="0" rtl="0" algn="l">
+            <a:pPr marL="0" lvl="0" indent="0" algn="l" rtl="0">
               <a:spcBef>
                 <a:spcPts val="0"/>
               </a:spcBef>
@@ -9884,11 +9986,7 @@
             </a:pPr>
             <a:r>
               <a:rPr lang="en-GB"/>
-              <a:t>Sequence</a:t>
-            </a:r>
-            <a:r>
-              <a:rPr lang="en-GB"/>
-              <a:t> Diagram (Banker Flow)</a:t>
+              <a:t>Sequence Diagram (Banker Flow)</a:t>
             </a:r>
             <a:endParaRPr/>
           </a:p>
@@ -9897,9 +9995,11 @@
       <p:sp>
         <p:nvSpPr>
           <p:cNvPr id="111" name="Google Shape;111;p17"/>
-          <p:cNvSpPr txBox="1"/>
+          <p:cNvSpPr txBox="1">
+            <a:spLocks noGrp="1"/>
+          </p:cNvSpPr>
           <p:nvPr>
-            <p:ph idx="1" type="body"/>
+            <p:ph type="body" idx="1"/>
           </p:nvPr>
         </p:nvSpPr>
         <p:spPr>
@@ -9912,12 +10012,12 @@
           </a:prstGeom>
         </p:spPr>
         <p:txBody>
-          <a:bodyPr anchorCtr="0" anchor="t" bIns="91425" lIns="91425" spcFirstLastPara="1" rIns="91425" wrap="square" tIns="91425">
+          <a:bodyPr spcFirstLastPara="1" wrap="square" lIns="91425" tIns="91425" rIns="91425" bIns="91425" anchor="t" anchorCtr="0">
             <a:normAutofit/>
           </a:bodyPr>
           <a:lstStyle/>
           <a:p>
-            <a:pPr indent="0" lvl="0" marL="0" rtl="0" algn="l">
+            <a:pPr marL="0" lvl="0" indent="0" algn="l" rtl="0">
               <a:spcBef>
                 <a:spcPts val="0"/>
               </a:spcBef>
@@ -9926,9 +10026,6 @@
               </a:spcAft>
               <a:buNone/>
             </a:pPr>
-            <a:r>
-              <a:t/>
-            </a:r>
             <a:endParaRPr/>
           </a:p>
         </p:txBody>
@@ -9970,11 +10067,11 @@
 </file>
 
 <file path=ppt/slides/slide6.xml><?xml version="1.0" encoding="utf-8"?>
-<p:sld xmlns:a="http://schemas.openxmlformats.org/drawingml/2006/main" xmlns:r="http://schemas.openxmlformats.org/officeDocument/2006/relationships" xmlns:mc="http://schemas.openxmlformats.org/markup-compatibility/2006" xmlns:mv="urn:schemas-microsoft-com:mac:vml" xmlns:p="http://schemas.openxmlformats.org/presentationml/2006/main" xmlns:c="http://schemas.openxmlformats.org/drawingml/2006/chart" xmlns:dgm="http://schemas.openxmlformats.org/drawingml/2006/diagram" xmlns:o="urn:schemas-microsoft-com:office:office" xmlns:v="urn:schemas-microsoft-com:vml" xmlns:pvml="urn:schemas-microsoft-com:office:powerpoint" xmlns:com="http://schemas.openxmlformats.org/drawingml/2006/compatibility" xmlns:p14="http://schemas.microsoft.com/office/powerpoint/2010/main" xmlns:p15="http://schemas.microsoft.com/office/powerpoint/2012/main" xmlns:ahyp="http://schemas.microsoft.com/office/drawing/2018/hyperlinkcolor">
+<p:sld xmlns:a="http://schemas.openxmlformats.org/drawingml/2006/main" xmlns:r="http://schemas.openxmlformats.org/officeDocument/2006/relationships" xmlns:p="http://schemas.openxmlformats.org/presentationml/2006/main">
   <p:cSld>
     <p:spTree>
       <p:nvGrpSpPr>
-        <p:cNvPr id="116" name="Shape 116"/>
+        <p:cNvPr id="1" name="Shape 116"/>
         <p:cNvGrpSpPr/>
         <p:nvPr/>
       </p:nvGrpSpPr>
@@ -9989,7 +10086,9 @@
       <p:sp>
         <p:nvSpPr>
           <p:cNvPr id="117" name="Google Shape;117;p18"/>
-          <p:cNvSpPr txBox="1"/>
+          <p:cNvSpPr txBox="1">
+            <a:spLocks noGrp="1"/>
+          </p:cNvSpPr>
           <p:nvPr>
             <p:ph type="title"/>
           </p:nvPr>
@@ -10004,12 +10103,12 @@
           </a:prstGeom>
         </p:spPr>
         <p:txBody>
-          <a:bodyPr anchorCtr="0" anchor="t" bIns="91425" lIns="91425" spcFirstLastPara="1" rIns="91425" wrap="square" tIns="91425">
+          <a:bodyPr spcFirstLastPara="1" wrap="square" lIns="91425" tIns="91425" rIns="91425" bIns="91425" anchor="t" anchorCtr="0">
             <a:normAutofit fontScale="90000"/>
           </a:bodyPr>
           <a:lstStyle/>
           <a:p>
-            <a:pPr indent="0" lvl="0" marL="0" rtl="0" algn="l">
+            <a:pPr marL="0" lvl="0" indent="0" algn="l" rtl="0">
               <a:spcBef>
                 <a:spcPts val="0"/>
               </a:spcBef>
@@ -10029,9 +10128,11 @@
       <p:sp>
         <p:nvSpPr>
           <p:cNvPr id="118" name="Google Shape;118;p18"/>
-          <p:cNvSpPr txBox="1"/>
+          <p:cNvSpPr txBox="1">
+            <a:spLocks noGrp="1"/>
+          </p:cNvSpPr>
           <p:nvPr>
-            <p:ph idx="1" type="body"/>
+            <p:ph type="body" idx="1"/>
           </p:nvPr>
         </p:nvSpPr>
         <p:spPr>
@@ -10044,12 +10145,12 @@
           </a:prstGeom>
         </p:spPr>
         <p:txBody>
-          <a:bodyPr anchorCtr="0" anchor="t" bIns="91425" lIns="91425" spcFirstLastPara="1" rIns="91425" wrap="square" tIns="91425">
+          <a:bodyPr spcFirstLastPara="1" wrap="square" lIns="91425" tIns="91425" rIns="91425" bIns="91425" anchor="t" anchorCtr="0">
             <a:normAutofit/>
           </a:bodyPr>
           <a:lstStyle/>
           <a:p>
-            <a:pPr indent="0" lvl="0" marL="0" rtl="0" algn="l">
+            <a:pPr marL="0" lvl="0" indent="0" algn="l" rtl="0">
               <a:spcBef>
                 <a:spcPts val="0"/>
               </a:spcBef>
@@ -10058,9 +10159,6 @@
               </a:spcAft>
               <a:buNone/>
             </a:pPr>
-            <a:r>
-              <a:t/>
-            </a:r>
             <a:endParaRPr/>
           </a:p>
         </p:txBody>
@@ -10102,11 +10200,11 @@
 </file>
 
 <file path=ppt/slides/slide7.xml><?xml version="1.0" encoding="utf-8"?>
-<p:sld xmlns:a="http://schemas.openxmlformats.org/drawingml/2006/main" xmlns:r="http://schemas.openxmlformats.org/officeDocument/2006/relationships" xmlns:mc="http://schemas.openxmlformats.org/markup-compatibility/2006" xmlns:mv="urn:schemas-microsoft-com:mac:vml" xmlns:p="http://schemas.openxmlformats.org/presentationml/2006/main" xmlns:c="http://schemas.openxmlformats.org/drawingml/2006/chart" xmlns:dgm="http://schemas.openxmlformats.org/drawingml/2006/diagram" xmlns:o="urn:schemas-microsoft-com:office:office" xmlns:v="urn:schemas-microsoft-com:vml" xmlns:pvml="urn:schemas-microsoft-com:office:powerpoint" xmlns:com="http://schemas.openxmlformats.org/drawingml/2006/compatibility" xmlns:p14="http://schemas.microsoft.com/office/powerpoint/2010/main" xmlns:p15="http://schemas.microsoft.com/office/powerpoint/2012/main" xmlns:ahyp="http://schemas.microsoft.com/office/drawing/2018/hyperlinkcolor">
+<p:sld xmlns:a="http://schemas.openxmlformats.org/drawingml/2006/main" xmlns:r="http://schemas.openxmlformats.org/officeDocument/2006/relationships" xmlns:p="http://schemas.openxmlformats.org/presentationml/2006/main">
   <p:cSld>
     <p:spTree>
       <p:nvGrpSpPr>
-        <p:cNvPr id="123" name="Shape 123"/>
+        <p:cNvPr id="1" name="Shape 123"/>
         <p:cNvGrpSpPr/>
         <p:nvPr/>
       </p:nvGrpSpPr>
@@ -10121,7 +10219,9 @@
       <p:sp>
         <p:nvSpPr>
           <p:cNvPr id="124" name="Google Shape;124;p19"/>
-          <p:cNvSpPr txBox="1"/>
+          <p:cNvSpPr txBox="1">
+            <a:spLocks noGrp="1"/>
+          </p:cNvSpPr>
           <p:nvPr>
             <p:ph type="title"/>
           </p:nvPr>
@@ -10136,12 +10236,12 @@
           </a:prstGeom>
         </p:spPr>
         <p:txBody>
-          <a:bodyPr anchorCtr="0" anchor="t" bIns="91425" lIns="91425" spcFirstLastPara="1" rIns="91425" wrap="square" tIns="91425">
+          <a:bodyPr spcFirstLastPara="1" wrap="square" lIns="91425" tIns="91425" rIns="91425" bIns="91425" anchor="t" anchorCtr="0">
             <a:normAutofit fontScale="90000"/>
           </a:bodyPr>
           <a:lstStyle/>
           <a:p>
-            <a:pPr indent="0" lvl="0" marL="0" rtl="0" algn="l">
+            <a:pPr marL="0" lvl="0" indent="0" algn="l" rtl="0">
               <a:spcBef>
                 <a:spcPts val="0"/>
               </a:spcBef>
@@ -10161,9 +10261,11 @@
       <p:sp>
         <p:nvSpPr>
           <p:cNvPr id="125" name="Google Shape;125;p19"/>
-          <p:cNvSpPr txBox="1"/>
+          <p:cNvSpPr txBox="1">
+            <a:spLocks noGrp="1"/>
+          </p:cNvSpPr>
           <p:nvPr>
-            <p:ph idx="1" type="body"/>
+            <p:ph type="body" idx="1"/>
           </p:nvPr>
         </p:nvSpPr>
         <p:spPr>
@@ -10176,12 +10278,12 @@
           </a:prstGeom>
         </p:spPr>
         <p:txBody>
-          <a:bodyPr anchorCtr="0" anchor="t" bIns="91425" lIns="91425" spcFirstLastPara="1" rIns="91425" wrap="square" tIns="91425">
+          <a:bodyPr spcFirstLastPara="1" wrap="square" lIns="91425" tIns="91425" rIns="91425" bIns="91425" anchor="t" anchorCtr="0">
             <a:normAutofit/>
           </a:bodyPr>
           <a:lstStyle/>
           <a:p>
-            <a:pPr indent="0" lvl="0" marL="0" rtl="0" algn="l">
+            <a:pPr marL="0" lvl="0" indent="0" algn="l" rtl="0">
               <a:spcBef>
                 <a:spcPts val="0"/>
               </a:spcBef>
@@ -10190,9 +10292,6 @@
               </a:spcAft>
               <a:buNone/>
             </a:pPr>
-            <a:r>
-              <a:t/>
-            </a:r>
             <a:endParaRPr/>
           </a:p>
         </p:txBody>
@@ -10234,11 +10333,11 @@
 </file>
 
 <file path=ppt/slides/slide8.xml><?xml version="1.0" encoding="utf-8"?>
-<p:sld xmlns:a="http://schemas.openxmlformats.org/drawingml/2006/main" xmlns:r="http://schemas.openxmlformats.org/officeDocument/2006/relationships" xmlns:mc="http://schemas.openxmlformats.org/markup-compatibility/2006" xmlns:mv="urn:schemas-microsoft-com:mac:vml" xmlns:p="http://schemas.openxmlformats.org/presentationml/2006/main" xmlns:c="http://schemas.openxmlformats.org/drawingml/2006/chart" xmlns:dgm="http://schemas.openxmlformats.org/drawingml/2006/diagram" xmlns:o="urn:schemas-microsoft-com:office:office" xmlns:v="urn:schemas-microsoft-com:vml" xmlns:pvml="urn:schemas-microsoft-com:office:powerpoint" xmlns:com="http://schemas.openxmlformats.org/drawingml/2006/compatibility" xmlns:p14="http://schemas.microsoft.com/office/powerpoint/2010/main" xmlns:p15="http://schemas.microsoft.com/office/powerpoint/2012/main" xmlns:ahyp="http://schemas.microsoft.com/office/drawing/2018/hyperlinkcolor">
+<p:sld xmlns:a="http://schemas.openxmlformats.org/drawingml/2006/main" xmlns:r="http://schemas.openxmlformats.org/officeDocument/2006/relationships" xmlns:p="http://schemas.openxmlformats.org/presentationml/2006/main">
   <p:cSld>
     <p:spTree>
       <p:nvGrpSpPr>
-        <p:cNvPr id="130" name="Shape 130"/>
+        <p:cNvPr id="1" name="Shape 130"/>
         <p:cNvGrpSpPr/>
         <p:nvPr/>
       </p:nvGrpSpPr>
@@ -10253,7 +10352,9 @@
       <p:sp>
         <p:nvSpPr>
           <p:cNvPr id="131" name="Google Shape;131;p20"/>
-          <p:cNvSpPr txBox="1"/>
+          <p:cNvSpPr txBox="1">
+            <a:spLocks noGrp="1"/>
+          </p:cNvSpPr>
           <p:nvPr>
             <p:ph type="title"/>
           </p:nvPr>
@@ -10268,12 +10369,12 @@
           </a:prstGeom>
         </p:spPr>
         <p:txBody>
-          <a:bodyPr anchorCtr="0" anchor="t" bIns="91425" lIns="91425" spcFirstLastPara="1" rIns="91425" wrap="square" tIns="91425">
+          <a:bodyPr spcFirstLastPara="1" wrap="square" lIns="91425" tIns="91425" rIns="91425" bIns="91425" anchor="t" anchorCtr="0">
             <a:normAutofit fontScale="90000"/>
           </a:bodyPr>
           <a:lstStyle/>
           <a:p>
-            <a:pPr indent="0" lvl="0" marL="0" rtl="0" algn="l">
+            <a:pPr marL="0" lvl="0" indent="0" algn="l" rtl="0">
               <a:spcBef>
                 <a:spcPts val="0"/>
               </a:spcBef>
@@ -10293,9 +10394,11 @@
       <p:sp>
         <p:nvSpPr>
           <p:cNvPr id="132" name="Google Shape;132;p20"/>
-          <p:cNvSpPr txBox="1"/>
+          <p:cNvSpPr txBox="1">
+            <a:spLocks noGrp="1"/>
+          </p:cNvSpPr>
           <p:nvPr>
-            <p:ph idx="1" type="body"/>
+            <p:ph type="body" idx="1"/>
           </p:nvPr>
         </p:nvSpPr>
         <p:spPr>
@@ -10308,12 +10411,12 @@
           </a:prstGeom>
         </p:spPr>
         <p:txBody>
-          <a:bodyPr anchorCtr="0" anchor="t" bIns="91425" lIns="91425" spcFirstLastPara="1" rIns="91425" wrap="square" tIns="91425">
+          <a:bodyPr spcFirstLastPara="1" wrap="square" lIns="91425" tIns="91425" rIns="91425" bIns="91425" anchor="t" anchorCtr="0">
             <a:normAutofit/>
           </a:bodyPr>
           <a:lstStyle/>
           <a:p>
-            <a:pPr indent="0" lvl="0" marL="0" rtl="0" algn="l">
+            <a:pPr marL="0" lvl="0" indent="0" algn="l" rtl="0">
               <a:spcBef>
                 <a:spcPts val="0"/>
               </a:spcBef>
@@ -10322,9 +10425,6 @@
               </a:spcAft>
               <a:buNone/>
             </a:pPr>
-            <a:r>
-              <a:t/>
-            </a:r>
             <a:endParaRPr/>
           </a:p>
         </p:txBody>
@@ -10366,11 +10466,11 @@
 </file>
 
 <file path=ppt/slides/slide9.xml><?xml version="1.0" encoding="utf-8"?>
-<p:sld xmlns:a="http://schemas.openxmlformats.org/drawingml/2006/main" xmlns:r="http://schemas.openxmlformats.org/officeDocument/2006/relationships" xmlns:mc="http://schemas.openxmlformats.org/markup-compatibility/2006" xmlns:mv="urn:schemas-microsoft-com:mac:vml" xmlns:p="http://schemas.openxmlformats.org/presentationml/2006/main" xmlns:c="http://schemas.openxmlformats.org/drawingml/2006/chart" xmlns:dgm="http://schemas.openxmlformats.org/drawingml/2006/diagram" xmlns:o="urn:schemas-microsoft-com:office:office" xmlns:v="urn:schemas-microsoft-com:vml" xmlns:pvml="urn:schemas-microsoft-com:office:powerpoint" xmlns:com="http://schemas.openxmlformats.org/drawingml/2006/compatibility" xmlns:p14="http://schemas.microsoft.com/office/powerpoint/2010/main" xmlns:p15="http://schemas.microsoft.com/office/powerpoint/2012/main" xmlns:ahyp="http://schemas.microsoft.com/office/drawing/2018/hyperlinkcolor">
+<p:sld xmlns:a="http://schemas.openxmlformats.org/drawingml/2006/main" xmlns:r="http://schemas.openxmlformats.org/officeDocument/2006/relationships" xmlns:p="http://schemas.openxmlformats.org/presentationml/2006/main">
   <p:cSld>
     <p:spTree>
       <p:nvGrpSpPr>
-        <p:cNvPr id="137" name="Shape 137"/>
+        <p:cNvPr id="1" name="Shape 137"/>
         <p:cNvGrpSpPr/>
         <p:nvPr/>
       </p:nvGrpSpPr>
@@ -10385,7 +10485,9 @@
       <p:sp>
         <p:nvSpPr>
           <p:cNvPr id="138" name="Google Shape;138;p21"/>
-          <p:cNvSpPr txBox="1"/>
+          <p:cNvSpPr txBox="1">
+            <a:spLocks noGrp="1"/>
+          </p:cNvSpPr>
           <p:nvPr>
             <p:ph type="title"/>
           </p:nvPr>
@@ -10400,12 +10502,12 @@
           </a:prstGeom>
         </p:spPr>
         <p:txBody>
-          <a:bodyPr anchorCtr="0" anchor="t" bIns="91425" lIns="91425" spcFirstLastPara="1" rIns="91425" wrap="square" tIns="91425">
+          <a:bodyPr spcFirstLastPara="1" wrap="square" lIns="91425" tIns="91425" rIns="91425" bIns="91425" anchor="t" anchorCtr="0">
             <a:normAutofit fontScale="90000"/>
           </a:bodyPr>
           <a:lstStyle/>
           <a:p>
-            <a:pPr indent="0" lvl="0" marL="0" rtl="0" algn="l">
+            <a:pPr marL="0" lvl="0" indent="0" algn="l" rtl="0">
               <a:spcBef>
                 <a:spcPts val="0"/>
               </a:spcBef>
@@ -10425,9 +10527,11 @@
       <p:sp>
         <p:nvSpPr>
           <p:cNvPr id="139" name="Google Shape;139;p21"/>
-          <p:cNvSpPr txBox="1"/>
+          <p:cNvSpPr txBox="1">
+            <a:spLocks noGrp="1"/>
+          </p:cNvSpPr>
           <p:nvPr>
-            <p:ph idx="1" type="body"/>
+            <p:ph type="body" idx="1"/>
           </p:nvPr>
         </p:nvSpPr>
         <p:spPr>
@@ -10440,12 +10544,12 @@
           </a:prstGeom>
         </p:spPr>
         <p:txBody>
-          <a:bodyPr anchorCtr="0" anchor="t" bIns="91425" lIns="91425" spcFirstLastPara="1" rIns="91425" wrap="square" tIns="91425">
+          <a:bodyPr spcFirstLastPara="1" wrap="square" lIns="91425" tIns="91425" rIns="91425" bIns="91425" anchor="t" anchorCtr="0">
             <a:normAutofit/>
           </a:bodyPr>
           <a:lstStyle/>
           <a:p>
-            <a:pPr indent="0" lvl="0" marL="0" rtl="0" algn="l">
+            <a:pPr marL="0" lvl="0" indent="0" algn="l" rtl="0">
               <a:spcBef>
                 <a:spcPts val="0"/>
               </a:spcBef>
@@ -10454,9 +10558,6 @@
               </a:spcAft>
               <a:buNone/>
             </a:pPr>
-            <a:r>
-              <a:t/>
-            </a:r>
             <a:endParaRPr/>
           </a:p>
         </p:txBody>
@@ -10498,7 +10599,288 @@
 </file>
 
 <file path=ppt/theme/theme1.xml><?xml version="1.0" encoding="utf-8"?>
-<a:theme xmlns:a="http://schemas.openxmlformats.org/drawingml/2006/main" xmlns:r="http://schemas.openxmlformats.org/officeDocument/2006/relationships">
+<a:theme xmlns:a="http://schemas.openxmlformats.org/drawingml/2006/main" name="Streamline">
+  <a:themeElements>
+    <a:clrScheme name="Streamline">
+      <a:dk1>
+        <a:srgbClr val="1A9988"/>
+      </a:dk1>
+      <a:lt1>
+        <a:srgbClr val="FFFFFF"/>
+      </a:lt1>
+      <a:dk2>
+        <a:srgbClr val="1A1A1A"/>
+      </a:dk2>
+      <a:lt2>
+        <a:srgbClr val="E9EDEE"/>
+      </a:lt2>
+      <a:accent1>
+        <a:srgbClr val="595959"/>
+      </a:accent1>
+      <a:accent2>
+        <a:srgbClr val="6AA4C8"/>
+      </a:accent2>
+      <a:accent3>
+        <a:srgbClr val="EB5600"/>
+      </a:accent3>
+      <a:accent4>
+        <a:srgbClr val="A2FFE8"/>
+      </a:accent4>
+      <a:accent5>
+        <a:srgbClr val="1C3678"/>
+      </a:accent5>
+      <a:accent6>
+        <a:srgbClr val="FFB8A2"/>
+      </a:accent6>
+      <a:hlink>
+        <a:srgbClr val="1C3678"/>
+      </a:hlink>
+      <a:folHlink>
+        <a:srgbClr val="1C3678"/>
+      </a:folHlink>
+    </a:clrScheme>
+    <a:fontScheme name="Office">
+      <a:majorFont>
+        <a:latin typeface="Arial"/>
+        <a:ea typeface=""/>
+        <a:cs typeface=""/>
+        <a:font script="Jpan" typeface="ＭＳ Ｐゴシック"/>
+        <a:font script="Hang" typeface="맑은 고딕"/>
+        <a:font script="Hans" typeface="宋体"/>
+        <a:font script="Hant" typeface="新細明體"/>
+        <a:font script="Arab" typeface="Times New Roman"/>
+        <a:font script="Hebr" typeface="Times New Roman"/>
+        <a:font script="Thai" typeface="Angsana New"/>
+        <a:font script="Ethi" typeface="Nyala"/>
+        <a:font script="Beng" typeface="Vrinda"/>
+        <a:font script="Gujr" typeface="Shruti"/>
+        <a:font script="Khmr" typeface="MoolBoran"/>
+        <a:font script="Knda" typeface="Tunga"/>
+        <a:font script="Guru" typeface="Raavi"/>
+        <a:font script="Cans" typeface="Euphemia"/>
+        <a:font script="Cher" typeface="Plantagenet Cherokee"/>
+        <a:font script="Yiii" typeface="Microsoft Yi Baiti"/>
+        <a:font script="Tibt" typeface="Microsoft Himalaya"/>
+        <a:font script="Thaa" typeface="MV Boli"/>
+        <a:font script="Deva" typeface="Mangal"/>
+        <a:font script="Telu" typeface="Gautami"/>
+        <a:font script="Taml" typeface="Latha"/>
+        <a:font script="Syrc" typeface="Estrangelo Edessa"/>
+        <a:font script="Orya" typeface="Kalinga"/>
+        <a:font script="Mlym" typeface="Kartika"/>
+        <a:font script="Laoo" typeface="DokChampa"/>
+        <a:font script="Sinh" typeface="Iskoola Pota"/>
+        <a:font script="Mong" typeface="Mongolian Baiti"/>
+        <a:font script="Viet" typeface="Times New Roman"/>
+        <a:font script="Uigh" typeface="Microsoft Uighur"/>
+        <a:font script="Geor" typeface="Sylfaen"/>
+      </a:majorFont>
+      <a:minorFont>
+        <a:latin typeface="Arial"/>
+        <a:ea typeface=""/>
+        <a:cs typeface=""/>
+        <a:font script="Jpan" typeface="ＭＳ Ｐゴシック"/>
+        <a:font script="Hang" typeface="맑은 고딕"/>
+        <a:font script="Hans" typeface="宋体"/>
+        <a:font script="Hant" typeface="新細明體"/>
+        <a:font script="Arab" typeface="Arial"/>
+        <a:font script="Hebr" typeface="Arial"/>
+        <a:font script="Thai" typeface="Cordia New"/>
+        <a:font script="Ethi" typeface="Nyala"/>
+        <a:font script="Beng" typeface="Vrinda"/>
+        <a:font script="Gujr" typeface="Shruti"/>
+        <a:font script="Khmr" typeface="DaunPenh"/>
+        <a:font script="Knda" typeface="Tunga"/>
+        <a:font script="Guru" typeface="Raavi"/>
+        <a:font script="Cans" typeface="Euphemia"/>
+        <a:font script="Cher" typeface="Plantagenet Cherokee"/>
+        <a:font script="Yiii" typeface="Microsoft Yi Baiti"/>
+        <a:font script="Tibt" typeface="Microsoft Himalaya"/>
+        <a:font script="Thaa" typeface="MV Boli"/>
+        <a:font script="Deva" typeface="Mangal"/>
+        <a:font script="Telu" typeface="Gautami"/>
+        <a:font script="Taml" typeface="Latha"/>
+        <a:font script="Syrc" typeface="Estrangelo Edessa"/>
+        <a:font script="Orya" typeface="Kalinga"/>
+        <a:font script="Mlym" typeface="Kartika"/>
+        <a:font script="Laoo" typeface="DokChampa"/>
+        <a:font script="Sinh" typeface="Iskoola Pota"/>
+        <a:font script="Mong" typeface="Mongolian Baiti"/>
+        <a:font script="Viet" typeface="Arial"/>
+        <a:font script="Uigh" typeface="Microsoft Uighur"/>
+        <a:font script="Geor" typeface="Sylfaen"/>
+      </a:minorFont>
+    </a:fontScheme>
+    <a:fmtScheme name="Office">
+      <a:fillStyleLst>
+        <a:solidFill>
+          <a:schemeClr val="phClr"/>
+        </a:solidFill>
+        <a:gradFill rotWithShape="1">
+          <a:gsLst>
+            <a:gs pos="0">
+              <a:schemeClr val="phClr">
+                <a:tint val="50000"/>
+                <a:satMod val="300000"/>
+              </a:schemeClr>
+            </a:gs>
+            <a:gs pos="35000">
+              <a:schemeClr val="phClr">
+                <a:tint val="37000"/>
+                <a:satMod val="300000"/>
+              </a:schemeClr>
+            </a:gs>
+            <a:gs pos="100000">
+              <a:schemeClr val="phClr">
+                <a:tint val="15000"/>
+                <a:satMod val="350000"/>
+              </a:schemeClr>
+            </a:gs>
+          </a:gsLst>
+          <a:lin ang="16200000" scaled="1"/>
+        </a:gradFill>
+        <a:gradFill rotWithShape="1">
+          <a:gsLst>
+            <a:gs pos="0">
+              <a:schemeClr val="phClr">
+                <a:tint val="100000"/>
+                <a:shade val="100000"/>
+                <a:satMod val="130000"/>
+              </a:schemeClr>
+            </a:gs>
+            <a:gs pos="100000">
+              <a:schemeClr val="phClr">
+                <a:tint val="50000"/>
+                <a:shade val="100000"/>
+                <a:satMod val="350000"/>
+              </a:schemeClr>
+            </a:gs>
+          </a:gsLst>
+          <a:lin ang="16200000" scaled="0"/>
+        </a:gradFill>
+      </a:fillStyleLst>
+      <a:lnStyleLst>
+        <a:ln w="9525" cap="flat" cmpd="sng" algn="ctr">
+          <a:solidFill>
+            <a:schemeClr val="phClr">
+              <a:shade val="95000"/>
+              <a:satMod val="105000"/>
+            </a:schemeClr>
+          </a:solidFill>
+          <a:prstDash val="solid"/>
+        </a:ln>
+        <a:ln w="25400" cap="flat" cmpd="sng" algn="ctr">
+          <a:solidFill>
+            <a:schemeClr val="phClr"/>
+          </a:solidFill>
+          <a:prstDash val="solid"/>
+        </a:ln>
+        <a:ln w="38100" cap="flat" cmpd="sng" algn="ctr">
+          <a:solidFill>
+            <a:schemeClr val="phClr"/>
+          </a:solidFill>
+          <a:prstDash val="solid"/>
+        </a:ln>
+      </a:lnStyleLst>
+      <a:effectStyleLst>
+        <a:effectStyle>
+          <a:effectLst>
+            <a:outerShdw blurRad="40000" dist="20000" dir="5400000" rotWithShape="0">
+              <a:srgbClr val="000000">
+                <a:alpha val="38000"/>
+              </a:srgbClr>
+            </a:outerShdw>
+          </a:effectLst>
+        </a:effectStyle>
+        <a:effectStyle>
+          <a:effectLst>
+            <a:outerShdw blurRad="40000" dist="23000" dir="5400000" rotWithShape="0">
+              <a:srgbClr val="000000">
+                <a:alpha val="35000"/>
+              </a:srgbClr>
+            </a:outerShdw>
+          </a:effectLst>
+        </a:effectStyle>
+        <a:effectStyle>
+          <a:effectLst>
+            <a:outerShdw blurRad="40000" dist="23000" dir="5400000" rotWithShape="0">
+              <a:srgbClr val="000000">
+                <a:alpha val="35000"/>
+              </a:srgbClr>
+            </a:outerShdw>
+          </a:effectLst>
+          <a:scene3d>
+            <a:camera prst="orthographicFront">
+              <a:rot lat="0" lon="0" rev="0"/>
+            </a:camera>
+            <a:lightRig rig="threePt" dir="t">
+              <a:rot lat="0" lon="0" rev="1200000"/>
+            </a:lightRig>
+          </a:scene3d>
+          <a:sp3d>
+            <a:bevelT w="63500" h="25400"/>
+          </a:sp3d>
+        </a:effectStyle>
+      </a:effectStyleLst>
+      <a:bgFillStyleLst>
+        <a:solidFill>
+          <a:schemeClr val="phClr"/>
+        </a:solidFill>
+        <a:gradFill rotWithShape="1">
+          <a:gsLst>
+            <a:gs pos="0">
+              <a:schemeClr val="phClr">
+                <a:tint val="40000"/>
+                <a:satMod val="350000"/>
+              </a:schemeClr>
+            </a:gs>
+            <a:gs pos="40000">
+              <a:schemeClr val="phClr">
+                <a:tint val="45000"/>
+                <a:shade val="99000"/>
+                <a:satMod val="350000"/>
+              </a:schemeClr>
+            </a:gs>
+            <a:gs pos="100000">
+              <a:schemeClr val="phClr">
+                <a:shade val="20000"/>
+                <a:satMod val="255000"/>
+              </a:schemeClr>
+            </a:gs>
+          </a:gsLst>
+          <a:path path="circle">
+            <a:fillToRect l="50000" t="-80000" r="50000" b="180000"/>
+          </a:path>
+        </a:gradFill>
+        <a:gradFill rotWithShape="1">
+          <a:gsLst>
+            <a:gs pos="0">
+              <a:schemeClr val="phClr">
+                <a:tint val="80000"/>
+                <a:satMod val="300000"/>
+              </a:schemeClr>
+            </a:gs>
+            <a:gs pos="100000">
+              <a:schemeClr val="phClr">
+                <a:shade val="30000"/>
+                <a:satMod val="200000"/>
+              </a:schemeClr>
+            </a:gs>
+          </a:gsLst>
+          <a:path path="circle">
+            <a:fillToRect l="50000" t="50000" r="50000" b="50000"/>
+          </a:path>
+        </a:gradFill>
+      </a:bgFillStyleLst>
+    </a:fmtScheme>
+  </a:themeElements>
+  <a:objectDefaults/>
+  <a:extraClrSchemeLst/>
+</a:theme>
+</file>
+
+<file path=ppt/theme/theme2.xml><?xml version="1.0" encoding="utf-8"?>
+<a:theme xmlns:a="http://schemas.openxmlformats.org/drawingml/2006/main">
   <a:themeElements>
     <a:clrScheme name="Default">
       <a:dk1>
@@ -10773,284 +11155,7 @@
       </a:bgFillStyleLst>
     </a:fmtScheme>
   </a:themeElements>
-</a:theme>
-</file>
-
-<file path=ppt/theme/theme2.xml><?xml version="1.0" encoding="utf-8"?>
-<a:theme xmlns:a="http://schemas.openxmlformats.org/drawingml/2006/main" xmlns:r="http://schemas.openxmlformats.org/officeDocument/2006/relationships" name="Streamline">
-  <a:themeElements>
-    <a:clrScheme name="Streamline">
-      <a:dk1>
-        <a:srgbClr val="1A9988"/>
-      </a:dk1>
-      <a:lt1>
-        <a:srgbClr val="FFFFFF"/>
-      </a:lt1>
-      <a:dk2>
-        <a:srgbClr val="1A1A1A"/>
-      </a:dk2>
-      <a:lt2>
-        <a:srgbClr val="E9EDEE"/>
-      </a:lt2>
-      <a:accent1>
-        <a:srgbClr val="595959"/>
-      </a:accent1>
-      <a:accent2>
-        <a:srgbClr val="6AA4C8"/>
-      </a:accent2>
-      <a:accent3>
-        <a:srgbClr val="EB5600"/>
-      </a:accent3>
-      <a:accent4>
-        <a:srgbClr val="A2FFE8"/>
-      </a:accent4>
-      <a:accent5>
-        <a:srgbClr val="1C3678"/>
-      </a:accent5>
-      <a:accent6>
-        <a:srgbClr val="FFB8A2"/>
-      </a:accent6>
-      <a:hlink>
-        <a:srgbClr val="1C3678"/>
-      </a:hlink>
-      <a:folHlink>
-        <a:srgbClr val="1C3678"/>
-      </a:folHlink>
-    </a:clrScheme>
-    <a:fontScheme name="Office">
-      <a:majorFont>
-        <a:latin typeface="Arial"/>
-        <a:ea typeface=""/>
-        <a:cs typeface=""/>
-        <a:font script="Jpan" typeface="ＭＳ Ｐゴシック"/>
-        <a:font script="Hang" typeface="맑은 고딕"/>
-        <a:font script="Hans" typeface="宋体"/>
-        <a:font script="Hant" typeface="新細明體"/>
-        <a:font script="Arab" typeface="Times New Roman"/>
-        <a:font script="Hebr" typeface="Times New Roman"/>
-        <a:font script="Thai" typeface="Angsana New"/>
-        <a:font script="Ethi" typeface="Nyala"/>
-        <a:font script="Beng" typeface="Vrinda"/>
-        <a:font script="Gujr" typeface="Shruti"/>
-        <a:font script="Khmr" typeface="MoolBoran"/>
-        <a:font script="Knda" typeface="Tunga"/>
-        <a:font script="Guru" typeface="Raavi"/>
-        <a:font script="Cans" typeface="Euphemia"/>
-        <a:font script="Cher" typeface="Plantagenet Cherokee"/>
-        <a:font script="Yiii" typeface="Microsoft Yi Baiti"/>
-        <a:font script="Tibt" typeface="Microsoft Himalaya"/>
-        <a:font script="Thaa" typeface="MV Boli"/>
-        <a:font script="Deva" typeface="Mangal"/>
-        <a:font script="Telu" typeface="Gautami"/>
-        <a:font script="Taml" typeface="Latha"/>
-        <a:font script="Syrc" typeface="Estrangelo Edessa"/>
-        <a:font script="Orya" typeface="Kalinga"/>
-        <a:font script="Mlym" typeface="Kartika"/>
-        <a:font script="Laoo" typeface="DokChampa"/>
-        <a:font script="Sinh" typeface="Iskoola Pota"/>
-        <a:font script="Mong" typeface="Mongolian Baiti"/>
-        <a:font script="Viet" typeface="Times New Roman"/>
-        <a:font script="Uigh" typeface="Microsoft Uighur"/>
-        <a:font script="Geor" typeface="Sylfaen"/>
-      </a:majorFont>
-      <a:minorFont>
-        <a:latin typeface="Arial"/>
-        <a:ea typeface=""/>
-        <a:cs typeface=""/>
-        <a:font script="Jpan" typeface="ＭＳ Ｐゴシック"/>
-        <a:font script="Hang" typeface="맑은 고딕"/>
-        <a:font script="Hans" typeface="宋体"/>
-        <a:font script="Hant" typeface="新細明體"/>
-        <a:font script="Arab" typeface="Arial"/>
-        <a:font script="Hebr" typeface="Arial"/>
-        <a:font script="Thai" typeface="Cordia New"/>
-        <a:font script="Ethi" typeface="Nyala"/>
-        <a:font script="Beng" typeface="Vrinda"/>
-        <a:font script="Gujr" typeface="Shruti"/>
-        <a:font script="Khmr" typeface="DaunPenh"/>
-        <a:font script="Knda" typeface="Tunga"/>
-        <a:font script="Guru" typeface="Raavi"/>
-        <a:font script="Cans" typeface="Euphemia"/>
-        <a:font script="Cher" typeface="Plantagenet Cherokee"/>
-        <a:font script="Yiii" typeface="Microsoft Yi Baiti"/>
-        <a:font script="Tibt" typeface="Microsoft Himalaya"/>
-        <a:font script="Thaa" typeface="MV Boli"/>
-        <a:font script="Deva" typeface="Mangal"/>
-        <a:font script="Telu" typeface="Gautami"/>
-        <a:font script="Taml" typeface="Latha"/>
-        <a:font script="Syrc" typeface="Estrangelo Edessa"/>
-        <a:font script="Orya" typeface="Kalinga"/>
-        <a:font script="Mlym" typeface="Kartika"/>
-        <a:font script="Laoo" typeface="DokChampa"/>
-        <a:font script="Sinh" typeface="Iskoola Pota"/>
-        <a:font script="Mong" typeface="Mongolian Baiti"/>
-        <a:font script="Viet" typeface="Arial"/>
-        <a:font script="Uigh" typeface="Microsoft Uighur"/>
-        <a:font script="Geor" typeface="Sylfaen"/>
-      </a:minorFont>
-    </a:fontScheme>
-    <a:fmtScheme name="Office">
-      <a:fillStyleLst>
-        <a:solidFill>
-          <a:schemeClr val="phClr"/>
-        </a:solidFill>
-        <a:gradFill rotWithShape="1">
-          <a:gsLst>
-            <a:gs pos="0">
-              <a:schemeClr val="phClr">
-                <a:tint val="50000"/>
-                <a:satMod val="300000"/>
-              </a:schemeClr>
-            </a:gs>
-            <a:gs pos="35000">
-              <a:schemeClr val="phClr">
-                <a:tint val="37000"/>
-                <a:satMod val="300000"/>
-              </a:schemeClr>
-            </a:gs>
-            <a:gs pos="100000">
-              <a:schemeClr val="phClr">
-                <a:tint val="15000"/>
-                <a:satMod val="350000"/>
-              </a:schemeClr>
-            </a:gs>
-          </a:gsLst>
-          <a:lin ang="16200000" scaled="1"/>
-        </a:gradFill>
-        <a:gradFill rotWithShape="1">
-          <a:gsLst>
-            <a:gs pos="0">
-              <a:schemeClr val="phClr">
-                <a:tint val="100000"/>
-                <a:shade val="100000"/>
-                <a:satMod val="130000"/>
-              </a:schemeClr>
-            </a:gs>
-            <a:gs pos="100000">
-              <a:schemeClr val="phClr">
-                <a:tint val="50000"/>
-                <a:shade val="100000"/>
-                <a:satMod val="350000"/>
-              </a:schemeClr>
-            </a:gs>
-          </a:gsLst>
-          <a:lin ang="16200000" scaled="0"/>
-        </a:gradFill>
-      </a:fillStyleLst>
-      <a:lnStyleLst>
-        <a:ln w="9525" cap="flat" cmpd="sng" algn="ctr">
-          <a:solidFill>
-            <a:schemeClr val="phClr">
-              <a:shade val="95000"/>
-              <a:satMod val="105000"/>
-            </a:schemeClr>
-          </a:solidFill>
-          <a:prstDash val="solid"/>
-        </a:ln>
-        <a:ln w="25400" cap="flat" cmpd="sng" algn="ctr">
-          <a:solidFill>
-            <a:schemeClr val="phClr"/>
-          </a:solidFill>
-          <a:prstDash val="solid"/>
-        </a:ln>
-        <a:ln w="38100" cap="flat" cmpd="sng" algn="ctr">
-          <a:solidFill>
-            <a:schemeClr val="phClr"/>
-          </a:solidFill>
-          <a:prstDash val="solid"/>
-        </a:ln>
-      </a:lnStyleLst>
-      <a:effectStyleLst>
-        <a:effectStyle>
-          <a:effectLst>
-            <a:outerShdw blurRad="40000" dist="20000" dir="5400000" rotWithShape="0">
-              <a:srgbClr val="000000">
-                <a:alpha val="38000"/>
-              </a:srgbClr>
-            </a:outerShdw>
-          </a:effectLst>
-        </a:effectStyle>
-        <a:effectStyle>
-          <a:effectLst>
-            <a:outerShdw blurRad="40000" dist="23000" dir="5400000" rotWithShape="0">
-              <a:srgbClr val="000000">
-                <a:alpha val="35000"/>
-              </a:srgbClr>
-            </a:outerShdw>
-          </a:effectLst>
-        </a:effectStyle>
-        <a:effectStyle>
-          <a:effectLst>
-            <a:outerShdw blurRad="40000" dist="23000" dir="5400000" rotWithShape="0">
-              <a:srgbClr val="000000">
-                <a:alpha val="35000"/>
-              </a:srgbClr>
-            </a:outerShdw>
-          </a:effectLst>
-          <a:scene3d>
-            <a:camera prst="orthographicFront">
-              <a:rot lat="0" lon="0" rev="0"/>
-            </a:camera>
-            <a:lightRig rig="threePt" dir="t">
-              <a:rot lat="0" lon="0" rev="1200000"/>
-            </a:lightRig>
-          </a:scene3d>
-          <a:sp3d>
-            <a:bevelT w="63500" h="25400"/>
-          </a:sp3d>
-        </a:effectStyle>
-      </a:effectStyleLst>
-      <a:bgFillStyleLst>
-        <a:solidFill>
-          <a:schemeClr val="phClr"/>
-        </a:solidFill>
-        <a:gradFill rotWithShape="1">
-          <a:gsLst>
-            <a:gs pos="0">
-              <a:schemeClr val="phClr">
-                <a:tint val="40000"/>
-                <a:satMod val="350000"/>
-              </a:schemeClr>
-            </a:gs>
-            <a:gs pos="40000">
-              <a:schemeClr val="phClr">
-                <a:tint val="45000"/>
-                <a:shade val="99000"/>
-                <a:satMod val="350000"/>
-              </a:schemeClr>
-            </a:gs>
-            <a:gs pos="100000">
-              <a:schemeClr val="phClr">
-                <a:shade val="20000"/>
-                <a:satMod val="255000"/>
-              </a:schemeClr>
-            </a:gs>
-          </a:gsLst>
-          <a:path path="circle">
-            <a:fillToRect l="50000" t="-80000" r="50000" b="180000"/>
-          </a:path>
-        </a:gradFill>
-        <a:gradFill rotWithShape="1">
-          <a:gsLst>
-            <a:gs pos="0">
-              <a:schemeClr val="phClr">
-                <a:tint val="80000"/>
-                <a:satMod val="300000"/>
-              </a:schemeClr>
-            </a:gs>
-            <a:gs pos="100000">
-              <a:schemeClr val="phClr">
-                <a:shade val="30000"/>
-                <a:satMod val="200000"/>
-              </a:schemeClr>
-            </a:gs>
-          </a:gsLst>
-          <a:path path="circle">
-            <a:fillToRect l="50000" t="50000" r="50000" b="50000"/>
-          </a:path>
-        </a:gradFill>
-      </a:bgFillStyleLst>
-    </a:fmtScheme>
-  </a:themeElements>
+  <a:objectDefaults/>
+  <a:extraClrSchemeLst/>
 </a:theme>
 </file>